--- a/Nathan/Compte-rendus/REVUE-R1-GUIGAND-SFL6.pptx
+++ b/Nathan/Compte-rendus/REVUE-R1-GUIGAND-SFL6.pptx
@@ -5,16 +5,17 @@
     <p:sldMasterId id="2147483648" r:id="rId1"/>
   </p:sldMasterIdLst>
   <p:notesMasterIdLst>
-    <p:notesMasterId r:id="rId9"/>
+    <p:notesMasterId r:id="rId10"/>
   </p:notesMasterIdLst>
   <p:sldIdLst>
     <p:sldId id="256" r:id="rId2"/>
     <p:sldId id="257" r:id="rId3"/>
     <p:sldId id="259" r:id="rId4"/>
-    <p:sldId id="266" r:id="rId5"/>
-    <p:sldId id="260" r:id="rId6"/>
-    <p:sldId id="262" r:id="rId7"/>
-    <p:sldId id="263" r:id="rId8"/>
+    <p:sldId id="267" r:id="rId5"/>
+    <p:sldId id="266" r:id="rId6"/>
+    <p:sldId id="260" r:id="rId7"/>
+    <p:sldId id="262" r:id="rId8"/>
+    <p:sldId id="263" r:id="rId9"/>
   </p:sldIdLst>
   <p:sldSz cx="12192000" cy="6858000"/>
   <p:notesSz cx="6858000" cy="9144000"/>
@@ -7413,7 +7414,7 @@
             </a:pPr>
             <a:r>
               <a:rPr lang="fr-FR" dirty="0"/>
-              <a:t>Tâches personnelles</a:t>
+              <a:t>Diagramme de cas d’utilisation</a:t>
             </a:r>
           </a:p>
           <a:p>
@@ -7423,7 +7424,7 @@
             </a:pPr>
             <a:r>
               <a:rPr lang="fr-FR" dirty="0"/>
-              <a:t>Diagramme de cas d’utilisation</a:t>
+              <a:t>Tâches personnelles</a:t>
             </a:r>
           </a:p>
           <a:p>
@@ -7691,29 +7692,64 @@
       </p:pic>
       <p:sp>
         <p:nvSpPr>
-          <p:cNvPr id="4" name="Rectangle 3">
+          <p:cNvPr id="10" name="ZoneTexte 9">
             <a:extLst>
               <a:ext uri="{FF2B5EF4-FFF2-40B4-BE49-F238E27FC236}">
-                <a16:creationId xmlns:a16="http://schemas.microsoft.com/office/drawing/2014/main" id="{CF0D3E06-8CC5-4656-8208-023AB114E572}"/>
+                <a16:creationId xmlns:a16="http://schemas.microsoft.com/office/drawing/2014/main" id="{A66FA68B-5F9D-451A-ABA9-7074434063CD}"/>
               </a:ext>
             </a:extLst>
           </p:cNvPr>
-          <p:cNvSpPr/>
+          <p:cNvSpPr txBox="1"/>
           <p:nvPr/>
         </p:nvSpPr>
         <p:spPr>
           <a:xfrm>
-            <a:off x="385590" y="1591056"/>
-            <a:ext cx="2540490" cy="2555494"/>
+            <a:off x="1" y="6378766"/>
+            <a:ext cx="429658" cy="461665"/>
           </a:xfrm>
           <a:prstGeom prst="rect">
             <a:avLst/>
           </a:prstGeom>
           <a:noFill/>
-          <a:ln w="44450">
-            <a:solidFill>
-              <a:srgbClr val="A31257"/>
-            </a:solidFill>
+        </p:spPr>
+        <p:txBody>
+          <a:bodyPr wrap="square" rtlCol="0">
+            <a:spAutoFit/>
+          </a:bodyPr>
+          <a:lstStyle/>
+          <a:p>
+            <a:r>
+              <a:rPr lang="fr-FR" sz="2400" dirty="0"/>
+              <a:t>2</a:t>
+            </a:r>
+          </a:p>
+        </p:txBody>
+      </p:sp>
+      <p:sp>
+        <p:nvSpPr>
+          <p:cNvPr id="7" name="Rectangle 6">
+            <a:extLst>
+              <a:ext uri="{FF2B5EF4-FFF2-40B4-BE49-F238E27FC236}">
+                <a16:creationId xmlns:a16="http://schemas.microsoft.com/office/drawing/2014/main" id="{7A257E24-A83B-44C9-8E4E-D5426DC256A8}"/>
+              </a:ext>
+            </a:extLst>
+          </p:cNvPr>
+          <p:cNvSpPr/>
+          <p:nvPr/>
+        </p:nvSpPr>
+        <p:spPr>
+          <a:xfrm>
+            <a:off x="11695175" y="671470"/>
+            <a:ext cx="64009" cy="5559136"/>
+          </a:xfrm>
+          <a:prstGeom prst="rect">
+            <a:avLst/>
+          </a:prstGeom>
+          <a:solidFill>
+            <a:schemeClr val="bg1"/>
+          </a:solidFill>
+          <a:ln>
+            <a:noFill/>
           </a:ln>
         </p:spPr>
         <p:style>
@@ -7743,10 +7779,10 @@
       </p:sp>
       <p:sp>
         <p:nvSpPr>
-          <p:cNvPr id="6" name="Rectangle 5">
+          <p:cNvPr id="9" name="Ellipse 8">
             <a:extLst>
               <a:ext uri="{FF2B5EF4-FFF2-40B4-BE49-F238E27FC236}">
-                <a16:creationId xmlns:a16="http://schemas.microsoft.com/office/drawing/2014/main" id="{5070C0B7-1FC1-4B91-8113-D3B6022EC77E}"/>
+                <a16:creationId xmlns:a16="http://schemas.microsoft.com/office/drawing/2014/main" id="{CE87EE90-A0D4-4C9A-8C57-2C006C6BB615}"/>
               </a:ext>
             </a:extLst>
           </p:cNvPr>
@@ -7755,17 +7791,17 @@
         </p:nvSpPr>
         <p:spPr>
           <a:xfrm>
-            <a:off x="385590" y="4146550"/>
-            <a:ext cx="3354560" cy="2457450"/>
-          </a:xfrm>
-          <a:prstGeom prst="rect">
+            <a:off x="11530584" y="570246"/>
+            <a:ext cx="400813" cy="366747"/>
+          </a:xfrm>
+          <a:prstGeom prst="ellipse">
             <a:avLst/>
           </a:prstGeom>
-          <a:noFill/>
-          <a:ln w="44450">
-            <a:solidFill>
-              <a:srgbClr val="A31257"/>
-            </a:solidFill>
+          <a:solidFill>
+            <a:srgbClr val="009900"/>
+          </a:solidFill>
+          <a:ln>
+            <a:noFill/>
           </a:ln>
         </p:spPr>
         <p:style>
@@ -7795,10 +7831,10 @@
       </p:sp>
       <p:sp>
         <p:nvSpPr>
-          <p:cNvPr id="5" name="Rectangle 4">
+          <p:cNvPr id="12" name="Ellipse 11">
             <a:extLst>
               <a:ext uri="{FF2B5EF4-FFF2-40B4-BE49-F238E27FC236}">
-                <a16:creationId xmlns:a16="http://schemas.microsoft.com/office/drawing/2014/main" id="{D59CBE16-0BE1-4005-A092-5A806801223C}"/>
+                <a16:creationId xmlns:a16="http://schemas.microsoft.com/office/drawing/2014/main" id="{ED821AF8-1866-4DB0-B4A6-1667763CCAC1}"/>
               </a:ext>
             </a:extLst>
           </p:cNvPr>
@@ -7807,16 +7843,14 @@
         </p:nvSpPr>
         <p:spPr>
           <a:xfrm>
-            <a:off x="2926080" y="947451"/>
-            <a:ext cx="5931481" cy="3199099"/>
-          </a:xfrm>
-          <a:prstGeom prst="rect">
+            <a:off x="11530583" y="2798334"/>
+            <a:ext cx="400813" cy="366747"/>
+          </a:xfrm>
+          <a:prstGeom prst="ellipse">
             <a:avLst/>
           </a:prstGeom>
           <a:solidFill>
-            <a:schemeClr val="accent1">
-              <a:alpha val="35000"/>
-            </a:schemeClr>
+            <a:schemeClr val="bg1"/>
           </a:solidFill>
           <a:ln>
             <a:noFill/>
@@ -7849,10 +7883,10 @@
       </p:sp>
       <p:sp>
         <p:nvSpPr>
-          <p:cNvPr id="8" name="Rectangle 7">
+          <p:cNvPr id="13" name="Ellipse 12">
             <a:extLst>
               <a:ext uri="{FF2B5EF4-FFF2-40B4-BE49-F238E27FC236}">
-                <a16:creationId xmlns:a16="http://schemas.microsoft.com/office/drawing/2014/main" id="{4D74D9AA-8E70-4488-BC8D-E603843D946C}"/>
+                <a16:creationId xmlns:a16="http://schemas.microsoft.com/office/drawing/2014/main" id="{F02ECFAD-820A-4940-8ABC-B95DE3252CE2}"/>
               </a:ext>
             </a:extLst>
           </p:cNvPr>
@@ -7861,16 +7895,14 @@
         </p:nvSpPr>
         <p:spPr>
           <a:xfrm>
-            <a:off x="3740150" y="4157008"/>
-            <a:ext cx="5117411" cy="2557557"/>
-          </a:xfrm>
-          <a:prstGeom prst="rect">
+            <a:off x="11530582" y="4331478"/>
+            <a:ext cx="400813" cy="366747"/>
+          </a:xfrm>
+          <a:prstGeom prst="ellipse">
             <a:avLst/>
           </a:prstGeom>
           <a:solidFill>
-            <a:schemeClr val="accent1">
-              <a:alpha val="35000"/>
-            </a:schemeClr>
+            <a:schemeClr val="bg1"/>
           </a:solidFill>
           <a:ln>
             <a:noFill/>
@@ -7903,10 +7935,166 @@
       </p:sp>
       <p:sp>
         <p:nvSpPr>
-          <p:cNvPr id="10" name="ZoneTexte 9">
+          <p:cNvPr id="14" name="Ellipse 13">
             <a:extLst>
               <a:ext uri="{FF2B5EF4-FFF2-40B4-BE49-F238E27FC236}">
-                <a16:creationId xmlns:a16="http://schemas.microsoft.com/office/drawing/2014/main" id="{A66FA68B-5F9D-451A-ABA9-7074434063CD}"/>
+                <a16:creationId xmlns:a16="http://schemas.microsoft.com/office/drawing/2014/main" id="{4B69E0F2-2894-43B2-AE2F-FEC209C7AC33}"/>
+              </a:ext>
+            </a:extLst>
+          </p:cNvPr>
+          <p:cNvSpPr/>
+          <p:nvPr/>
+        </p:nvSpPr>
+        <p:spPr>
+          <a:xfrm>
+            <a:off x="11530581" y="5863858"/>
+            <a:ext cx="400813" cy="366747"/>
+          </a:xfrm>
+          <a:prstGeom prst="ellipse">
+            <a:avLst/>
+          </a:prstGeom>
+          <a:solidFill>
+            <a:schemeClr val="bg1"/>
+          </a:solidFill>
+          <a:ln>
+            <a:noFill/>
+          </a:ln>
+        </p:spPr>
+        <p:style>
+          <a:lnRef idx="2">
+            <a:schemeClr val="accent1">
+              <a:shade val="50000"/>
+            </a:schemeClr>
+          </a:lnRef>
+          <a:fillRef idx="1">
+            <a:schemeClr val="accent1"/>
+          </a:fillRef>
+          <a:effectRef idx="0">
+            <a:schemeClr val="accent1"/>
+          </a:effectRef>
+          <a:fontRef idx="minor">
+            <a:schemeClr val="lt1"/>
+          </a:fontRef>
+        </p:style>
+        <p:txBody>
+          <a:bodyPr rtlCol="0" anchor="ctr"/>
+          <a:lstStyle/>
+          <a:p>
+            <a:pPr algn="ctr"/>
+            <a:endParaRPr lang="fr-FR"/>
+          </a:p>
+        </p:txBody>
+      </p:sp>
+      <p:sp>
+        <p:nvSpPr>
+          <p:cNvPr id="15" name="Organigramme : Terminateur 14">
+            <a:extLst>
+              <a:ext uri="{FF2B5EF4-FFF2-40B4-BE49-F238E27FC236}">
+                <a16:creationId xmlns:a16="http://schemas.microsoft.com/office/drawing/2014/main" id="{DEF7F1BD-53A2-411D-9DC1-226DB21C959D}"/>
+              </a:ext>
+            </a:extLst>
+          </p:cNvPr>
+          <p:cNvSpPr/>
+          <p:nvPr/>
+        </p:nvSpPr>
+        <p:spPr>
+          <a:xfrm>
+            <a:off x="11562541" y="1448372"/>
+            <a:ext cx="188499" cy="71437"/>
+          </a:xfrm>
+          <a:prstGeom prst="flowChartTerminator">
+            <a:avLst/>
+          </a:prstGeom>
+          <a:solidFill>
+            <a:srgbClr val="009900"/>
+          </a:solidFill>
+          <a:ln>
+            <a:noFill/>
+          </a:ln>
+        </p:spPr>
+        <p:style>
+          <a:lnRef idx="2">
+            <a:schemeClr val="accent1">
+              <a:shade val="50000"/>
+            </a:schemeClr>
+          </a:lnRef>
+          <a:fillRef idx="1">
+            <a:schemeClr val="accent1"/>
+          </a:fillRef>
+          <a:effectRef idx="0">
+            <a:schemeClr val="accent1"/>
+          </a:effectRef>
+          <a:fontRef idx="minor">
+            <a:schemeClr val="lt1"/>
+          </a:fontRef>
+        </p:style>
+        <p:txBody>
+          <a:bodyPr rtlCol="0" anchor="ctr"/>
+          <a:lstStyle/>
+          <a:p>
+            <a:pPr algn="ctr"/>
+            <a:endParaRPr lang="fr-FR"/>
+          </a:p>
+        </p:txBody>
+      </p:sp>
+      <p:sp>
+        <p:nvSpPr>
+          <p:cNvPr id="17" name="Organigramme : Terminateur 16">
+            <a:extLst>
+              <a:ext uri="{FF2B5EF4-FFF2-40B4-BE49-F238E27FC236}">
+                <a16:creationId xmlns:a16="http://schemas.microsoft.com/office/drawing/2014/main" id="{72E41086-A62D-4CF5-B7DB-B0A89BC049A2}"/>
+              </a:ext>
+            </a:extLst>
+          </p:cNvPr>
+          <p:cNvSpPr/>
+          <p:nvPr/>
+        </p:nvSpPr>
+        <p:spPr>
+          <a:xfrm>
+            <a:off x="11570685" y="2179226"/>
+            <a:ext cx="188499" cy="71437"/>
+          </a:xfrm>
+          <a:prstGeom prst="flowChartTerminator">
+            <a:avLst/>
+          </a:prstGeom>
+          <a:solidFill>
+            <a:schemeClr val="bg1"/>
+          </a:solidFill>
+          <a:ln>
+            <a:noFill/>
+          </a:ln>
+        </p:spPr>
+        <p:style>
+          <a:lnRef idx="2">
+            <a:schemeClr val="accent1">
+              <a:shade val="50000"/>
+            </a:schemeClr>
+          </a:lnRef>
+          <a:fillRef idx="1">
+            <a:schemeClr val="accent1"/>
+          </a:fillRef>
+          <a:effectRef idx="0">
+            <a:schemeClr val="accent1"/>
+          </a:effectRef>
+          <a:fontRef idx="minor">
+            <a:schemeClr val="lt1"/>
+          </a:fontRef>
+        </p:style>
+        <p:txBody>
+          <a:bodyPr rtlCol="0" anchor="ctr"/>
+          <a:lstStyle/>
+          <a:p>
+            <a:pPr algn="ctr"/>
+            <a:endParaRPr lang="fr-FR"/>
+          </a:p>
+        </p:txBody>
+      </p:sp>
+      <p:sp>
+        <p:nvSpPr>
+          <p:cNvPr id="16" name="ZoneTexte 15">
+            <a:extLst>
+              <a:ext uri="{FF2B5EF4-FFF2-40B4-BE49-F238E27FC236}">
+                <a16:creationId xmlns:a16="http://schemas.microsoft.com/office/drawing/2014/main" id="{F7857BB6-E342-4747-9425-F3E9DD2ADBD3}"/>
               </a:ext>
             </a:extLst>
           </p:cNvPr>
@@ -7915,8 +8103,8 @@
         </p:nvSpPr>
         <p:spPr>
           <a:xfrm>
-            <a:off x="1" y="6378766"/>
-            <a:ext cx="429658" cy="461665"/>
+            <a:off x="10197081" y="537591"/>
+            <a:ext cx="1333500" cy="430887"/>
           </a:xfrm>
           <a:prstGeom prst="rect">
             <a:avLst/>
@@ -7929,10 +8117,251 @@
           </a:bodyPr>
           <a:lstStyle/>
           <a:p>
-            <a:r>
-              <a:rPr lang="fr-FR" sz="2400" dirty="0"/>
-              <a:t>2</a:t>
-            </a:r>
+            <a:pPr algn="r"/>
+            <a:r>
+              <a:rPr lang="fr-FR" sz="1100" dirty="0">
+                <a:solidFill>
+                  <a:srgbClr val="A41258"/>
+                </a:solidFill>
+              </a:rPr>
+              <a:t>Présentation du projet</a:t>
+            </a:r>
+          </a:p>
+        </p:txBody>
+      </p:sp>
+      <p:sp>
+        <p:nvSpPr>
+          <p:cNvPr id="19" name="ZoneTexte 18">
+            <a:extLst>
+              <a:ext uri="{FF2B5EF4-FFF2-40B4-BE49-F238E27FC236}">
+                <a16:creationId xmlns:a16="http://schemas.microsoft.com/office/drawing/2014/main" id="{C6736818-D057-4050-AB8A-3E2BF2159972}"/>
+              </a:ext>
+            </a:extLst>
+          </p:cNvPr>
+          <p:cNvSpPr txBox="1"/>
+          <p:nvPr/>
+        </p:nvSpPr>
+        <p:spPr>
+          <a:xfrm>
+            <a:off x="10295358" y="1353285"/>
+            <a:ext cx="1333500" cy="261610"/>
+          </a:xfrm>
+          <a:prstGeom prst="rect">
+            <a:avLst/>
+          </a:prstGeom>
+          <a:noFill/>
+        </p:spPr>
+        <p:txBody>
+          <a:bodyPr wrap="square" rtlCol="0">
+            <a:spAutoFit/>
+          </a:bodyPr>
+          <a:lstStyle/>
+          <a:p>
+            <a:pPr algn="r"/>
+            <a:r>
+              <a:rPr lang="fr-FR" sz="1100" dirty="0">
+                <a:solidFill>
+                  <a:srgbClr val="A41258"/>
+                </a:solidFill>
+              </a:rPr>
+              <a:t>Schéma global</a:t>
+            </a:r>
+          </a:p>
+        </p:txBody>
+      </p:sp>
+      <p:sp>
+        <p:nvSpPr>
+          <p:cNvPr id="20" name="ZoneTexte 19">
+            <a:extLst>
+              <a:ext uri="{FF2B5EF4-FFF2-40B4-BE49-F238E27FC236}">
+                <a16:creationId xmlns:a16="http://schemas.microsoft.com/office/drawing/2014/main" id="{0B188E82-C6B7-41B1-9126-48E05395D719}"/>
+              </a:ext>
+            </a:extLst>
+          </p:cNvPr>
+          <p:cNvSpPr txBox="1"/>
+          <p:nvPr/>
+        </p:nvSpPr>
+        <p:spPr>
+          <a:xfrm>
+            <a:off x="10295358" y="2019390"/>
+            <a:ext cx="1333500" cy="430887"/>
+          </a:xfrm>
+          <a:prstGeom prst="rect">
+            <a:avLst/>
+          </a:prstGeom>
+          <a:noFill/>
+        </p:spPr>
+        <p:txBody>
+          <a:bodyPr wrap="square" rtlCol="0">
+            <a:spAutoFit/>
+          </a:bodyPr>
+          <a:lstStyle/>
+          <a:p>
+            <a:pPr algn="r"/>
+            <a:r>
+              <a:rPr lang="fr-FR" sz="1100" dirty="0"/>
+              <a:t>Schéma personnalisé</a:t>
+            </a:r>
+          </a:p>
+        </p:txBody>
+      </p:sp>
+      <p:sp>
+        <p:nvSpPr>
+          <p:cNvPr id="21" name="ZoneTexte 20">
+            <a:extLst>
+              <a:ext uri="{FF2B5EF4-FFF2-40B4-BE49-F238E27FC236}">
+                <a16:creationId xmlns:a16="http://schemas.microsoft.com/office/drawing/2014/main" id="{B73674D9-0F33-4F62-AAF0-71E9D2157F16}"/>
+              </a:ext>
+            </a:extLst>
+          </p:cNvPr>
+          <p:cNvSpPr txBox="1"/>
+          <p:nvPr/>
+        </p:nvSpPr>
+        <p:spPr>
+          <a:xfrm>
+            <a:off x="10237185" y="2754095"/>
+            <a:ext cx="1333500" cy="430887"/>
+          </a:xfrm>
+          <a:prstGeom prst="rect">
+            <a:avLst/>
+          </a:prstGeom>
+          <a:noFill/>
+        </p:spPr>
+        <p:txBody>
+          <a:bodyPr wrap="square" rtlCol="0">
+            <a:spAutoFit/>
+          </a:bodyPr>
+          <a:lstStyle/>
+          <a:p>
+            <a:pPr algn="r"/>
+            <a:r>
+              <a:rPr lang="fr-FR" sz="1100" dirty="0"/>
+              <a:t>Diagramme de cas d’utilisation</a:t>
+            </a:r>
+          </a:p>
+        </p:txBody>
+      </p:sp>
+      <p:sp>
+        <p:nvSpPr>
+          <p:cNvPr id="22" name="ZoneTexte 21">
+            <a:extLst>
+              <a:ext uri="{FF2B5EF4-FFF2-40B4-BE49-F238E27FC236}">
+                <a16:creationId xmlns:a16="http://schemas.microsoft.com/office/drawing/2014/main" id="{DEAD97CF-35B4-47D2-A8F5-6CF8BEA2A11E}"/>
+              </a:ext>
+            </a:extLst>
+          </p:cNvPr>
+          <p:cNvSpPr txBox="1"/>
+          <p:nvPr/>
+        </p:nvSpPr>
+        <p:spPr>
+          <a:xfrm>
+            <a:off x="10053638" y="4383664"/>
+            <a:ext cx="1517047" cy="261610"/>
+          </a:xfrm>
+          <a:prstGeom prst="rect">
+            <a:avLst/>
+          </a:prstGeom>
+          <a:noFill/>
+        </p:spPr>
+        <p:txBody>
+          <a:bodyPr wrap="square" rtlCol="0">
+            <a:spAutoFit/>
+          </a:bodyPr>
+          <a:lstStyle/>
+          <a:p>
+            <a:pPr algn="r"/>
+            <a:r>
+              <a:rPr lang="fr-FR" sz="1100" dirty="0"/>
+              <a:t>Tâches personnelles</a:t>
+            </a:r>
+          </a:p>
+        </p:txBody>
+      </p:sp>
+      <p:sp>
+        <p:nvSpPr>
+          <p:cNvPr id="23" name="ZoneTexte 22">
+            <a:extLst>
+              <a:ext uri="{FF2B5EF4-FFF2-40B4-BE49-F238E27FC236}">
+                <a16:creationId xmlns:a16="http://schemas.microsoft.com/office/drawing/2014/main" id="{71739D9E-A1F1-463A-85C4-42077288343B}"/>
+              </a:ext>
+            </a:extLst>
+          </p:cNvPr>
+          <p:cNvSpPr txBox="1"/>
+          <p:nvPr/>
+        </p:nvSpPr>
+        <p:spPr>
+          <a:xfrm>
+            <a:off x="9953723" y="5916426"/>
+            <a:ext cx="1616962" cy="261610"/>
+          </a:xfrm>
+          <a:prstGeom prst="rect">
+            <a:avLst/>
+          </a:prstGeom>
+          <a:noFill/>
+        </p:spPr>
+        <p:txBody>
+          <a:bodyPr wrap="square" rtlCol="0">
+            <a:spAutoFit/>
+          </a:bodyPr>
+          <a:lstStyle/>
+          <a:p>
+            <a:pPr algn="r"/>
+            <a:r>
+              <a:rPr lang="fr-FR" sz="1100" dirty="0"/>
+              <a:t>Schématisation réseau</a:t>
+            </a:r>
+          </a:p>
+        </p:txBody>
+      </p:sp>
+      <p:sp>
+        <p:nvSpPr>
+          <p:cNvPr id="24" name="Rectangle 23">
+            <a:extLst>
+              <a:ext uri="{FF2B5EF4-FFF2-40B4-BE49-F238E27FC236}">
+                <a16:creationId xmlns:a16="http://schemas.microsoft.com/office/drawing/2014/main" id="{C08116EC-1234-49A5-8D9C-4AF2CACB360A}"/>
+              </a:ext>
+            </a:extLst>
+          </p:cNvPr>
+          <p:cNvSpPr/>
+          <p:nvPr/>
+        </p:nvSpPr>
+        <p:spPr>
+          <a:xfrm>
+            <a:off x="11695175" y="627394"/>
+            <a:ext cx="64009" cy="892415"/>
+          </a:xfrm>
+          <a:prstGeom prst="rect">
+            <a:avLst/>
+          </a:prstGeom>
+          <a:solidFill>
+            <a:srgbClr val="009900"/>
+          </a:solidFill>
+          <a:ln>
+            <a:noFill/>
+          </a:ln>
+        </p:spPr>
+        <p:style>
+          <a:lnRef idx="2">
+            <a:schemeClr val="accent1">
+              <a:shade val="50000"/>
+            </a:schemeClr>
+          </a:lnRef>
+          <a:fillRef idx="1">
+            <a:schemeClr val="accent1"/>
+          </a:fillRef>
+          <a:effectRef idx="0">
+            <a:schemeClr val="accent1"/>
+          </a:effectRef>
+          <a:fontRef idx="minor">
+            <a:schemeClr val="lt1"/>
+          </a:fontRef>
+        </p:style>
+        <p:txBody>
+          <a:bodyPr rtlCol="0" anchor="ctr"/>
+          <a:lstStyle/>
+          <a:p>
+            <a:pPr algn="ctr"/>
+            <a:endParaRPr lang="fr-FR"/>
           </a:p>
         </p:txBody>
       </p:sp>
@@ -8028,7 +8457,7 @@
           <p:cNvPr id="3" name="ZoneTexte 2">
             <a:extLst>
               <a:ext uri="{FF2B5EF4-FFF2-40B4-BE49-F238E27FC236}">
-                <a16:creationId xmlns:a16="http://schemas.microsoft.com/office/drawing/2014/main" id="{B471CF48-6047-4FC0-80B5-834C802D9B1F}"/>
+                <a16:creationId xmlns:a16="http://schemas.microsoft.com/office/drawing/2014/main" id="{710E88E4-C59A-4F33-A331-17F09767646F}"/>
               </a:ext>
             </a:extLst>
           </p:cNvPr>
@@ -8037,8 +8466,8 @@
         </p:nvSpPr>
         <p:spPr>
           <a:xfrm>
-            <a:off x="2413071" y="143435"/>
-            <a:ext cx="6630345" cy="1077218"/>
+            <a:off x="2816352" y="143435"/>
+            <a:ext cx="5342576" cy="646331"/>
           </a:xfrm>
           <a:prstGeom prst="rect">
             <a:avLst/>
@@ -8086,21 +8515,24 @@
               <a:rPr lang="fr-FR" sz="3600" b="1" dirty="0">
                 <a:latin typeface="Eras Medium ITC" panose="020B0602030504020804" pitchFamily="34" charset="0"/>
               </a:rPr>
-              <a:t>Diagramme de cas d’utilisation : </a:t>
-            </a:r>
-            <a:r>
-              <a:rPr lang="fr-FR" sz="2800" b="1" dirty="0">
+              <a:t>Présentation du </a:t>
+            </a:r>
+            <a:r>
+              <a:rPr lang="fr-FR" sz="3600" b="1" dirty="0">
                 <a:solidFill>
-                  <a:srgbClr val="A41258"/>
+                  <a:srgbClr val="A31257"/>
                 </a:solidFill>
                 <a:latin typeface="Eras Medium ITC" panose="020B0602030504020804" pitchFamily="34" charset="0"/>
               </a:rPr>
-              <a:t>Global</a:t>
+              <a:t>projet</a:t>
+            </a:r>
+            <a:r>
+              <a:rPr lang="fr-FR" sz="3600" b="1" dirty="0">
+                <a:latin typeface="Eras Medium ITC" panose="020B0602030504020804" pitchFamily="34" charset="0"/>
+              </a:rPr>
+              <a:t> :</a:t>
             </a:r>
             <a:endParaRPr lang="fr-FR" sz="3200" b="1" dirty="0">
-              <a:solidFill>
-                <a:srgbClr val="A41258"/>
-              </a:solidFill>
               <a:latin typeface="Eras Medium ITC" panose="020B0602030504020804" pitchFamily="34" charset="0"/>
             </a:endParaRPr>
           </a:p>
@@ -8111,7 +8543,7 @@
           <p:cNvPr id="2" name="Image 1">
             <a:extLst>
               <a:ext uri="{FF2B5EF4-FFF2-40B4-BE49-F238E27FC236}">
-                <a16:creationId xmlns:a16="http://schemas.microsoft.com/office/drawing/2014/main" id="{90A51D8C-DBCC-4AC6-9EC6-E9B6237A0F66}"/>
+                <a16:creationId xmlns:a16="http://schemas.microsoft.com/office/drawing/2014/main" id="{D297602B-3888-4148-A07F-260085A43925}"/>
               </a:ext>
             </a:extLst>
           </p:cNvPr>
@@ -8120,16 +8552,15 @@
           </p:cNvPicPr>
           <p:nvPr/>
         </p:nvPicPr>
-        <p:blipFill>
+        <p:blipFill rotWithShape="1">
           <a:blip r:embed="rId3"/>
-          <a:stretch>
-            <a:fillRect/>
-          </a:stretch>
+          <a:srcRect t="4170"/>
+          <a:stretch/>
         </p:blipFill>
         <p:spPr>
           <a:xfrm>
-            <a:off x="2103443" y="1115122"/>
-            <a:ext cx="5238849" cy="5742878"/>
+            <a:off x="0" y="936993"/>
+            <a:ext cx="8954429" cy="5914304"/>
           </a:xfrm>
           <a:prstGeom prst="rect">
             <a:avLst/>
@@ -8138,25 +8569,237 @@
       </p:pic>
       <p:sp>
         <p:nvSpPr>
-          <p:cNvPr id="6" name="ZoneTexte 5">
+          <p:cNvPr id="4" name="Rectangle 3">
             <a:extLst>
               <a:ext uri="{FF2B5EF4-FFF2-40B4-BE49-F238E27FC236}">
-                <a16:creationId xmlns:a16="http://schemas.microsoft.com/office/drawing/2014/main" id="{FB060255-6026-4EE3-A200-E18A3D7DEF80}"/>
+                <a16:creationId xmlns:a16="http://schemas.microsoft.com/office/drawing/2014/main" id="{CF0D3E06-8CC5-4656-8208-023AB114E572}"/>
               </a:ext>
             </a:extLst>
           </p:cNvPr>
-          <p:cNvSpPr txBox="1"/>
+          <p:cNvSpPr/>
           <p:nvPr/>
         </p:nvSpPr>
         <p:spPr>
           <a:xfrm>
-            <a:off x="1" y="6378766"/>
-            <a:ext cx="429658" cy="461665"/>
+            <a:off x="385590" y="1591056"/>
+            <a:ext cx="2540490" cy="2555494"/>
           </a:xfrm>
           <a:prstGeom prst="rect">
             <a:avLst/>
           </a:prstGeom>
           <a:noFill/>
+          <a:ln w="44450">
+            <a:solidFill>
+              <a:srgbClr val="A31257"/>
+            </a:solidFill>
+          </a:ln>
+        </p:spPr>
+        <p:style>
+          <a:lnRef idx="2">
+            <a:schemeClr val="accent1">
+              <a:shade val="50000"/>
+            </a:schemeClr>
+          </a:lnRef>
+          <a:fillRef idx="1">
+            <a:schemeClr val="accent1"/>
+          </a:fillRef>
+          <a:effectRef idx="0">
+            <a:schemeClr val="accent1"/>
+          </a:effectRef>
+          <a:fontRef idx="minor">
+            <a:schemeClr val="lt1"/>
+          </a:fontRef>
+        </p:style>
+        <p:txBody>
+          <a:bodyPr rtlCol="0" anchor="ctr"/>
+          <a:lstStyle/>
+          <a:p>
+            <a:pPr algn="ctr"/>
+            <a:endParaRPr lang="fr-FR"/>
+          </a:p>
+        </p:txBody>
+      </p:sp>
+      <p:sp>
+        <p:nvSpPr>
+          <p:cNvPr id="6" name="Rectangle 5">
+            <a:extLst>
+              <a:ext uri="{FF2B5EF4-FFF2-40B4-BE49-F238E27FC236}">
+                <a16:creationId xmlns:a16="http://schemas.microsoft.com/office/drawing/2014/main" id="{5070C0B7-1FC1-4B91-8113-D3B6022EC77E}"/>
+              </a:ext>
+            </a:extLst>
+          </p:cNvPr>
+          <p:cNvSpPr/>
+          <p:nvPr/>
+        </p:nvSpPr>
+        <p:spPr>
+          <a:xfrm>
+            <a:off x="385590" y="4146550"/>
+            <a:ext cx="3354560" cy="2457450"/>
+          </a:xfrm>
+          <a:prstGeom prst="rect">
+            <a:avLst/>
+          </a:prstGeom>
+          <a:noFill/>
+          <a:ln w="44450">
+            <a:solidFill>
+              <a:srgbClr val="A31257"/>
+            </a:solidFill>
+          </a:ln>
+        </p:spPr>
+        <p:style>
+          <a:lnRef idx="2">
+            <a:schemeClr val="accent1">
+              <a:shade val="50000"/>
+            </a:schemeClr>
+          </a:lnRef>
+          <a:fillRef idx="1">
+            <a:schemeClr val="accent1"/>
+          </a:fillRef>
+          <a:effectRef idx="0">
+            <a:schemeClr val="accent1"/>
+          </a:effectRef>
+          <a:fontRef idx="minor">
+            <a:schemeClr val="lt1"/>
+          </a:fontRef>
+        </p:style>
+        <p:txBody>
+          <a:bodyPr rtlCol="0" anchor="ctr"/>
+          <a:lstStyle/>
+          <a:p>
+            <a:pPr algn="ctr"/>
+            <a:endParaRPr lang="fr-FR"/>
+          </a:p>
+        </p:txBody>
+      </p:sp>
+      <p:sp>
+        <p:nvSpPr>
+          <p:cNvPr id="5" name="Rectangle 4">
+            <a:extLst>
+              <a:ext uri="{FF2B5EF4-FFF2-40B4-BE49-F238E27FC236}">
+                <a16:creationId xmlns:a16="http://schemas.microsoft.com/office/drawing/2014/main" id="{D59CBE16-0BE1-4005-A092-5A806801223C}"/>
+              </a:ext>
+            </a:extLst>
+          </p:cNvPr>
+          <p:cNvSpPr/>
+          <p:nvPr/>
+        </p:nvSpPr>
+        <p:spPr>
+          <a:xfrm>
+            <a:off x="2926080" y="947451"/>
+            <a:ext cx="5931481" cy="3199099"/>
+          </a:xfrm>
+          <a:prstGeom prst="rect">
+            <a:avLst/>
+          </a:prstGeom>
+          <a:solidFill>
+            <a:schemeClr val="accent1">
+              <a:alpha val="35000"/>
+            </a:schemeClr>
+          </a:solidFill>
+          <a:ln>
+            <a:noFill/>
+          </a:ln>
+        </p:spPr>
+        <p:style>
+          <a:lnRef idx="2">
+            <a:schemeClr val="accent1">
+              <a:shade val="50000"/>
+            </a:schemeClr>
+          </a:lnRef>
+          <a:fillRef idx="1">
+            <a:schemeClr val="accent1"/>
+          </a:fillRef>
+          <a:effectRef idx="0">
+            <a:schemeClr val="accent1"/>
+          </a:effectRef>
+          <a:fontRef idx="minor">
+            <a:schemeClr val="lt1"/>
+          </a:fontRef>
+        </p:style>
+        <p:txBody>
+          <a:bodyPr rtlCol="0" anchor="ctr"/>
+          <a:lstStyle/>
+          <a:p>
+            <a:pPr algn="ctr"/>
+            <a:endParaRPr lang="fr-FR"/>
+          </a:p>
+        </p:txBody>
+      </p:sp>
+      <p:sp>
+        <p:nvSpPr>
+          <p:cNvPr id="8" name="Rectangle 7">
+            <a:extLst>
+              <a:ext uri="{FF2B5EF4-FFF2-40B4-BE49-F238E27FC236}">
+                <a16:creationId xmlns:a16="http://schemas.microsoft.com/office/drawing/2014/main" id="{4D74D9AA-8E70-4488-BC8D-E603843D946C}"/>
+              </a:ext>
+            </a:extLst>
+          </p:cNvPr>
+          <p:cNvSpPr/>
+          <p:nvPr/>
+        </p:nvSpPr>
+        <p:spPr>
+          <a:xfrm>
+            <a:off x="3740150" y="4146550"/>
+            <a:ext cx="5117411" cy="2568015"/>
+          </a:xfrm>
+          <a:prstGeom prst="rect">
+            <a:avLst/>
+          </a:prstGeom>
+          <a:solidFill>
+            <a:schemeClr val="accent1">
+              <a:alpha val="35000"/>
+            </a:schemeClr>
+          </a:solidFill>
+          <a:ln>
+            <a:noFill/>
+          </a:ln>
+        </p:spPr>
+        <p:style>
+          <a:lnRef idx="2">
+            <a:schemeClr val="accent1">
+              <a:shade val="50000"/>
+            </a:schemeClr>
+          </a:lnRef>
+          <a:fillRef idx="1">
+            <a:schemeClr val="accent1"/>
+          </a:fillRef>
+          <a:effectRef idx="0">
+            <a:schemeClr val="accent1"/>
+          </a:effectRef>
+          <a:fontRef idx="minor">
+            <a:schemeClr val="lt1"/>
+          </a:fontRef>
+        </p:style>
+        <p:txBody>
+          <a:bodyPr rtlCol="0" anchor="ctr"/>
+          <a:lstStyle/>
+          <a:p>
+            <a:pPr algn="ctr"/>
+            <a:endParaRPr lang="fr-FR"/>
+          </a:p>
+        </p:txBody>
+      </p:sp>
+      <p:sp>
+        <p:nvSpPr>
+          <p:cNvPr id="10" name="ZoneTexte 9">
+            <a:extLst>
+              <a:ext uri="{FF2B5EF4-FFF2-40B4-BE49-F238E27FC236}">
+                <a16:creationId xmlns:a16="http://schemas.microsoft.com/office/drawing/2014/main" id="{A66FA68B-5F9D-451A-ABA9-7074434063CD}"/>
+              </a:ext>
+            </a:extLst>
+          </p:cNvPr>
+          <p:cNvSpPr txBox="1"/>
+          <p:nvPr/>
+        </p:nvSpPr>
+        <p:spPr>
+          <a:xfrm>
+            <a:off x="1" y="6378766"/>
+            <a:ext cx="429658" cy="461665"/>
+          </a:xfrm>
+          <a:prstGeom prst="rect">
+            <a:avLst/>
+          </a:prstGeom>
+          <a:noFill/>
         </p:spPr>
         <p:txBody>
           <a:bodyPr wrap="square" rtlCol="0">
@@ -8166,15 +8809,655 @@
           <a:p>
             <a:r>
               <a:rPr lang="fr-FR" sz="2400" dirty="0"/>
-              <a:t>3</a:t>
-            </a:r>
+              <a:t>2</a:t>
+            </a:r>
+          </a:p>
+        </p:txBody>
+      </p:sp>
+      <p:sp>
+        <p:nvSpPr>
+          <p:cNvPr id="11" name="Rectangle 10">
+            <a:extLst>
+              <a:ext uri="{FF2B5EF4-FFF2-40B4-BE49-F238E27FC236}">
+                <a16:creationId xmlns:a16="http://schemas.microsoft.com/office/drawing/2014/main" id="{973480EB-0A35-43D8-873E-C2B59B33B7D3}"/>
+              </a:ext>
+            </a:extLst>
+          </p:cNvPr>
+          <p:cNvSpPr/>
+          <p:nvPr/>
+        </p:nvSpPr>
+        <p:spPr>
+          <a:xfrm>
+            <a:off x="11695175" y="671470"/>
+            <a:ext cx="64009" cy="5559136"/>
+          </a:xfrm>
+          <a:prstGeom prst="rect">
+            <a:avLst/>
+          </a:prstGeom>
+          <a:solidFill>
+            <a:schemeClr val="bg1"/>
+          </a:solidFill>
+          <a:ln>
+            <a:noFill/>
+          </a:ln>
+        </p:spPr>
+        <p:style>
+          <a:lnRef idx="2">
+            <a:schemeClr val="accent1">
+              <a:shade val="50000"/>
+            </a:schemeClr>
+          </a:lnRef>
+          <a:fillRef idx="1">
+            <a:schemeClr val="accent1"/>
+          </a:fillRef>
+          <a:effectRef idx="0">
+            <a:schemeClr val="accent1"/>
+          </a:effectRef>
+          <a:fontRef idx="minor">
+            <a:schemeClr val="lt1"/>
+          </a:fontRef>
+        </p:style>
+        <p:txBody>
+          <a:bodyPr rtlCol="0" anchor="ctr"/>
+          <a:lstStyle/>
+          <a:p>
+            <a:pPr algn="ctr"/>
+            <a:endParaRPr lang="fr-FR"/>
+          </a:p>
+        </p:txBody>
+      </p:sp>
+      <p:sp>
+        <p:nvSpPr>
+          <p:cNvPr id="12" name="Ellipse 11">
+            <a:extLst>
+              <a:ext uri="{FF2B5EF4-FFF2-40B4-BE49-F238E27FC236}">
+                <a16:creationId xmlns:a16="http://schemas.microsoft.com/office/drawing/2014/main" id="{BE4D0D5A-068E-4185-8F07-7F96292DC139}"/>
+              </a:ext>
+            </a:extLst>
+          </p:cNvPr>
+          <p:cNvSpPr/>
+          <p:nvPr/>
+        </p:nvSpPr>
+        <p:spPr>
+          <a:xfrm>
+            <a:off x="11530584" y="570246"/>
+            <a:ext cx="400813" cy="366747"/>
+          </a:xfrm>
+          <a:prstGeom prst="ellipse">
+            <a:avLst/>
+          </a:prstGeom>
+          <a:solidFill>
+            <a:srgbClr val="009900"/>
+          </a:solidFill>
+          <a:ln>
+            <a:noFill/>
+          </a:ln>
+        </p:spPr>
+        <p:style>
+          <a:lnRef idx="2">
+            <a:schemeClr val="accent1">
+              <a:shade val="50000"/>
+            </a:schemeClr>
+          </a:lnRef>
+          <a:fillRef idx="1">
+            <a:schemeClr val="accent1"/>
+          </a:fillRef>
+          <a:effectRef idx="0">
+            <a:schemeClr val="accent1"/>
+          </a:effectRef>
+          <a:fontRef idx="minor">
+            <a:schemeClr val="lt1"/>
+          </a:fontRef>
+        </p:style>
+        <p:txBody>
+          <a:bodyPr rtlCol="0" anchor="ctr"/>
+          <a:lstStyle/>
+          <a:p>
+            <a:pPr algn="ctr"/>
+            <a:endParaRPr lang="fr-FR"/>
+          </a:p>
+        </p:txBody>
+      </p:sp>
+      <p:sp>
+        <p:nvSpPr>
+          <p:cNvPr id="13" name="Ellipse 12">
+            <a:extLst>
+              <a:ext uri="{FF2B5EF4-FFF2-40B4-BE49-F238E27FC236}">
+                <a16:creationId xmlns:a16="http://schemas.microsoft.com/office/drawing/2014/main" id="{23C00D15-F0A3-4C36-AD34-AA14BAC2383E}"/>
+              </a:ext>
+            </a:extLst>
+          </p:cNvPr>
+          <p:cNvSpPr/>
+          <p:nvPr/>
+        </p:nvSpPr>
+        <p:spPr>
+          <a:xfrm>
+            <a:off x="11530583" y="2798334"/>
+            <a:ext cx="400813" cy="366747"/>
+          </a:xfrm>
+          <a:prstGeom prst="ellipse">
+            <a:avLst/>
+          </a:prstGeom>
+          <a:solidFill>
+            <a:schemeClr val="bg1"/>
+          </a:solidFill>
+          <a:ln>
+            <a:noFill/>
+          </a:ln>
+        </p:spPr>
+        <p:style>
+          <a:lnRef idx="2">
+            <a:schemeClr val="accent1">
+              <a:shade val="50000"/>
+            </a:schemeClr>
+          </a:lnRef>
+          <a:fillRef idx="1">
+            <a:schemeClr val="accent1"/>
+          </a:fillRef>
+          <a:effectRef idx="0">
+            <a:schemeClr val="accent1"/>
+          </a:effectRef>
+          <a:fontRef idx="minor">
+            <a:schemeClr val="lt1"/>
+          </a:fontRef>
+        </p:style>
+        <p:txBody>
+          <a:bodyPr rtlCol="0" anchor="ctr"/>
+          <a:lstStyle/>
+          <a:p>
+            <a:pPr algn="ctr"/>
+            <a:endParaRPr lang="fr-FR"/>
+          </a:p>
+        </p:txBody>
+      </p:sp>
+      <p:sp>
+        <p:nvSpPr>
+          <p:cNvPr id="14" name="Ellipse 13">
+            <a:extLst>
+              <a:ext uri="{FF2B5EF4-FFF2-40B4-BE49-F238E27FC236}">
+                <a16:creationId xmlns:a16="http://schemas.microsoft.com/office/drawing/2014/main" id="{211987BC-79E6-49B4-8E78-B9B9988E7B3F}"/>
+              </a:ext>
+            </a:extLst>
+          </p:cNvPr>
+          <p:cNvSpPr/>
+          <p:nvPr/>
+        </p:nvSpPr>
+        <p:spPr>
+          <a:xfrm>
+            <a:off x="11530582" y="4331478"/>
+            <a:ext cx="400813" cy="366747"/>
+          </a:xfrm>
+          <a:prstGeom prst="ellipse">
+            <a:avLst/>
+          </a:prstGeom>
+          <a:solidFill>
+            <a:schemeClr val="bg1"/>
+          </a:solidFill>
+          <a:ln>
+            <a:noFill/>
+          </a:ln>
+        </p:spPr>
+        <p:style>
+          <a:lnRef idx="2">
+            <a:schemeClr val="accent1">
+              <a:shade val="50000"/>
+            </a:schemeClr>
+          </a:lnRef>
+          <a:fillRef idx="1">
+            <a:schemeClr val="accent1"/>
+          </a:fillRef>
+          <a:effectRef idx="0">
+            <a:schemeClr val="accent1"/>
+          </a:effectRef>
+          <a:fontRef idx="minor">
+            <a:schemeClr val="lt1"/>
+          </a:fontRef>
+        </p:style>
+        <p:txBody>
+          <a:bodyPr rtlCol="0" anchor="ctr"/>
+          <a:lstStyle/>
+          <a:p>
+            <a:pPr algn="ctr"/>
+            <a:endParaRPr lang="fr-FR"/>
+          </a:p>
+        </p:txBody>
+      </p:sp>
+      <p:sp>
+        <p:nvSpPr>
+          <p:cNvPr id="15" name="Ellipse 14">
+            <a:extLst>
+              <a:ext uri="{FF2B5EF4-FFF2-40B4-BE49-F238E27FC236}">
+                <a16:creationId xmlns:a16="http://schemas.microsoft.com/office/drawing/2014/main" id="{BBE034B3-CBD0-495A-B01E-C134A1B4CEB2}"/>
+              </a:ext>
+            </a:extLst>
+          </p:cNvPr>
+          <p:cNvSpPr/>
+          <p:nvPr/>
+        </p:nvSpPr>
+        <p:spPr>
+          <a:xfrm>
+            <a:off x="11530581" y="5863858"/>
+            <a:ext cx="400813" cy="366747"/>
+          </a:xfrm>
+          <a:prstGeom prst="ellipse">
+            <a:avLst/>
+          </a:prstGeom>
+          <a:solidFill>
+            <a:schemeClr val="bg1"/>
+          </a:solidFill>
+          <a:ln>
+            <a:noFill/>
+          </a:ln>
+        </p:spPr>
+        <p:style>
+          <a:lnRef idx="2">
+            <a:schemeClr val="accent1">
+              <a:shade val="50000"/>
+            </a:schemeClr>
+          </a:lnRef>
+          <a:fillRef idx="1">
+            <a:schemeClr val="accent1"/>
+          </a:fillRef>
+          <a:effectRef idx="0">
+            <a:schemeClr val="accent1"/>
+          </a:effectRef>
+          <a:fontRef idx="minor">
+            <a:schemeClr val="lt1"/>
+          </a:fontRef>
+        </p:style>
+        <p:txBody>
+          <a:bodyPr rtlCol="0" anchor="ctr"/>
+          <a:lstStyle/>
+          <a:p>
+            <a:pPr algn="ctr"/>
+            <a:endParaRPr lang="fr-FR"/>
+          </a:p>
+        </p:txBody>
+      </p:sp>
+      <p:sp>
+        <p:nvSpPr>
+          <p:cNvPr id="16" name="Organigramme : Terminateur 15">
+            <a:extLst>
+              <a:ext uri="{FF2B5EF4-FFF2-40B4-BE49-F238E27FC236}">
+                <a16:creationId xmlns:a16="http://schemas.microsoft.com/office/drawing/2014/main" id="{935C4101-91D2-4403-9683-8E9CDE7CFA52}"/>
+              </a:ext>
+            </a:extLst>
+          </p:cNvPr>
+          <p:cNvSpPr/>
+          <p:nvPr/>
+        </p:nvSpPr>
+        <p:spPr>
+          <a:xfrm>
+            <a:off x="11562541" y="1448372"/>
+            <a:ext cx="188499" cy="71437"/>
+          </a:xfrm>
+          <a:prstGeom prst="flowChartTerminator">
+            <a:avLst/>
+          </a:prstGeom>
+          <a:solidFill>
+            <a:srgbClr val="009900"/>
+          </a:solidFill>
+          <a:ln>
+            <a:noFill/>
+          </a:ln>
+        </p:spPr>
+        <p:style>
+          <a:lnRef idx="2">
+            <a:schemeClr val="accent1">
+              <a:shade val="50000"/>
+            </a:schemeClr>
+          </a:lnRef>
+          <a:fillRef idx="1">
+            <a:schemeClr val="accent1"/>
+          </a:fillRef>
+          <a:effectRef idx="0">
+            <a:schemeClr val="accent1"/>
+          </a:effectRef>
+          <a:fontRef idx="minor">
+            <a:schemeClr val="lt1"/>
+          </a:fontRef>
+        </p:style>
+        <p:txBody>
+          <a:bodyPr rtlCol="0" anchor="ctr"/>
+          <a:lstStyle/>
+          <a:p>
+            <a:pPr algn="ctr"/>
+            <a:endParaRPr lang="fr-FR"/>
+          </a:p>
+        </p:txBody>
+      </p:sp>
+      <p:sp>
+        <p:nvSpPr>
+          <p:cNvPr id="17" name="Organigramme : Terminateur 16">
+            <a:extLst>
+              <a:ext uri="{FF2B5EF4-FFF2-40B4-BE49-F238E27FC236}">
+                <a16:creationId xmlns:a16="http://schemas.microsoft.com/office/drawing/2014/main" id="{896258C9-EB84-44BA-94F9-E41B1780D49B}"/>
+              </a:ext>
+            </a:extLst>
+          </p:cNvPr>
+          <p:cNvSpPr/>
+          <p:nvPr/>
+        </p:nvSpPr>
+        <p:spPr>
+          <a:xfrm>
+            <a:off x="11570685" y="2179226"/>
+            <a:ext cx="188499" cy="71437"/>
+          </a:xfrm>
+          <a:prstGeom prst="flowChartTerminator">
+            <a:avLst/>
+          </a:prstGeom>
+          <a:solidFill>
+            <a:srgbClr val="009900"/>
+          </a:solidFill>
+          <a:ln>
+            <a:noFill/>
+          </a:ln>
+        </p:spPr>
+        <p:style>
+          <a:lnRef idx="2">
+            <a:schemeClr val="accent1">
+              <a:shade val="50000"/>
+            </a:schemeClr>
+          </a:lnRef>
+          <a:fillRef idx="1">
+            <a:schemeClr val="accent1"/>
+          </a:fillRef>
+          <a:effectRef idx="0">
+            <a:schemeClr val="accent1"/>
+          </a:effectRef>
+          <a:fontRef idx="minor">
+            <a:schemeClr val="lt1"/>
+          </a:fontRef>
+        </p:style>
+        <p:txBody>
+          <a:bodyPr rtlCol="0" anchor="ctr"/>
+          <a:lstStyle/>
+          <a:p>
+            <a:pPr algn="ctr"/>
+            <a:endParaRPr lang="fr-FR" dirty="0"/>
+          </a:p>
+        </p:txBody>
+      </p:sp>
+      <p:sp>
+        <p:nvSpPr>
+          <p:cNvPr id="18" name="ZoneTexte 17">
+            <a:extLst>
+              <a:ext uri="{FF2B5EF4-FFF2-40B4-BE49-F238E27FC236}">
+                <a16:creationId xmlns:a16="http://schemas.microsoft.com/office/drawing/2014/main" id="{FADA1760-4DFD-4239-B92A-178F171C20FF}"/>
+              </a:ext>
+            </a:extLst>
+          </p:cNvPr>
+          <p:cNvSpPr txBox="1"/>
+          <p:nvPr/>
+        </p:nvSpPr>
+        <p:spPr>
+          <a:xfrm>
+            <a:off x="10197081" y="537591"/>
+            <a:ext cx="1333500" cy="430887"/>
+          </a:xfrm>
+          <a:prstGeom prst="rect">
+            <a:avLst/>
+          </a:prstGeom>
+          <a:noFill/>
+        </p:spPr>
+        <p:txBody>
+          <a:bodyPr wrap="square" rtlCol="0">
+            <a:spAutoFit/>
+          </a:bodyPr>
+          <a:lstStyle/>
+          <a:p>
+            <a:pPr algn="r"/>
+            <a:r>
+              <a:rPr lang="fr-FR" sz="1100" dirty="0">
+                <a:solidFill>
+                  <a:srgbClr val="A41258"/>
+                </a:solidFill>
+              </a:rPr>
+              <a:t>Présentation du projet</a:t>
+            </a:r>
+          </a:p>
+        </p:txBody>
+      </p:sp>
+      <p:sp>
+        <p:nvSpPr>
+          <p:cNvPr id="19" name="ZoneTexte 18">
+            <a:extLst>
+              <a:ext uri="{FF2B5EF4-FFF2-40B4-BE49-F238E27FC236}">
+                <a16:creationId xmlns:a16="http://schemas.microsoft.com/office/drawing/2014/main" id="{48D402C0-39D4-4222-B33E-9AEC4AB92379}"/>
+              </a:ext>
+            </a:extLst>
+          </p:cNvPr>
+          <p:cNvSpPr txBox="1"/>
+          <p:nvPr/>
+        </p:nvSpPr>
+        <p:spPr>
+          <a:xfrm>
+            <a:off x="10295358" y="1353285"/>
+            <a:ext cx="1333500" cy="261610"/>
+          </a:xfrm>
+          <a:prstGeom prst="rect">
+            <a:avLst/>
+          </a:prstGeom>
+          <a:noFill/>
+        </p:spPr>
+        <p:txBody>
+          <a:bodyPr wrap="square" rtlCol="0">
+            <a:spAutoFit/>
+          </a:bodyPr>
+          <a:lstStyle/>
+          <a:p>
+            <a:pPr algn="r"/>
+            <a:r>
+              <a:rPr lang="fr-FR" sz="1100" i="1" dirty="0"/>
+              <a:t>Schéma global</a:t>
+            </a:r>
+          </a:p>
+        </p:txBody>
+      </p:sp>
+      <p:sp>
+        <p:nvSpPr>
+          <p:cNvPr id="20" name="ZoneTexte 19">
+            <a:extLst>
+              <a:ext uri="{FF2B5EF4-FFF2-40B4-BE49-F238E27FC236}">
+                <a16:creationId xmlns:a16="http://schemas.microsoft.com/office/drawing/2014/main" id="{54648BA1-C48C-482E-A413-4DEEADDD264B}"/>
+              </a:ext>
+            </a:extLst>
+          </p:cNvPr>
+          <p:cNvSpPr txBox="1"/>
+          <p:nvPr/>
+        </p:nvSpPr>
+        <p:spPr>
+          <a:xfrm>
+            <a:off x="10295358" y="2019390"/>
+            <a:ext cx="1333500" cy="430887"/>
+          </a:xfrm>
+          <a:prstGeom prst="rect">
+            <a:avLst/>
+          </a:prstGeom>
+          <a:noFill/>
+        </p:spPr>
+        <p:txBody>
+          <a:bodyPr wrap="square" rtlCol="0">
+            <a:spAutoFit/>
+          </a:bodyPr>
+          <a:lstStyle/>
+          <a:p>
+            <a:pPr algn="r"/>
+            <a:r>
+              <a:rPr lang="fr-FR" sz="1100" dirty="0">
+                <a:solidFill>
+                  <a:srgbClr val="A41258"/>
+                </a:solidFill>
+              </a:rPr>
+              <a:t>Schéma personnalisé</a:t>
+            </a:r>
+          </a:p>
+        </p:txBody>
+      </p:sp>
+      <p:sp>
+        <p:nvSpPr>
+          <p:cNvPr id="21" name="ZoneTexte 20">
+            <a:extLst>
+              <a:ext uri="{FF2B5EF4-FFF2-40B4-BE49-F238E27FC236}">
+                <a16:creationId xmlns:a16="http://schemas.microsoft.com/office/drawing/2014/main" id="{2DCC0736-A62D-47D5-9875-12C8D3AD87F3}"/>
+              </a:ext>
+            </a:extLst>
+          </p:cNvPr>
+          <p:cNvSpPr txBox="1"/>
+          <p:nvPr/>
+        </p:nvSpPr>
+        <p:spPr>
+          <a:xfrm>
+            <a:off x="10237185" y="2754095"/>
+            <a:ext cx="1333500" cy="430887"/>
+          </a:xfrm>
+          <a:prstGeom prst="rect">
+            <a:avLst/>
+          </a:prstGeom>
+          <a:noFill/>
+        </p:spPr>
+        <p:txBody>
+          <a:bodyPr wrap="square" rtlCol="0">
+            <a:spAutoFit/>
+          </a:bodyPr>
+          <a:lstStyle/>
+          <a:p>
+            <a:pPr algn="r"/>
+            <a:r>
+              <a:rPr lang="fr-FR" sz="1100" dirty="0"/>
+              <a:t>Diagramme de cas d’utilisation</a:t>
+            </a:r>
+          </a:p>
+        </p:txBody>
+      </p:sp>
+      <p:sp>
+        <p:nvSpPr>
+          <p:cNvPr id="22" name="ZoneTexte 21">
+            <a:extLst>
+              <a:ext uri="{FF2B5EF4-FFF2-40B4-BE49-F238E27FC236}">
+                <a16:creationId xmlns:a16="http://schemas.microsoft.com/office/drawing/2014/main" id="{929EC3DB-3BFA-40AC-8FFA-AEDF179FA20A}"/>
+              </a:ext>
+            </a:extLst>
+          </p:cNvPr>
+          <p:cNvSpPr txBox="1"/>
+          <p:nvPr/>
+        </p:nvSpPr>
+        <p:spPr>
+          <a:xfrm>
+            <a:off x="10053638" y="4383664"/>
+            <a:ext cx="1517047" cy="261610"/>
+          </a:xfrm>
+          <a:prstGeom prst="rect">
+            <a:avLst/>
+          </a:prstGeom>
+          <a:noFill/>
+        </p:spPr>
+        <p:txBody>
+          <a:bodyPr wrap="square" rtlCol="0">
+            <a:spAutoFit/>
+          </a:bodyPr>
+          <a:lstStyle/>
+          <a:p>
+            <a:pPr algn="r"/>
+            <a:r>
+              <a:rPr lang="fr-FR" sz="1100" dirty="0"/>
+              <a:t>Tâches personnelles</a:t>
+            </a:r>
+          </a:p>
+        </p:txBody>
+      </p:sp>
+      <p:sp>
+        <p:nvSpPr>
+          <p:cNvPr id="23" name="ZoneTexte 22">
+            <a:extLst>
+              <a:ext uri="{FF2B5EF4-FFF2-40B4-BE49-F238E27FC236}">
+                <a16:creationId xmlns:a16="http://schemas.microsoft.com/office/drawing/2014/main" id="{755E8E96-4E51-4347-AF55-C597634CCE11}"/>
+              </a:ext>
+            </a:extLst>
+          </p:cNvPr>
+          <p:cNvSpPr txBox="1"/>
+          <p:nvPr/>
+        </p:nvSpPr>
+        <p:spPr>
+          <a:xfrm>
+            <a:off x="9953723" y="5916426"/>
+            <a:ext cx="1616962" cy="261610"/>
+          </a:xfrm>
+          <a:prstGeom prst="rect">
+            <a:avLst/>
+          </a:prstGeom>
+          <a:noFill/>
+        </p:spPr>
+        <p:txBody>
+          <a:bodyPr wrap="square" rtlCol="0">
+            <a:spAutoFit/>
+          </a:bodyPr>
+          <a:lstStyle/>
+          <a:p>
+            <a:pPr algn="r"/>
+            <a:r>
+              <a:rPr lang="fr-FR" sz="1100" dirty="0"/>
+              <a:t>Schématisation réseau</a:t>
+            </a:r>
+          </a:p>
+        </p:txBody>
+      </p:sp>
+      <p:sp>
+        <p:nvSpPr>
+          <p:cNvPr id="24" name="Rectangle 23">
+            <a:extLst>
+              <a:ext uri="{FF2B5EF4-FFF2-40B4-BE49-F238E27FC236}">
+                <a16:creationId xmlns:a16="http://schemas.microsoft.com/office/drawing/2014/main" id="{6CD78D9A-225C-48BE-8BC7-A6FA8E4A3531}"/>
+              </a:ext>
+            </a:extLst>
+          </p:cNvPr>
+          <p:cNvSpPr/>
+          <p:nvPr/>
+        </p:nvSpPr>
+        <p:spPr>
+          <a:xfrm>
+            <a:off x="11695175" y="627394"/>
+            <a:ext cx="64009" cy="1623269"/>
+          </a:xfrm>
+          <a:prstGeom prst="rect">
+            <a:avLst/>
+          </a:prstGeom>
+          <a:solidFill>
+            <a:srgbClr val="009900"/>
+          </a:solidFill>
+          <a:ln>
+            <a:noFill/>
+          </a:ln>
+        </p:spPr>
+        <p:style>
+          <a:lnRef idx="2">
+            <a:schemeClr val="accent1">
+              <a:shade val="50000"/>
+            </a:schemeClr>
+          </a:lnRef>
+          <a:fillRef idx="1">
+            <a:schemeClr val="accent1"/>
+          </a:fillRef>
+          <a:effectRef idx="0">
+            <a:schemeClr val="accent1"/>
+          </a:effectRef>
+          <a:fontRef idx="minor">
+            <a:schemeClr val="lt1"/>
+          </a:fontRef>
+        </p:style>
+        <p:txBody>
+          <a:bodyPr rtlCol="0" anchor="ctr"/>
+          <a:lstStyle/>
+          <a:p>
+            <a:pPr algn="ctr"/>
+            <a:endParaRPr lang="fr-FR"/>
           </a:p>
         </p:txBody>
       </p:sp>
     </p:spTree>
     <p:extLst>
       <p:ext uri="{BB962C8B-B14F-4D97-AF65-F5344CB8AC3E}">
-        <p14:creationId xmlns:p14="http://schemas.microsoft.com/office/powerpoint/2010/main" val="3306364669"/>
+        <p14:creationId xmlns:p14="http://schemas.microsoft.com/office/powerpoint/2010/main" val="2799645979"/>
       </p:ext>
     </p:extLst>
   </p:cSld>
@@ -8272,8 +9555,8 @@
         </p:nvSpPr>
         <p:spPr>
           <a:xfrm>
-            <a:off x="2816352" y="143435"/>
-            <a:ext cx="5342576" cy="646331"/>
+            <a:off x="2413071" y="143435"/>
+            <a:ext cx="6630345" cy="1077218"/>
           </a:xfrm>
           <a:prstGeom prst="rect">
             <a:avLst/>
@@ -8321,20 +9604,97 @@
               <a:rPr lang="fr-FR" sz="3600" b="1" dirty="0">
                 <a:latin typeface="Eras Medium ITC" panose="020B0602030504020804" pitchFamily="34" charset="0"/>
               </a:rPr>
-              <a:t>Tâches personnelles :</a:t>
+              <a:t>Diagramme de cas d’utilisation : </a:t>
+            </a:r>
+            <a:r>
+              <a:rPr lang="fr-FR" sz="2800" b="1" dirty="0">
+                <a:solidFill>
+                  <a:srgbClr val="A41258"/>
+                </a:solidFill>
+                <a:latin typeface="Eras Medium ITC" panose="020B0602030504020804" pitchFamily="34" charset="0"/>
+              </a:rPr>
+              <a:t>Global</a:t>
             </a:r>
             <a:endParaRPr lang="fr-FR" sz="3200" b="1" dirty="0">
+              <a:solidFill>
+                <a:srgbClr val="A41258"/>
+              </a:solidFill>
               <a:latin typeface="Eras Medium ITC" panose="020B0602030504020804" pitchFamily="34" charset="0"/>
             </a:endParaRPr>
           </a:p>
         </p:txBody>
       </p:sp>
-      <p:sp>
-        <p:nvSpPr>
-          <p:cNvPr id="2" name="Rectangle 1">
+      <p:pic>
+        <p:nvPicPr>
+          <p:cNvPr id="2" name="Image 1">
             <a:extLst>
               <a:ext uri="{FF2B5EF4-FFF2-40B4-BE49-F238E27FC236}">
-                <a16:creationId xmlns:a16="http://schemas.microsoft.com/office/drawing/2014/main" id="{0DCB0528-8BC6-473B-B008-71938E34FEAA}"/>
+                <a16:creationId xmlns:a16="http://schemas.microsoft.com/office/drawing/2014/main" id="{90A51D8C-DBCC-4AC6-9EC6-E9B6237A0F66}"/>
+              </a:ext>
+            </a:extLst>
+          </p:cNvPr>
+          <p:cNvPicPr>
+            <a:picLocks noChangeAspect="1"/>
+          </p:cNvPicPr>
+          <p:nvPr/>
+        </p:nvPicPr>
+        <p:blipFill>
+          <a:blip r:embed="rId3"/>
+          <a:stretch>
+            <a:fillRect/>
+          </a:stretch>
+        </p:blipFill>
+        <p:spPr>
+          <a:xfrm>
+            <a:off x="2103443" y="1115122"/>
+            <a:ext cx="5238849" cy="5742878"/>
+          </a:xfrm>
+          <a:prstGeom prst="rect">
+            <a:avLst/>
+          </a:prstGeom>
+        </p:spPr>
+      </p:pic>
+      <p:sp>
+        <p:nvSpPr>
+          <p:cNvPr id="6" name="ZoneTexte 5">
+            <a:extLst>
+              <a:ext uri="{FF2B5EF4-FFF2-40B4-BE49-F238E27FC236}">
+                <a16:creationId xmlns:a16="http://schemas.microsoft.com/office/drawing/2014/main" id="{FB060255-6026-4EE3-A200-E18A3D7DEF80}"/>
+              </a:ext>
+            </a:extLst>
+          </p:cNvPr>
+          <p:cNvSpPr txBox="1"/>
+          <p:nvPr/>
+        </p:nvSpPr>
+        <p:spPr>
+          <a:xfrm>
+            <a:off x="1" y="6378766"/>
+            <a:ext cx="429658" cy="461665"/>
+          </a:xfrm>
+          <a:prstGeom prst="rect">
+            <a:avLst/>
+          </a:prstGeom>
+          <a:noFill/>
+        </p:spPr>
+        <p:txBody>
+          <a:bodyPr wrap="square" rtlCol="0">
+            <a:spAutoFit/>
+          </a:bodyPr>
+          <a:lstStyle/>
+          <a:p>
+            <a:r>
+              <a:rPr lang="fr-FR" sz="2400" dirty="0"/>
+              <a:t>3</a:t>
+            </a:r>
+          </a:p>
+        </p:txBody>
+      </p:sp>
+      <p:sp>
+        <p:nvSpPr>
+          <p:cNvPr id="7" name="Rectangle 6">
+            <a:extLst>
+              <a:ext uri="{FF2B5EF4-FFF2-40B4-BE49-F238E27FC236}">
+                <a16:creationId xmlns:a16="http://schemas.microsoft.com/office/drawing/2014/main" id="{0FE63BA9-1B7A-4CC5-863F-08565297AFDB}"/>
               </a:ext>
             </a:extLst>
           </p:cNvPr>
@@ -8343,8 +9703,8 @@
         </p:nvSpPr>
         <p:spPr>
           <a:xfrm>
-            <a:off x="456786" y="2165230"/>
-            <a:ext cx="4067728" cy="2527541"/>
+            <a:off x="11695175" y="671470"/>
+            <a:ext cx="64009" cy="5559136"/>
           </a:xfrm>
           <a:prstGeom prst="rect">
             <a:avLst/>
@@ -8353,9 +9713,7 @@
             <a:schemeClr val="bg1"/>
           </a:solidFill>
           <a:ln>
-            <a:solidFill>
-              <a:srgbClr val="A31257"/>
-            </a:solidFill>
+            <a:noFill/>
           </a:ln>
         </p:spPr>
         <p:style>
@@ -8378,432 +9736,17 @@
           <a:bodyPr rtlCol="0" anchor="ctr"/>
           <a:lstStyle/>
           <a:p>
-            <a:pPr marL="742950" lvl="1" indent="-285750">
-              <a:buFontTx/>
-              <a:buChar char="-"/>
-            </a:pPr>
-            <a:r>
-              <a:rPr lang="fr-FR" dirty="0">
-                <a:solidFill>
-                  <a:schemeClr val="tx1"/>
-                </a:solidFill>
-              </a:rPr>
-              <a:t>Créer partie</a:t>
-            </a:r>
-          </a:p>
-          <a:p>
-            <a:pPr marL="742950" lvl="1" indent="-285750">
-              <a:buFontTx/>
-              <a:buChar char="-"/>
-            </a:pPr>
-            <a:r>
-              <a:rPr lang="fr-FR" dirty="0">
-                <a:solidFill>
-                  <a:schemeClr val="tx1"/>
-                </a:solidFill>
-              </a:rPr>
-              <a:t>Chronométrage</a:t>
-            </a:r>
-          </a:p>
-          <a:p>
-            <a:pPr marL="742950" lvl="1" indent="-285750">
-              <a:buFontTx/>
-              <a:buChar char="-"/>
-            </a:pPr>
-            <a:r>
-              <a:rPr lang="fr-FR" dirty="0">
-                <a:solidFill>
-                  <a:schemeClr val="tx1"/>
-                </a:solidFill>
-              </a:rPr>
-              <a:t>Visualiser la salle</a:t>
-            </a:r>
-          </a:p>
-          <a:p>
-            <a:pPr marL="742950" lvl="1" indent="-285750">
-              <a:buFontTx/>
-              <a:buChar char="-"/>
-            </a:pPr>
-            <a:r>
-              <a:rPr lang="fr-FR" dirty="0">
-                <a:solidFill>
-                  <a:schemeClr val="tx1"/>
-                </a:solidFill>
-              </a:rPr>
-              <a:t>Détecter la fin de partie</a:t>
-            </a:r>
-          </a:p>
-          <a:p>
-            <a:pPr marL="742950" lvl="1" indent="-285750">
-              <a:buFontTx/>
-              <a:buChar char="-"/>
-            </a:pPr>
-            <a:r>
-              <a:rPr lang="fr-FR" dirty="0">
-                <a:solidFill>
-                  <a:schemeClr val="tx1"/>
-                </a:solidFill>
-              </a:rPr>
-              <a:t>Envoie d’un indice à l’afficheur</a:t>
-            </a:r>
-          </a:p>
-          <a:p>
-            <a:pPr marL="742950" lvl="1" indent="-285750">
-              <a:buFontTx/>
-              <a:buChar char="-"/>
-            </a:pPr>
-            <a:r>
-              <a:rPr lang="fr-FR" dirty="0">
-                <a:solidFill>
-                  <a:schemeClr val="tx1"/>
-                </a:solidFill>
-              </a:rPr>
-              <a:t>Enregistrement des résultats</a:t>
-            </a:r>
-          </a:p>
-        </p:txBody>
-      </p:sp>
-      <p:pic>
-        <p:nvPicPr>
-          <p:cNvPr id="5" name="Graphique 4" descr="Ordinateur">
+            <a:pPr algn="ctr"/>
+            <a:endParaRPr lang="fr-FR"/>
+          </a:p>
+        </p:txBody>
+      </p:sp>
+      <p:sp>
+        <p:nvSpPr>
+          <p:cNvPr id="8" name="Ellipse 7">
             <a:extLst>
               <a:ext uri="{FF2B5EF4-FFF2-40B4-BE49-F238E27FC236}">
-                <a16:creationId xmlns:a16="http://schemas.microsoft.com/office/drawing/2014/main" id="{D6CB67A3-A088-4406-89D6-E2D4E7D5A2E6}"/>
-              </a:ext>
-            </a:extLst>
-          </p:cNvPr>
-          <p:cNvPicPr>
-            <a:picLocks noChangeAspect="1"/>
-          </p:cNvPicPr>
-          <p:nvPr/>
-        </p:nvPicPr>
-        <p:blipFill>
-          <a:blip r:embed="rId3">
-            <a:extLst>
-              <a:ext uri="{96DAC541-7B7A-43D3-8B79-37D633B846F1}">
-                <asvg:svgBlip xmlns:asvg="http://schemas.microsoft.com/office/drawing/2016/SVG/main" r:embed="rId4"/>
-              </a:ext>
-            </a:extLst>
-          </a:blip>
-          <a:stretch>
-            <a:fillRect/>
-          </a:stretch>
-        </p:blipFill>
-        <p:spPr>
-          <a:xfrm>
-            <a:off x="456786" y="1290865"/>
-            <a:ext cx="1002318" cy="1002318"/>
-          </a:xfrm>
-          <a:prstGeom prst="rect">
-            <a:avLst/>
-          </a:prstGeom>
-        </p:spPr>
-      </p:pic>
-      <p:pic>
-        <p:nvPicPr>
-          <p:cNvPr id="7" name="Graphique 6" descr="Flux">
-            <a:extLst>
-              <a:ext uri="{FF2B5EF4-FFF2-40B4-BE49-F238E27FC236}">
-                <a16:creationId xmlns:a16="http://schemas.microsoft.com/office/drawing/2014/main" id="{EFD1057D-58CA-4743-9F7D-4E0298331CB3}"/>
-              </a:ext>
-            </a:extLst>
-          </p:cNvPr>
-          <p:cNvPicPr>
-            <a:picLocks noChangeAspect="1"/>
-          </p:cNvPicPr>
-          <p:nvPr/>
-        </p:nvPicPr>
-        <p:blipFill>
-          <a:blip r:embed="rId5">
-            <a:extLst>
-              <a:ext uri="{96DAC541-7B7A-43D3-8B79-37D633B846F1}">
-                <asvg:svgBlip xmlns:asvg="http://schemas.microsoft.com/office/drawing/2016/SVG/main" r:embed="rId6"/>
-              </a:ext>
-            </a:extLst>
-          </a:blip>
-          <a:stretch>
-            <a:fillRect/>
-          </a:stretch>
-        </p:blipFill>
-        <p:spPr>
-          <a:xfrm>
-            <a:off x="675241" y="3699035"/>
-            <a:ext cx="335083" cy="335083"/>
-          </a:xfrm>
-          <a:prstGeom prst="rect">
-            <a:avLst/>
-          </a:prstGeom>
-        </p:spPr>
-      </p:pic>
-      <p:pic>
-        <p:nvPicPr>
-          <p:cNvPr id="9" name="Graphique 8" descr="Présentation avec graphique à barres">
-            <a:extLst>
-              <a:ext uri="{FF2B5EF4-FFF2-40B4-BE49-F238E27FC236}">
-                <a16:creationId xmlns:a16="http://schemas.microsoft.com/office/drawing/2014/main" id="{D413B9F1-F871-4334-B654-6AA68CF3B65D}"/>
-              </a:ext>
-            </a:extLst>
-          </p:cNvPr>
-          <p:cNvPicPr>
-            <a:picLocks noChangeAspect="1"/>
-          </p:cNvPicPr>
-          <p:nvPr/>
-        </p:nvPicPr>
-        <p:blipFill>
-          <a:blip r:embed="rId7">
-            <a:extLst>
-              <a:ext uri="{96DAC541-7B7A-43D3-8B79-37D633B846F1}">
-                <asvg:svgBlip xmlns:asvg="http://schemas.microsoft.com/office/drawing/2016/SVG/main" r:embed="rId8"/>
-              </a:ext>
-            </a:extLst>
-          </a:blip>
-          <a:stretch>
-            <a:fillRect/>
-          </a:stretch>
-        </p:blipFill>
-        <p:spPr>
-          <a:xfrm>
-            <a:off x="702153" y="4148026"/>
-            <a:ext cx="282704" cy="282704"/>
-          </a:xfrm>
-          <a:prstGeom prst="rect">
-            <a:avLst/>
-          </a:prstGeom>
-        </p:spPr>
-      </p:pic>
-      <p:pic>
-        <p:nvPicPr>
-          <p:cNvPr id="11" name="Graphique 10" descr="Tête avec engrenages">
-            <a:extLst>
-              <a:ext uri="{FF2B5EF4-FFF2-40B4-BE49-F238E27FC236}">
-                <a16:creationId xmlns:a16="http://schemas.microsoft.com/office/drawing/2014/main" id="{C7CE5BE4-3D55-46A9-9B0D-E1202C0966E0}"/>
-              </a:ext>
-            </a:extLst>
-          </p:cNvPr>
-          <p:cNvPicPr>
-            <a:picLocks noChangeAspect="1"/>
-          </p:cNvPicPr>
-          <p:nvPr/>
-        </p:nvPicPr>
-        <p:blipFill>
-          <a:blip r:embed="rId9">
-            <a:extLst>
-              <a:ext uri="{96DAC541-7B7A-43D3-8B79-37D633B846F1}">
-                <asvg:svgBlip xmlns:asvg="http://schemas.microsoft.com/office/drawing/2016/SVG/main" r:embed="rId10"/>
-              </a:ext>
-            </a:extLst>
-          </a:blip>
-          <a:stretch>
-            <a:fillRect/>
-          </a:stretch>
-        </p:blipFill>
-        <p:spPr>
-          <a:xfrm>
-            <a:off x="766598" y="2537314"/>
-            <a:ext cx="218259" cy="218259"/>
-          </a:xfrm>
-          <a:prstGeom prst="rect">
-            <a:avLst/>
-          </a:prstGeom>
-        </p:spPr>
-      </p:pic>
-      <p:pic>
-        <p:nvPicPr>
-          <p:cNvPr id="13" name="Graphique 12" descr="Recherche">
-            <a:extLst>
-              <a:ext uri="{FF2B5EF4-FFF2-40B4-BE49-F238E27FC236}">
-                <a16:creationId xmlns:a16="http://schemas.microsoft.com/office/drawing/2014/main" id="{7B7607A7-2750-4761-9D8E-A8C86098B44A}"/>
-              </a:ext>
-            </a:extLst>
-          </p:cNvPr>
-          <p:cNvPicPr>
-            <a:picLocks noChangeAspect="1"/>
-          </p:cNvPicPr>
-          <p:nvPr/>
-        </p:nvPicPr>
-        <p:blipFill>
-          <a:blip r:embed="rId11">
-            <a:extLst>
-              <a:ext uri="{96DAC541-7B7A-43D3-8B79-37D633B846F1}">
-                <asvg:svgBlip xmlns:asvg="http://schemas.microsoft.com/office/drawing/2016/SVG/main" r:embed="rId12"/>
-              </a:ext>
-            </a:extLst>
-          </a:blip>
-          <a:stretch>
-            <a:fillRect/>
-          </a:stretch>
-        </p:blipFill>
-        <p:spPr>
-          <a:xfrm>
-            <a:off x="557508" y="1544881"/>
-            <a:ext cx="382694" cy="382694"/>
-          </a:xfrm>
-          <a:prstGeom prst="rect">
-            <a:avLst/>
-          </a:prstGeom>
-        </p:spPr>
-      </p:pic>
-      <p:pic>
-        <p:nvPicPr>
-          <p:cNvPr id="15" name="Graphique 14" descr="Livre de jeu">
-            <a:extLst>
-              <a:ext uri="{FF2B5EF4-FFF2-40B4-BE49-F238E27FC236}">
-                <a16:creationId xmlns:a16="http://schemas.microsoft.com/office/drawing/2014/main" id="{3C2CE57A-AD6C-44A3-9969-D224EB1934AE}"/>
-              </a:ext>
-            </a:extLst>
-          </p:cNvPr>
-          <p:cNvPicPr>
-            <a:picLocks noChangeAspect="1"/>
-          </p:cNvPicPr>
-          <p:nvPr/>
-        </p:nvPicPr>
-        <p:blipFill>
-          <a:blip r:embed="rId13">
-            <a:extLst>
-              <a:ext uri="{96DAC541-7B7A-43D3-8B79-37D633B846F1}">
-                <asvg:svgBlip xmlns:asvg="http://schemas.microsoft.com/office/drawing/2016/SVG/main" r:embed="rId14"/>
-              </a:ext>
-            </a:extLst>
-          </a:blip>
-          <a:stretch>
-            <a:fillRect/>
-          </a:stretch>
-        </p:blipFill>
-        <p:spPr>
-          <a:xfrm>
-            <a:off x="675241" y="3312753"/>
-            <a:ext cx="297336" cy="297336"/>
-          </a:xfrm>
-          <a:prstGeom prst="rect">
-            <a:avLst/>
-          </a:prstGeom>
-        </p:spPr>
-      </p:pic>
-      <p:pic>
-        <p:nvPicPr>
-          <p:cNvPr id="17" name="Graphique 16" descr="Sablier">
-            <a:extLst>
-              <a:ext uri="{FF2B5EF4-FFF2-40B4-BE49-F238E27FC236}">
-                <a16:creationId xmlns:a16="http://schemas.microsoft.com/office/drawing/2014/main" id="{6EE5B803-6AC3-455C-896F-46AF846F09E9}"/>
-              </a:ext>
-            </a:extLst>
-          </p:cNvPr>
-          <p:cNvPicPr>
-            <a:picLocks noChangeAspect="1"/>
-          </p:cNvPicPr>
-          <p:nvPr/>
-        </p:nvPicPr>
-        <p:blipFill>
-          <a:blip r:embed="rId15">
-            <a:extLst>
-              <a:ext uri="{96DAC541-7B7A-43D3-8B79-37D633B846F1}">
-                <asvg:svgBlip xmlns:asvg="http://schemas.microsoft.com/office/drawing/2016/SVG/main" r:embed="rId16"/>
-              </a:ext>
-            </a:extLst>
-          </a:blip>
-          <a:stretch>
-            <a:fillRect/>
-          </a:stretch>
-        </p:blipFill>
-        <p:spPr>
-          <a:xfrm>
-            <a:off x="739687" y="2791281"/>
-            <a:ext cx="218258" cy="218258"/>
-          </a:xfrm>
-          <a:prstGeom prst="rect">
-            <a:avLst/>
-          </a:prstGeom>
-        </p:spPr>
-      </p:pic>
-      <p:pic>
-        <p:nvPicPr>
-          <p:cNvPr id="19" name="Graphique 18" descr="Webcam">
-            <a:extLst>
-              <a:ext uri="{FF2B5EF4-FFF2-40B4-BE49-F238E27FC236}">
-                <a16:creationId xmlns:a16="http://schemas.microsoft.com/office/drawing/2014/main" id="{F750C885-9AEA-464E-80F8-3809F823A0AC}"/>
-              </a:ext>
-            </a:extLst>
-          </p:cNvPr>
-          <p:cNvPicPr>
-            <a:picLocks noChangeAspect="1"/>
-          </p:cNvPicPr>
-          <p:nvPr/>
-        </p:nvPicPr>
-        <p:blipFill>
-          <a:blip r:embed="rId17">
-            <a:extLst>
-              <a:ext uri="{96DAC541-7B7A-43D3-8B79-37D633B846F1}">
-                <asvg:svgBlip xmlns:asvg="http://schemas.microsoft.com/office/drawing/2016/SVG/main" r:embed="rId18"/>
-              </a:ext>
-            </a:extLst>
-          </a:blip>
-          <a:stretch>
-            <a:fillRect/>
-          </a:stretch>
-        </p:blipFill>
-        <p:spPr>
-          <a:xfrm>
-            <a:off x="700709" y="3009539"/>
-            <a:ext cx="284148" cy="284148"/>
-          </a:xfrm>
-          <a:prstGeom prst="rect">
-            <a:avLst/>
-          </a:prstGeom>
-        </p:spPr>
-      </p:pic>
-      <p:sp>
-        <p:nvSpPr>
-          <p:cNvPr id="20" name="ZoneTexte 19">
-            <a:extLst>
-              <a:ext uri="{FF2B5EF4-FFF2-40B4-BE49-F238E27FC236}">
-                <a16:creationId xmlns:a16="http://schemas.microsoft.com/office/drawing/2014/main" id="{56548998-31AB-44D1-93DC-D1FED13191C5}"/>
-              </a:ext>
-            </a:extLst>
-          </p:cNvPr>
-          <p:cNvSpPr txBox="1"/>
-          <p:nvPr/>
-        </p:nvSpPr>
-        <p:spPr>
-          <a:xfrm>
-            <a:off x="1415179" y="1558535"/>
-            <a:ext cx="3375221" cy="400110"/>
-          </a:xfrm>
-          <a:prstGeom prst="rect">
-            <a:avLst/>
-          </a:prstGeom>
-          <a:noFill/>
-        </p:spPr>
-        <p:txBody>
-          <a:bodyPr wrap="square" rtlCol="0">
-            <a:spAutoFit/>
-          </a:bodyPr>
-          <a:lstStyle/>
-          <a:p>
-            <a:r>
-              <a:rPr lang="fr-FR" sz="2000" dirty="0"/>
-              <a:t>Application de </a:t>
-            </a:r>
-            <a:r>
-              <a:rPr lang="fr-FR" sz="2000" dirty="0">
-                <a:solidFill>
-                  <a:srgbClr val="A31257"/>
-                </a:solidFill>
-              </a:rPr>
-              <a:t>supervision </a:t>
-            </a:r>
-            <a:r>
-              <a:rPr lang="fr-FR" sz="2000" dirty="0"/>
-              <a:t>:</a:t>
-            </a:r>
-          </a:p>
-        </p:txBody>
-      </p:sp>
-      <p:sp>
-        <p:nvSpPr>
-          <p:cNvPr id="22" name="Rectangle 21">
-            <a:extLst>
-              <a:ext uri="{FF2B5EF4-FFF2-40B4-BE49-F238E27FC236}">
-                <a16:creationId xmlns:a16="http://schemas.microsoft.com/office/drawing/2014/main" id="{491B8AB3-06D5-430F-8E87-1F57F5FBF777}"/>
+                <a16:creationId xmlns:a16="http://schemas.microsoft.com/office/drawing/2014/main" id="{A1A3188D-FC61-4E96-8BD3-10940E8C6E85}"/>
               </a:ext>
             </a:extLst>
           </p:cNvPr>
@@ -8812,19 +9755,17 @@
         </p:nvSpPr>
         <p:spPr>
           <a:xfrm>
-            <a:off x="5451271" y="2165229"/>
-            <a:ext cx="4067728" cy="2527541"/>
-          </a:xfrm>
-          <a:prstGeom prst="rect">
+            <a:off x="11530584" y="570246"/>
+            <a:ext cx="400813" cy="366747"/>
+          </a:xfrm>
+          <a:prstGeom prst="ellipse">
             <a:avLst/>
           </a:prstGeom>
           <a:solidFill>
-            <a:schemeClr val="bg1"/>
+            <a:srgbClr val="009900"/>
           </a:solidFill>
           <a:ln>
-            <a:solidFill>
-              <a:srgbClr val="A31257"/>
-            </a:solidFill>
+            <a:noFill/>
           </a:ln>
         </p:spPr>
         <p:style>
@@ -8847,203 +9788,17 @@
           <a:bodyPr rtlCol="0" anchor="ctr"/>
           <a:lstStyle/>
           <a:p>
-            <a:pPr marL="742950" lvl="1" indent="-285750">
-              <a:buFontTx/>
-              <a:buChar char="-"/>
-            </a:pPr>
-            <a:r>
-              <a:rPr lang="fr-FR" dirty="0">
-                <a:solidFill>
-                  <a:schemeClr val="tx1"/>
-                </a:solidFill>
-              </a:rPr>
-              <a:t>Indice prédéfini (liste)</a:t>
-            </a:r>
-          </a:p>
-          <a:p>
-            <a:pPr marL="742950" lvl="1" indent="-285750">
-              <a:buFontTx/>
-              <a:buChar char="-"/>
-            </a:pPr>
-            <a:r>
-              <a:rPr lang="fr-FR" dirty="0">
-                <a:solidFill>
-                  <a:schemeClr val="tx1"/>
-                </a:solidFill>
-              </a:rPr>
-              <a:t>Nouvel indice</a:t>
-            </a:r>
-          </a:p>
-          <a:p>
-            <a:pPr marL="742950" lvl="1" indent="-285750">
-              <a:buFontTx/>
-              <a:buChar char="-"/>
-            </a:pPr>
-            <a:r>
-              <a:rPr lang="fr-FR" dirty="0">
-                <a:solidFill>
-                  <a:schemeClr val="tx1"/>
-                </a:solidFill>
-              </a:rPr>
-              <a:t>Chronomètre</a:t>
-            </a:r>
-          </a:p>
-        </p:txBody>
-      </p:sp>
-      <p:cxnSp>
-        <p:nvCxnSpPr>
-          <p:cNvPr id="23" name="Connecteur droit avec flèche 22">
+            <a:pPr algn="ctr"/>
+            <a:endParaRPr lang="fr-FR"/>
+          </a:p>
+        </p:txBody>
+      </p:sp>
+      <p:sp>
+        <p:nvSpPr>
+          <p:cNvPr id="9" name="Ellipse 8">
             <a:extLst>
               <a:ext uri="{FF2B5EF4-FFF2-40B4-BE49-F238E27FC236}">
-                <a16:creationId xmlns:a16="http://schemas.microsoft.com/office/drawing/2014/main" id="{2B62076A-081C-46DC-A624-C32810A497B9}"/>
-              </a:ext>
-            </a:extLst>
-          </p:cNvPr>
-          <p:cNvCxnSpPr>
-            <a:cxnSpLocks/>
-          </p:cNvCxnSpPr>
-          <p:nvPr/>
-        </p:nvCxnSpPr>
-        <p:spPr>
-          <a:xfrm flipV="1">
-            <a:off x="3657599" y="3461421"/>
-            <a:ext cx="1638000" cy="405156"/>
-          </a:xfrm>
-          <a:prstGeom prst="straightConnector1">
-            <a:avLst/>
-          </a:prstGeom>
-          <a:ln w="53975">
-            <a:solidFill>
-              <a:schemeClr val="tx1"/>
-            </a:solidFill>
-            <a:prstDash val="sysDot"/>
-            <a:headEnd type="stealth"/>
-            <a:tailEnd type="stealth"/>
-          </a:ln>
-        </p:spPr>
-        <p:style>
-          <a:lnRef idx="1">
-            <a:schemeClr val="accent1"/>
-          </a:lnRef>
-          <a:fillRef idx="0">
-            <a:schemeClr val="accent1"/>
-          </a:fillRef>
-          <a:effectRef idx="0">
-            <a:schemeClr val="accent1"/>
-          </a:effectRef>
-          <a:fontRef idx="minor">
-            <a:schemeClr val="tx1"/>
-          </a:fontRef>
-        </p:style>
-      </p:cxnSp>
-      <p:sp>
-        <p:nvSpPr>
-          <p:cNvPr id="28" name="ZoneTexte 27">
-            <a:extLst>
-              <a:ext uri="{FF2B5EF4-FFF2-40B4-BE49-F238E27FC236}">
-                <a16:creationId xmlns:a16="http://schemas.microsoft.com/office/drawing/2014/main" id="{70545D24-80E0-45FC-818C-458FBB81E384}"/>
-              </a:ext>
-            </a:extLst>
-          </p:cNvPr>
-          <p:cNvSpPr txBox="1"/>
-          <p:nvPr/>
-        </p:nvSpPr>
-        <p:spPr>
-          <a:xfrm>
-            <a:off x="7564994" y="1727520"/>
-            <a:ext cx="3375221" cy="400110"/>
-          </a:xfrm>
-          <a:prstGeom prst="rect">
-            <a:avLst/>
-          </a:prstGeom>
-          <a:noFill/>
-        </p:spPr>
-        <p:txBody>
-          <a:bodyPr wrap="square" rtlCol="0">
-            <a:spAutoFit/>
-          </a:bodyPr>
-          <a:lstStyle/>
-          <a:p>
-            <a:r>
-              <a:rPr lang="fr-FR" sz="2000" dirty="0">
-                <a:solidFill>
-                  <a:srgbClr val="A31257"/>
-                </a:solidFill>
-              </a:rPr>
-              <a:t>Afficheur</a:t>
-            </a:r>
-            <a:r>
-              <a:rPr lang="fr-FR" sz="2000" dirty="0"/>
-              <a:t> LCD</a:t>
-            </a:r>
-            <a:r>
-              <a:rPr lang="fr-FR" sz="2000" dirty="0">
-                <a:solidFill>
-                  <a:srgbClr val="A31257"/>
-                </a:solidFill>
-              </a:rPr>
-              <a:t> </a:t>
-            </a:r>
-            <a:r>
-              <a:rPr lang="fr-FR" sz="2000" dirty="0"/>
-              <a:t>:</a:t>
-            </a:r>
-          </a:p>
-        </p:txBody>
-      </p:sp>
-      <p:pic>
-        <p:nvPicPr>
-          <p:cNvPr id="27" name="Picture 2" descr="Résultat de recherche d'images pour &quot;afficheur mc crypt&quot;">
-            <a:extLst>
-              <a:ext uri="{FF2B5EF4-FFF2-40B4-BE49-F238E27FC236}">
-                <a16:creationId xmlns:a16="http://schemas.microsoft.com/office/drawing/2014/main" id="{19B62C81-611E-44A2-80C9-592AE12A7464}"/>
-              </a:ext>
-            </a:extLst>
-          </p:cNvPr>
-          <p:cNvPicPr>
-            <a:picLocks noChangeAspect="1" noChangeArrowheads="1"/>
-          </p:cNvPicPr>
-          <p:nvPr/>
-        </p:nvPicPr>
-        <p:blipFill>
-          <a:blip r:embed="rId19">
-            <a:extLst>
-              <a:ext uri="{28A0092B-C50C-407E-A947-70E740481C1C}">
-                <a14:useLocalDpi xmlns:a14="http://schemas.microsoft.com/office/drawing/2010/main" val="0"/>
-              </a:ext>
-            </a:extLst>
-          </a:blip>
-          <a:srcRect/>
-          <a:stretch>
-            <a:fillRect/>
-          </a:stretch>
-        </p:blipFill>
-        <p:spPr bwMode="auto">
-          <a:xfrm>
-            <a:off x="5451271" y="1690946"/>
-            <a:ext cx="2040982" cy="343902"/>
-          </a:xfrm>
-          <a:prstGeom prst="rect">
-            <a:avLst/>
-          </a:prstGeom>
-          <a:noFill/>
-          <a:extLst>
-            <a:ext uri="{909E8E84-426E-40DD-AFC4-6F175D3DCCD1}">
-              <a14:hiddenFill xmlns:a14="http://schemas.microsoft.com/office/drawing/2010/main">
-                <a:solidFill>
-                  <a:srgbClr val="FFFFFF"/>
-                </a:solidFill>
-              </a14:hiddenFill>
-            </a:ext>
-          </a:extLst>
-        </p:spPr>
-      </p:pic>
-      <p:sp>
-        <p:nvSpPr>
-          <p:cNvPr id="31" name="Rectangle 30">
-            <a:extLst>
-              <a:ext uri="{FF2B5EF4-FFF2-40B4-BE49-F238E27FC236}">
-                <a16:creationId xmlns:a16="http://schemas.microsoft.com/office/drawing/2014/main" id="{E4380386-8452-47DA-B054-03BBD25AA17C}"/>
+                <a16:creationId xmlns:a16="http://schemas.microsoft.com/office/drawing/2014/main" id="{D600DB52-1EAF-4DE6-A606-F8F46BA26EA9}"/>
               </a:ext>
             </a:extLst>
           </p:cNvPr>
@@ -9052,14 +9807,14 @@
         </p:nvSpPr>
         <p:spPr>
           <a:xfrm>
-            <a:off x="5509312" y="1755260"/>
-            <a:ext cx="1914525" cy="203386"/>
-          </a:xfrm>
-          <a:prstGeom prst="rect">
+            <a:off x="11530583" y="2798334"/>
+            <a:ext cx="400813" cy="366747"/>
+          </a:xfrm>
+          <a:prstGeom prst="ellipse">
             <a:avLst/>
           </a:prstGeom>
           <a:solidFill>
-            <a:schemeClr val="tx1"/>
+            <a:srgbClr val="009900"/>
           </a:solidFill>
           <a:ln>
             <a:noFill/>
@@ -9086,22 +9841,16 @@
           <a:lstStyle/>
           <a:p>
             <a:pPr algn="ctr"/>
-            <a:r>
-              <a:rPr lang="fr-FR" sz="1400" dirty="0">
-                <a:latin typeface="Segoe UI Light" panose="020B0502040204020203" pitchFamily="34" charset="0"/>
-                <a:cs typeface="Segoe UI Light" panose="020B0502040204020203" pitchFamily="34" charset="0"/>
-              </a:rPr>
-              <a:t>INDICE</a:t>
-            </a:r>
-          </a:p>
-        </p:txBody>
-      </p:sp>
-      <p:sp>
-        <p:nvSpPr>
-          <p:cNvPr id="33" name="Rectangle 32">
+            <a:endParaRPr lang="fr-FR"/>
+          </a:p>
+        </p:txBody>
+      </p:sp>
+      <p:sp>
+        <p:nvSpPr>
+          <p:cNvPr id="10" name="Ellipse 9">
             <a:extLst>
               <a:ext uri="{FF2B5EF4-FFF2-40B4-BE49-F238E27FC236}">
-                <a16:creationId xmlns:a16="http://schemas.microsoft.com/office/drawing/2014/main" id="{1ED2D3FA-227E-4589-B7A9-5F8538AB4AB5}"/>
+                <a16:creationId xmlns:a16="http://schemas.microsoft.com/office/drawing/2014/main" id="{C0E89E66-692E-4E66-A065-80023A9F36C7}"/>
               </a:ext>
             </a:extLst>
           </p:cNvPr>
@@ -9110,19 +9859,17 @@
         </p:nvSpPr>
         <p:spPr>
           <a:xfrm>
-            <a:off x="2904417" y="5486446"/>
-            <a:ext cx="4067728" cy="1163573"/>
-          </a:xfrm>
-          <a:prstGeom prst="rect">
+            <a:off x="11530582" y="4331478"/>
+            <a:ext cx="400813" cy="366747"/>
+          </a:xfrm>
+          <a:prstGeom prst="ellipse">
             <a:avLst/>
           </a:prstGeom>
           <a:solidFill>
             <a:schemeClr val="bg1"/>
           </a:solidFill>
           <a:ln>
-            <a:solidFill>
-              <a:srgbClr val="A31257"/>
-            </a:solidFill>
+            <a:noFill/>
           </a:ln>
         </p:spPr>
         <p:style>
@@ -9145,55 +9892,173 @@
           <a:bodyPr rtlCol="0" anchor="ctr"/>
           <a:lstStyle/>
           <a:p>
-            <a:pPr marL="742950" lvl="1" indent="-285750">
-              <a:buFontTx/>
-              <a:buChar char="-"/>
-            </a:pPr>
-            <a:r>
-              <a:rPr lang="fr-FR" dirty="0">
-                <a:solidFill>
-                  <a:schemeClr val="tx1"/>
-                </a:solidFill>
-              </a:rPr>
-              <a:t>Paramétrage du routeur</a:t>
-            </a:r>
-          </a:p>
-          <a:p>
-            <a:pPr marL="742950" lvl="1" indent="-285750">
-              <a:buFontTx/>
-              <a:buChar char="-"/>
-            </a:pPr>
-            <a:r>
-              <a:rPr lang="fr-FR" dirty="0">
-                <a:solidFill>
-                  <a:schemeClr val="tx1"/>
-                </a:solidFill>
-              </a:rPr>
-              <a:t>Adressage des matériels</a:t>
-            </a:r>
-          </a:p>
-          <a:p>
-            <a:pPr marL="742950" lvl="1" indent="-285750">
-              <a:buFontTx/>
-              <a:buChar char="-"/>
-            </a:pPr>
-            <a:r>
-              <a:rPr lang="fr-FR" dirty="0">
-                <a:solidFill>
-                  <a:schemeClr val="tx1"/>
-                </a:solidFill>
-              </a:rPr>
-              <a:t>Intercommunication locale</a:t>
-            </a:r>
-          </a:p>
-        </p:txBody>
-      </p:sp>
-      <p:sp>
-        <p:nvSpPr>
-          <p:cNvPr id="34" name="ZoneTexte 33">
+            <a:pPr algn="ctr"/>
+            <a:endParaRPr lang="fr-FR"/>
+          </a:p>
+        </p:txBody>
+      </p:sp>
+      <p:sp>
+        <p:nvSpPr>
+          <p:cNvPr id="11" name="Ellipse 10">
             <a:extLst>
               <a:ext uri="{FF2B5EF4-FFF2-40B4-BE49-F238E27FC236}">
-                <a16:creationId xmlns:a16="http://schemas.microsoft.com/office/drawing/2014/main" id="{D120DD93-CB76-4FC4-9B33-2406A22D46F7}"/>
+                <a16:creationId xmlns:a16="http://schemas.microsoft.com/office/drawing/2014/main" id="{B27B51FD-77BD-46A2-B737-E85DBAAE7258}"/>
+              </a:ext>
+            </a:extLst>
+          </p:cNvPr>
+          <p:cNvSpPr/>
+          <p:nvPr/>
+        </p:nvSpPr>
+        <p:spPr>
+          <a:xfrm>
+            <a:off x="11530581" y="5863858"/>
+            <a:ext cx="400813" cy="366747"/>
+          </a:xfrm>
+          <a:prstGeom prst="ellipse">
+            <a:avLst/>
+          </a:prstGeom>
+          <a:solidFill>
+            <a:schemeClr val="bg1"/>
+          </a:solidFill>
+          <a:ln>
+            <a:noFill/>
+          </a:ln>
+        </p:spPr>
+        <p:style>
+          <a:lnRef idx="2">
+            <a:schemeClr val="accent1">
+              <a:shade val="50000"/>
+            </a:schemeClr>
+          </a:lnRef>
+          <a:fillRef idx="1">
+            <a:schemeClr val="accent1"/>
+          </a:fillRef>
+          <a:effectRef idx="0">
+            <a:schemeClr val="accent1"/>
+          </a:effectRef>
+          <a:fontRef idx="minor">
+            <a:schemeClr val="lt1"/>
+          </a:fontRef>
+        </p:style>
+        <p:txBody>
+          <a:bodyPr rtlCol="0" anchor="ctr"/>
+          <a:lstStyle/>
+          <a:p>
+            <a:pPr algn="ctr"/>
+            <a:endParaRPr lang="fr-FR"/>
+          </a:p>
+        </p:txBody>
+      </p:sp>
+      <p:sp>
+        <p:nvSpPr>
+          <p:cNvPr id="12" name="Organigramme : Terminateur 11">
+            <a:extLst>
+              <a:ext uri="{FF2B5EF4-FFF2-40B4-BE49-F238E27FC236}">
+                <a16:creationId xmlns:a16="http://schemas.microsoft.com/office/drawing/2014/main" id="{93542E62-6FB1-456F-B442-0701E91B24F7}"/>
+              </a:ext>
+            </a:extLst>
+          </p:cNvPr>
+          <p:cNvSpPr/>
+          <p:nvPr/>
+        </p:nvSpPr>
+        <p:spPr>
+          <a:xfrm>
+            <a:off x="11562541" y="1448372"/>
+            <a:ext cx="188499" cy="71437"/>
+          </a:xfrm>
+          <a:prstGeom prst="flowChartTerminator">
+            <a:avLst/>
+          </a:prstGeom>
+          <a:solidFill>
+            <a:srgbClr val="009900"/>
+          </a:solidFill>
+          <a:ln>
+            <a:noFill/>
+          </a:ln>
+        </p:spPr>
+        <p:style>
+          <a:lnRef idx="2">
+            <a:schemeClr val="accent1">
+              <a:shade val="50000"/>
+            </a:schemeClr>
+          </a:lnRef>
+          <a:fillRef idx="1">
+            <a:schemeClr val="accent1"/>
+          </a:fillRef>
+          <a:effectRef idx="0">
+            <a:schemeClr val="accent1"/>
+          </a:effectRef>
+          <a:fontRef idx="minor">
+            <a:schemeClr val="lt1"/>
+          </a:fontRef>
+        </p:style>
+        <p:txBody>
+          <a:bodyPr rtlCol="0" anchor="ctr"/>
+          <a:lstStyle/>
+          <a:p>
+            <a:pPr algn="ctr"/>
+            <a:endParaRPr lang="fr-FR"/>
+          </a:p>
+        </p:txBody>
+      </p:sp>
+      <p:sp>
+        <p:nvSpPr>
+          <p:cNvPr id="13" name="Organigramme : Terminateur 12">
+            <a:extLst>
+              <a:ext uri="{FF2B5EF4-FFF2-40B4-BE49-F238E27FC236}">
+                <a16:creationId xmlns:a16="http://schemas.microsoft.com/office/drawing/2014/main" id="{E2EBD429-E412-475F-B2CB-C07B982C39D2}"/>
+              </a:ext>
+            </a:extLst>
+          </p:cNvPr>
+          <p:cNvSpPr/>
+          <p:nvPr/>
+        </p:nvSpPr>
+        <p:spPr>
+          <a:xfrm>
+            <a:off x="11570685" y="2179226"/>
+            <a:ext cx="188499" cy="71437"/>
+          </a:xfrm>
+          <a:prstGeom prst="flowChartTerminator">
+            <a:avLst/>
+          </a:prstGeom>
+          <a:solidFill>
+            <a:srgbClr val="009900"/>
+          </a:solidFill>
+          <a:ln>
+            <a:noFill/>
+          </a:ln>
+        </p:spPr>
+        <p:style>
+          <a:lnRef idx="2">
+            <a:schemeClr val="accent1">
+              <a:shade val="50000"/>
+            </a:schemeClr>
+          </a:lnRef>
+          <a:fillRef idx="1">
+            <a:schemeClr val="accent1"/>
+          </a:fillRef>
+          <a:effectRef idx="0">
+            <a:schemeClr val="accent1"/>
+          </a:effectRef>
+          <a:fontRef idx="minor">
+            <a:schemeClr val="lt1"/>
+          </a:fontRef>
+        </p:style>
+        <p:txBody>
+          <a:bodyPr rtlCol="0" anchor="ctr"/>
+          <a:lstStyle/>
+          <a:p>
+            <a:pPr algn="ctr"/>
+            <a:endParaRPr lang="fr-FR" dirty="0"/>
+          </a:p>
+        </p:txBody>
+      </p:sp>
+      <p:sp>
+        <p:nvSpPr>
+          <p:cNvPr id="14" name="ZoneTexte 13">
+            <a:extLst>
+              <a:ext uri="{FF2B5EF4-FFF2-40B4-BE49-F238E27FC236}">
+                <a16:creationId xmlns:a16="http://schemas.microsoft.com/office/drawing/2014/main" id="{D3CFE739-74FA-4D97-A673-ACCE5BB24927}"/>
               </a:ext>
             </a:extLst>
           </p:cNvPr>
@@ -9202,8 +10067,8 @@
         </p:nvSpPr>
         <p:spPr>
           <a:xfrm>
-            <a:off x="3443384" y="4971716"/>
-            <a:ext cx="3375221" cy="400110"/>
+            <a:off x="10197081" y="537591"/>
+            <a:ext cx="1333500" cy="430887"/>
           </a:xfrm>
           <a:prstGeom prst="rect">
             <a:avLst/>
@@ -9216,67 +10081,132 @@
           </a:bodyPr>
           <a:lstStyle/>
           <a:p>
-            <a:r>
-              <a:rPr lang="fr-FR" sz="2000" dirty="0"/>
-              <a:t>Configuration </a:t>
-            </a:r>
-            <a:r>
-              <a:rPr lang="fr-FR" sz="2000" dirty="0">
+            <a:pPr algn="r"/>
+            <a:r>
+              <a:rPr lang="fr-FR" sz="1100" i="1" dirty="0"/>
+              <a:t>Présentation du projet</a:t>
+            </a:r>
+          </a:p>
+        </p:txBody>
+      </p:sp>
+      <p:sp>
+        <p:nvSpPr>
+          <p:cNvPr id="15" name="ZoneTexte 14">
+            <a:extLst>
+              <a:ext uri="{FF2B5EF4-FFF2-40B4-BE49-F238E27FC236}">
+                <a16:creationId xmlns:a16="http://schemas.microsoft.com/office/drawing/2014/main" id="{7C1EF58A-F5FD-4C28-B751-48F104671E7E}"/>
+              </a:ext>
+            </a:extLst>
+          </p:cNvPr>
+          <p:cNvSpPr txBox="1"/>
+          <p:nvPr/>
+        </p:nvSpPr>
+        <p:spPr>
+          <a:xfrm>
+            <a:off x="10295358" y="1353285"/>
+            <a:ext cx="1333500" cy="261610"/>
+          </a:xfrm>
+          <a:prstGeom prst="rect">
+            <a:avLst/>
+          </a:prstGeom>
+          <a:noFill/>
+        </p:spPr>
+        <p:txBody>
+          <a:bodyPr wrap="square" rtlCol="0">
+            <a:spAutoFit/>
+          </a:bodyPr>
+          <a:lstStyle/>
+          <a:p>
+            <a:pPr algn="r"/>
+            <a:r>
+              <a:rPr lang="fr-FR" sz="1100" i="1" dirty="0"/>
+              <a:t>Schéma global</a:t>
+            </a:r>
+          </a:p>
+        </p:txBody>
+      </p:sp>
+      <p:sp>
+        <p:nvSpPr>
+          <p:cNvPr id="16" name="ZoneTexte 15">
+            <a:extLst>
+              <a:ext uri="{FF2B5EF4-FFF2-40B4-BE49-F238E27FC236}">
+                <a16:creationId xmlns:a16="http://schemas.microsoft.com/office/drawing/2014/main" id="{2E19186A-E81A-41B0-B7D5-957EDF08807D}"/>
+              </a:ext>
+            </a:extLst>
+          </p:cNvPr>
+          <p:cNvSpPr txBox="1"/>
+          <p:nvPr/>
+        </p:nvSpPr>
+        <p:spPr>
+          <a:xfrm>
+            <a:off x="10295358" y="2019390"/>
+            <a:ext cx="1333500" cy="430887"/>
+          </a:xfrm>
+          <a:prstGeom prst="rect">
+            <a:avLst/>
+          </a:prstGeom>
+          <a:noFill/>
+        </p:spPr>
+        <p:txBody>
+          <a:bodyPr wrap="square" rtlCol="0">
+            <a:spAutoFit/>
+          </a:bodyPr>
+          <a:lstStyle/>
+          <a:p>
+            <a:pPr algn="r"/>
+            <a:r>
+              <a:rPr lang="fr-FR" sz="1100" i="1" dirty="0"/>
+              <a:t>Schéma personnalisé</a:t>
+            </a:r>
+          </a:p>
+        </p:txBody>
+      </p:sp>
+      <p:sp>
+        <p:nvSpPr>
+          <p:cNvPr id="17" name="ZoneTexte 16">
+            <a:extLst>
+              <a:ext uri="{FF2B5EF4-FFF2-40B4-BE49-F238E27FC236}">
+                <a16:creationId xmlns:a16="http://schemas.microsoft.com/office/drawing/2014/main" id="{557C5887-5401-48AC-9675-56DC355AE5FE}"/>
+              </a:ext>
+            </a:extLst>
+          </p:cNvPr>
+          <p:cNvSpPr txBox="1"/>
+          <p:nvPr/>
+        </p:nvSpPr>
+        <p:spPr>
+          <a:xfrm>
+            <a:off x="10237185" y="2754095"/>
+            <a:ext cx="1333500" cy="430887"/>
+          </a:xfrm>
+          <a:prstGeom prst="rect">
+            <a:avLst/>
+          </a:prstGeom>
+          <a:noFill/>
+        </p:spPr>
+        <p:txBody>
+          <a:bodyPr wrap="square" rtlCol="0">
+            <a:spAutoFit/>
+          </a:bodyPr>
+          <a:lstStyle/>
+          <a:p>
+            <a:pPr algn="r"/>
+            <a:r>
+              <a:rPr lang="fr-FR" sz="1100" dirty="0">
                 <a:solidFill>
                   <a:srgbClr val="A31257"/>
                 </a:solidFill>
               </a:rPr>
-              <a:t>réseau</a:t>
-            </a:r>
-            <a:r>
-              <a:rPr lang="fr-FR" sz="2000" dirty="0"/>
-              <a:t> :</a:t>
-            </a:r>
-          </a:p>
-        </p:txBody>
-      </p:sp>
-      <p:pic>
-        <p:nvPicPr>
-          <p:cNvPr id="35" name="Graphique 34" descr="Réseau de tâches">
+              <a:t>Diagramme de cas d’utilisation</a:t>
+            </a:r>
+          </a:p>
+        </p:txBody>
+      </p:sp>
+      <p:sp>
+        <p:nvSpPr>
+          <p:cNvPr id="18" name="ZoneTexte 17">
             <a:extLst>
               <a:ext uri="{FF2B5EF4-FFF2-40B4-BE49-F238E27FC236}">
-                <a16:creationId xmlns:a16="http://schemas.microsoft.com/office/drawing/2014/main" id="{255A3998-9CDF-4E66-9DF4-55D09A6DFB52}"/>
-              </a:ext>
-            </a:extLst>
-          </p:cNvPr>
-          <p:cNvPicPr>
-            <a:picLocks noChangeAspect="1"/>
-          </p:cNvPicPr>
-          <p:nvPr/>
-        </p:nvPicPr>
-        <p:blipFill>
-          <a:blip r:embed="rId20">
-            <a:extLst>
-              <a:ext uri="{96DAC541-7B7A-43D3-8B79-37D633B846F1}">
-                <asvg:svgBlip xmlns:asvg="http://schemas.microsoft.com/office/drawing/2016/SVG/main" r:embed="rId21"/>
-              </a:ext>
-            </a:extLst>
-          </a:blip>
-          <a:stretch>
-            <a:fillRect/>
-          </a:stretch>
-        </p:blipFill>
-        <p:spPr>
-          <a:xfrm>
-            <a:off x="2904417" y="4884005"/>
-            <a:ext cx="575532" cy="575532"/>
-          </a:xfrm>
-          <a:prstGeom prst="rect">
-            <a:avLst/>
-          </a:prstGeom>
-        </p:spPr>
-      </p:pic>
-      <p:sp>
-        <p:nvSpPr>
-          <p:cNvPr id="39" name="ZoneTexte 38">
-            <a:extLst>
-              <a:ext uri="{FF2B5EF4-FFF2-40B4-BE49-F238E27FC236}">
-                <a16:creationId xmlns:a16="http://schemas.microsoft.com/office/drawing/2014/main" id="{147022B0-33C4-46F1-800E-AD1C4A88B978}"/>
+                <a16:creationId xmlns:a16="http://schemas.microsoft.com/office/drawing/2014/main" id="{0482C200-0F8B-40BB-A3CA-AFAEF7708AA3}"/>
               </a:ext>
             </a:extLst>
           </p:cNvPr>
@@ -9285,8 +10215,8 @@
         </p:nvSpPr>
         <p:spPr>
           <a:xfrm>
-            <a:off x="1" y="6378766"/>
-            <a:ext cx="429658" cy="461665"/>
+            <a:off x="10053638" y="4383664"/>
+            <a:ext cx="1517047" cy="261610"/>
           </a:xfrm>
           <a:prstGeom prst="rect">
             <a:avLst/>
@@ -9299,17 +10229,106 @@
           </a:bodyPr>
           <a:lstStyle/>
           <a:p>
-            <a:r>
-              <a:rPr lang="fr-FR" sz="2400" dirty="0"/>
-              <a:t>4</a:t>
-            </a:r>
+            <a:pPr algn="r"/>
+            <a:r>
+              <a:rPr lang="fr-FR" sz="1100" dirty="0"/>
+              <a:t>Tâches personnelles</a:t>
+            </a:r>
+          </a:p>
+        </p:txBody>
+      </p:sp>
+      <p:sp>
+        <p:nvSpPr>
+          <p:cNvPr id="19" name="ZoneTexte 18">
+            <a:extLst>
+              <a:ext uri="{FF2B5EF4-FFF2-40B4-BE49-F238E27FC236}">
+                <a16:creationId xmlns:a16="http://schemas.microsoft.com/office/drawing/2014/main" id="{176C8E61-99A3-46F2-9A16-52A4FF7D33CA}"/>
+              </a:ext>
+            </a:extLst>
+          </p:cNvPr>
+          <p:cNvSpPr txBox="1"/>
+          <p:nvPr/>
+        </p:nvSpPr>
+        <p:spPr>
+          <a:xfrm>
+            <a:off x="9953723" y="5916426"/>
+            <a:ext cx="1616962" cy="261610"/>
+          </a:xfrm>
+          <a:prstGeom prst="rect">
+            <a:avLst/>
+          </a:prstGeom>
+          <a:noFill/>
+        </p:spPr>
+        <p:txBody>
+          <a:bodyPr wrap="square" rtlCol="0">
+            <a:spAutoFit/>
+          </a:bodyPr>
+          <a:lstStyle/>
+          <a:p>
+            <a:pPr algn="r"/>
+            <a:r>
+              <a:rPr lang="fr-FR" sz="1100" dirty="0"/>
+              <a:t>Schématisation réseau</a:t>
+            </a:r>
+          </a:p>
+        </p:txBody>
+      </p:sp>
+      <p:sp>
+        <p:nvSpPr>
+          <p:cNvPr id="20" name="Rectangle 19">
+            <a:extLst>
+              <a:ext uri="{FF2B5EF4-FFF2-40B4-BE49-F238E27FC236}">
+                <a16:creationId xmlns:a16="http://schemas.microsoft.com/office/drawing/2014/main" id="{B391F611-10EA-4B74-B927-3027F45B6387}"/>
+              </a:ext>
+            </a:extLst>
+          </p:cNvPr>
+          <p:cNvSpPr/>
+          <p:nvPr/>
+        </p:nvSpPr>
+        <p:spPr>
+          <a:xfrm>
+            <a:off x="11695175" y="627394"/>
+            <a:ext cx="64009" cy="2353550"/>
+          </a:xfrm>
+          <a:prstGeom prst="rect">
+            <a:avLst/>
+          </a:prstGeom>
+          <a:solidFill>
+            <a:srgbClr val="009900"/>
+          </a:solidFill>
+          <a:ln>
+            <a:noFill/>
+          </a:ln>
+        </p:spPr>
+        <p:style>
+          <a:lnRef idx="2">
+            <a:schemeClr val="accent1">
+              <a:shade val="50000"/>
+            </a:schemeClr>
+          </a:lnRef>
+          <a:fillRef idx="1">
+            <a:schemeClr val="accent1"/>
+          </a:fillRef>
+          <a:effectRef idx="0">
+            <a:schemeClr val="accent1"/>
+          </a:effectRef>
+          <a:fontRef idx="minor">
+            <a:schemeClr val="lt1"/>
+          </a:fontRef>
+        </p:style>
+        <p:txBody>
+          <a:bodyPr rtlCol="0" anchor="ctr"/>
+          <a:lstStyle/>
+          <a:p>
+            <a:pPr algn="ctr"/>
+            <a:endParaRPr lang="fr-FR"/>
           </a:p>
         </p:txBody>
       </p:sp>
     </p:spTree>
     <p:extLst>
       <p:ext uri="{BB962C8B-B14F-4D97-AF65-F5344CB8AC3E}">
-        <p14:creationId xmlns:p14="http://schemas.microsoft.com/office/powerpoint/2010/main" val="3328809043"/>
+        <p14:creationId xmlns:p14="http://schemas.microsoft.com/office/powerpoint/2010/main" val="3306364669"/>
       </p:ext>
     </p:extLst>
   </p:cSld>
@@ -9398,7 +10417,7 @@
           <p:cNvPr id="3" name="ZoneTexte 2">
             <a:extLst>
               <a:ext uri="{FF2B5EF4-FFF2-40B4-BE49-F238E27FC236}">
-                <a16:creationId xmlns:a16="http://schemas.microsoft.com/office/drawing/2014/main" id="{B5DA24B5-6993-45AE-B83E-5BA1E69FACD0}"/>
+                <a16:creationId xmlns:a16="http://schemas.microsoft.com/office/drawing/2014/main" id="{B471CF48-6047-4FC0-80B5-834C802D9B1F}"/>
               </a:ext>
             </a:extLst>
           </p:cNvPr>
@@ -9456,6 +10475,1777 @@
               <a:rPr lang="fr-FR" sz="3600" b="1" dirty="0">
                 <a:latin typeface="Eras Medium ITC" panose="020B0602030504020804" pitchFamily="34" charset="0"/>
               </a:rPr>
+              <a:t>Tâches personnelles :</a:t>
+            </a:r>
+            <a:endParaRPr lang="fr-FR" sz="3200" b="1" dirty="0">
+              <a:latin typeface="Eras Medium ITC" panose="020B0602030504020804" pitchFamily="34" charset="0"/>
+            </a:endParaRPr>
+          </a:p>
+        </p:txBody>
+      </p:sp>
+      <p:sp>
+        <p:nvSpPr>
+          <p:cNvPr id="2" name="Rectangle 1">
+            <a:extLst>
+              <a:ext uri="{FF2B5EF4-FFF2-40B4-BE49-F238E27FC236}">
+                <a16:creationId xmlns:a16="http://schemas.microsoft.com/office/drawing/2014/main" id="{0DCB0528-8BC6-473B-B008-71938E34FEAA}"/>
+              </a:ext>
+            </a:extLst>
+          </p:cNvPr>
+          <p:cNvSpPr/>
+          <p:nvPr/>
+        </p:nvSpPr>
+        <p:spPr>
+          <a:xfrm>
+            <a:off x="456786" y="2165230"/>
+            <a:ext cx="4067728" cy="2527541"/>
+          </a:xfrm>
+          <a:prstGeom prst="rect">
+            <a:avLst/>
+          </a:prstGeom>
+          <a:solidFill>
+            <a:schemeClr val="bg1"/>
+          </a:solidFill>
+          <a:ln>
+            <a:solidFill>
+              <a:srgbClr val="A31257"/>
+            </a:solidFill>
+          </a:ln>
+        </p:spPr>
+        <p:style>
+          <a:lnRef idx="2">
+            <a:schemeClr val="accent1">
+              <a:shade val="50000"/>
+            </a:schemeClr>
+          </a:lnRef>
+          <a:fillRef idx="1">
+            <a:schemeClr val="accent1"/>
+          </a:fillRef>
+          <a:effectRef idx="0">
+            <a:schemeClr val="accent1"/>
+          </a:effectRef>
+          <a:fontRef idx="minor">
+            <a:schemeClr val="lt1"/>
+          </a:fontRef>
+        </p:style>
+        <p:txBody>
+          <a:bodyPr rtlCol="0" anchor="ctr"/>
+          <a:lstStyle/>
+          <a:p>
+            <a:pPr marL="742950" lvl="1" indent="-285750">
+              <a:buFontTx/>
+              <a:buChar char="-"/>
+            </a:pPr>
+            <a:r>
+              <a:rPr lang="fr-FR" dirty="0">
+                <a:solidFill>
+                  <a:schemeClr val="tx1"/>
+                </a:solidFill>
+              </a:rPr>
+              <a:t>Créer partie</a:t>
+            </a:r>
+          </a:p>
+          <a:p>
+            <a:pPr marL="742950" lvl="1" indent="-285750">
+              <a:buFontTx/>
+              <a:buChar char="-"/>
+            </a:pPr>
+            <a:r>
+              <a:rPr lang="fr-FR" dirty="0">
+                <a:solidFill>
+                  <a:schemeClr val="tx1"/>
+                </a:solidFill>
+              </a:rPr>
+              <a:t>Chronométrage</a:t>
+            </a:r>
+          </a:p>
+          <a:p>
+            <a:pPr marL="742950" lvl="1" indent="-285750">
+              <a:buFontTx/>
+              <a:buChar char="-"/>
+            </a:pPr>
+            <a:r>
+              <a:rPr lang="fr-FR" dirty="0">
+                <a:solidFill>
+                  <a:schemeClr val="tx1"/>
+                </a:solidFill>
+              </a:rPr>
+              <a:t>Visualiser la salle</a:t>
+            </a:r>
+          </a:p>
+          <a:p>
+            <a:pPr marL="742950" lvl="1" indent="-285750">
+              <a:buFontTx/>
+              <a:buChar char="-"/>
+            </a:pPr>
+            <a:r>
+              <a:rPr lang="fr-FR" dirty="0">
+                <a:solidFill>
+                  <a:schemeClr val="tx1"/>
+                </a:solidFill>
+              </a:rPr>
+              <a:t>Détecter la fin de partie</a:t>
+            </a:r>
+          </a:p>
+          <a:p>
+            <a:pPr marL="742950" lvl="1" indent="-285750">
+              <a:buFontTx/>
+              <a:buChar char="-"/>
+            </a:pPr>
+            <a:r>
+              <a:rPr lang="fr-FR" dirty="0">
+                <a:solidFill>
+                  <a:schemeClr val="tx1"/>
+                </a:solidFill>
+              </a:rPr>
+              <a:t>Envoie d’un indice à l’afficheur</a:t>
+            </a:r>
+          </a:p>
+          <a:p>
+            <a:pPr marL="742950" lvl="1" indent="-285750">
+              <a:buFontTx/>
+              <a:buChar char="-"/>
+            </a:pPr>
+            <a:r>
+              <a:rPr lang="fr-FR" dirty="0">
+                <a:solidFill>
+                  <a:schemeClr val="tx1"/>
+                </a:solidFill>
+              </a:rPr>
+              <a:t>Enregistrement des résultats</a:t>
+            </a:r>
+          </a:p>
+        </p:txBody>
+      </p:sp>
+      <p:pic>
+        <p:nvPicPr>
+          <p:cNvPr id="5" name="Graphique 4" descr="Ordinateur">
+            <a:extLst>
+              <a:ext uri="{FF2B5EF4-FFF2-40B4-BE49-F238E27FC236}">
+                <a16:creationId xmlns:a16="http://schemas.microsoft.com/office/drawing/2014/main" id="{D6CB67A3-A088-4406-89D6-E2D4E7D5A2E6}"/>
+              </a:ext>
+            </a:extLst>
+          </p:cNvPr>
+          <p:cNvPicPr>
+            <a:picLocks noChangeAspect="1"/>
+          </p:cNvPicPr>
+          <p:nvPr/>
+        </p:nvPicPr>
+        <p:blipFill>
+          <a:blip r:embed="rId3">
+            <a:extLst>
+              <a:ext uri="{96DAC541-7B7A-43D3-8B79-37D633B846F1}">
+                <asvg:svgBlip xmlns:asvg="http://schemas.microsoft.com/office/drawing/2016/SVG/main" r:embed="rId4"/>
+              </a:ext>
+            </a:extLst>
+          </a:blip>
+          <a:stretch>
+            <a:fillRect/>
+          </a:stretch>
+        </p:blipFill>
+        <p:spPr>
+          <a:xfrm>
+            <a:off x="456786" y="1290865"/>
+            <a:ext cx="1002318" cy="1002318"/>
+          </a:xfrm>
+          <a:prstGeom prst="rect">
+            <a:avLst/>
+          </a:prstGeom>
+        </p:spPr>
+      </p:pic>
+      <p:pic>
+        <p:nvPicPr>
+          <p:cNvPr id="7" name="Graphique 6" descr="Flux">
+            <a:extLst>
+              <a:ext uri="{FF2B5EF4-FFF2-40B4-BE49-F238E27FC236}">
+                <a16:creationId xmlns:a16="http://schemas.microsoft.com/office/drawing/2014/main" id="{EFD1057D-58CA-4743-9F7D-4E0298331CB3}"/>
+              </a:ext>
+            </a:extLst>
+          </p:cNvPr>
+          <p:cNvPicPr>
+            <a:picLocks noChangeAspect="1"/>
+          </p:cNvPicPr>
+          <p:nvPr/>
+        </p:nvPicPr>
+        <p:blipFill>
+          <a:blip r:embed="rId5">
+            <a:extLst>
+              <a:ext uri="{96DAC541-7B7A-43D3-8B79-37D633B846F1}">
+                <asvg:svgBlip xmlns:asvg="http://schemas.microsoft.com/office/drawing/2016/SVG/main" r:embed="rId6"/>
+              </a:ext>
+            </a:extLst>
+          </a:blip>
+          <a:stretch>
+            <a:fillRect/>
+          </a:stretch>
+        </p:blipFill>
+        <p:spPr>
+          <a:xfrm>
+            <a:off x="675241" y="3699035"/>
+            <a:ext cx="335083" cy="335083"/>
+          </a:xfrm>
+          <a:prstGeom prst="rect">
+            <a:avLst/>
+          </a:prstGeom>
+        </p:spPr>
+      </p:pic>
+      <p:pic>
+        <p:nvPicPr>
+          <p:cNvPr id="9" name="Graphique 8" descr="Présentation avec graphique à barres">
+            <a:extLst>
+              <a:ext uri="{FF2B5EF4-FFF2-40B4-BE49-F238E27FC236}">
+                <a16:creationId xmlns:a16="http://schemas.microsoft.com/office/drawing/2014/main" id="{D413B9F1-F871-4334-B654-6AA68CF3B65D}"/>
+              </a:ext>
+            </a:extLst>
+          </p:cNvPr>
+          <p:cNvPicPr>
+            <a:picLocks noChangeAspect="1"/>
+          </p:cNvPicPr>
+          <p:nvPr/>
+        </p:nvPicPr>
+        <p:blipFill>
+          <a:blip r:embed="rId7">
+            <a:extLst>
+              <a:ext uri="{96DAC541-7B7A-43D3-8B79-37D633B846F1}">
+                <asvg:svgBlip xmlns:asvg="http://schemas.microsoft.com/office/drawing/2016/SVG/main" r:embed="rId8"/>
+              </a:ext>
+            </a:extLst>
+          </a:blip>
+          <a:stretch>
+            <a:fillRect/>
+          </a:stretch>
+        </p:blipFill>
+        <p:spPr>
+          <a:xfrm>
+            <a:off x="702153" y="4148026"/>
+            <a:ext cx="282704" cy="282704"/>
+          </a:xfrm>
+          <a:prstGeom prst="rect">
+            <a:avLst/>
+          </a:prstGeom>
+        </p:spPr>
+      </p:pic>
+      <p:pic>
+        <p:nvPicPr>
+          <p:cNvPr id="11" name="Graphique 10" descr="Tête avec engrenages">
+            <a:extLst>
+              <a:ext uri="{FF2B5EF4-FFF2-40B4-BE49-F238E27FC236}">
+                <a16:creationId xmlns:a16="http://schemas.microsoft.com/office/drawing/2014/main" id="{C7CE5BE4-3D55-46A9-9B0D-E1202C0966E0}"/>
+              </a:ext>
+            </a:extLst>
+          </p:cNvPr>
+          <p:cNvPicPr>
+            <a:picLocks noChangeAspect="1"/>
+          </p:cNvPicPr>
+          <p:nvPr/>
+        </p:nvPicPr>
+        <p:blipFill>
+          <a:blip r:embed="rId9">
+            <a:extLst>
+              <a:ext uri="{96DAC541-7B7A-43D3-8B79-37D633B846F1}">
+                <asvg:svgBlip xmlns:asvg="http://schemas.microsoft.com/office/drawing/2016/SVG/main" r:embed="rId10"/>
+              </a:ext>
+            </a:extLst>
+          </a:blip>
+          <a:stretch>
+            <a:fillRect/>
+          </a:stretch>
+        </p:blipFill>
+        <p:spPr>
+          <a:xfrm>
+            <a:off x="766598" y="2537314"/>
+            <a:ext cx="218259" cy="218259"/>
+          </a:xfrm>
+          <a:prstGeom prst="rect">
+            <a:avLst/>
+          </a:prstGeom>
+        </p:spPr>
+      </p:pic>
+      <p:pic>
+        <p:nvPicPr>
+          <p:cNvPr id="13" name="Graphique 12" descr="Recherche">
+            <a:extLst>
+              <a:ext uri="{FF2B5EF4-FFF2-40B4-BE49-F238E27FC236}">
+                <a16:creationId xmlns:a16="http://schemas.microsoft.com/office/drawing/2014/main" id="{7B7607A7-2750-4761-9D8E-A8C86098B44A}"/>
+              </a:ext>
+            </a:extLst>
+          </p:cNvPr>
+          <p:cNvPicPr>
+            <a:picLocks noChangeAspect="1"/>
+          </p:cNvPicPr>
+          <p:nvPr/>
+        </p:nvPicPr>
+        <p:blipFill>
+          <a:blip r:embed="rId11">
+            <a:extLst>
+              <a:ext uri="{96DAC541-7B7A-43D3-8B79-37D633B846F1}">
+                <asvg:svgBlip xmlns:asvg="http://schemas.microsoft.com/office/drawing/2016/SVG/main" r:embed="rId12"/>
+              </a:ext>
+            </a:extLst>
+          </a:blip>
+          <a:stretch>
+            <a:fillRect/>
+          </a:stretch>
+        </p:blipFill>
+        <p:spPr>
+          <a:xfrm>
+            <a:off x="557508" y="1544881"/>
+            <a:ext cx="382694" cy="382694"/>
+          </a:xfrm>
+          <a:prstGeom prst="rect">
+            <a:avLst/>
+          </a:prstGeom>
+        </p:spPr>
+      </p:pic>
+      <p:pic>
+        <p:nvPicPr>
+          <p:cNvPr id="15" name="Graphique 14" descr="Livre de jeu">
+            <a:extLst>
+              <a:ext uri="{FF2B5EF4-FFF2-40B4-BE49-F238E27FC236}">
+                <a16:creationId xmlns:a16="http://schemas.microsoft.com/office/drawing/2014/main" id="{3C2CE57A-AD6C-44A3-9969-D224EB1934AE}"/>
+              </a:ext>
+            </a:extLst>
+          </p:cNvPr>
+          <p:cNvPicPr>
+            <a:picLocks noChangeAspect="1"/>
+          </p:cNvPicPr>
+          <p:nvPr/>
+        </p:nvPicPr>
+        <p:blipFill>
+          <a:blip r:embed="rId13">
+            <a:extLst>
+              <a:ext uri="{96DAC541-7B7A-43D3-8B79-37D633B846F1}">
+                <asvg:svgBlip xmlns:asvg="http://schemas.microsoft.com/office/drawing/2016/SVG/main" r:embed="rId14"/>
+              </a:ext>
+            </a:extLst>
+          </a:blip>
+          <a:stretch>
+            <a:fillRect/>
+          </a:stretch>
+        </p:blipFill>
+        <p:spPr>
+          <a:xfrm>
+            <a:off x="675241" y="3312753"/>
+            <a:ext cx="297336" cy="297336"/>
+          </a:xfrm>
+          <a:prstGeom prst="rect">
+            <a:avLst/>
+          </a:prstGeom>
+        </p:spPr>
+      </p:pic>
+      <p:pic>
+        <p:nvPicPr>
+          <p:cNvPr id="17" name="Graphique 16" descr="Sablier">
+            <a:extLst>
+              <a:ext uri="{FF2B5EF4-FFF2-40B4-BE49-F238E27FC236}">
+                <a16:creationId xmlns:a16="http://schemas.microsoft.com/office/drawing/2014/main" id="{6EE5B803-6AC3-455C-896F-46AF846F09E9}"/>
+              </a:ext>
+            </a:extLst>
+          </p:cNvPr>
+          <p:cNvPicPr>
+            <a:picLocks noChangeAspect="1"/>
+          </p:cNvPicPr>
+          <p:nvPr/>
+        </p:nvPicPr>
+        <p:blipFill>
+          <a:blip r:embed="rId15">
+            <a:extLst>
+              <a:ext uri="{96DAC541-7B7A-43D3-8B79-37D633B846F1}">
+                <asvg:svgBlip xmlns:asvg="http://schemas.microsoft.com/office/drawing/2016/SVG/main" r:embed="rId16"/>
+              </a:ext>
+            </a:extLst>
+          </a:blip>
+          <a:stretch>
+            <a:fillRect/>
+          </a:stretch>
+        </p:blipFill>
+        <p:spPr>
+          <a:xfrm>
+            <a:off x="739687" y="2791281"/>
+            <a:ext cx="218258" cy="218258"/>
+          </a:xfrm>
+          <a:prstGeom prst="rect">
+            <a:avLst/>
+          </a:prstGeom>
+        </p:spPr>
+      </p:pic>
+      <p:pic>
+        <p:nvPicPr>
+          <p:cNvPr id="19" name="Graphique 18" descr="Webcam">
+            <a:extLst>
+              <a:ext uri="{FF2B5EF4-FFF2-40B4-BE49-F238E27FC236}">
+                <a16:creationId xmlns:a16="http://schemas.microsoft.com/office/drawing/2014/main" id="{F750C885-9AEA-464E-80F8-3809F823A0AC}"/>
+              </a:ext>
+            </a:extLst>
+          </p:cNvPr>
+          <p:cNvPicPr>
+            <a:picLocks noChangeAspect="1"/>
+          </p:cNvPicPr>
+          <p:nvPr/>
+        </p:nvPicPr>
+        <p:blipFill>
+          <a:blip r:embed="rId17">
+            <a:extLst>
+              <a:ext uri="{96DAC541-7B7A-43D3-8B79-37D633B846F1}">
+                <asvg:svgBlip xmlns:asvg="http://schemas.microsoft.com/office/drawing/2016/SVG/main" r:embed="rId18"/>
+              </a:ext>
+            </a:extLst>
+          </a:blip>
+          <a:stretch>
+            <a:fillRect/>
+          </a:stretch>
+        </p:blipFill>
+        <p:spPr>
+          <a:xfrm>
+            <a:off x="700709" y="3009539"/>
+            <a:ext cx="284148" cy="284148"/>
+          </a:xfrm>
+          <a:prstGeom prst="rect">
+            <a:avLst/>
+          </a:prstGeom>
+        </p:spPr>
+      </p:pic>
+      <p:sp>
+        <p:nvSpPr>
+          <p:cNvPr id="20" name="ZoneTexte 19">
+            <a:extLst>
+              <a:ext uri="{FF2B5EF4-FFF2-40B4-BE49-F238E27FC236}">
+                <a16:creationId xmlns:a16="http://schemas.microsoft.com/office/drawing/2014/main" id="{56548998-31AB-44D1-93DC-D1FED13191C5}"/>
+              </a:ext>
+            </a:extLst>
+          </p:cNvPr>
+          <p:cNvSpPr txBox="1"/>
+          <p:nvPr/>
+        </p:nvSpPr>
+        <p:spPr>
+          <a:xfrm>
+            <a:off x="1415179" y="1558535"/>
+            <a:ext cx="3375221" cy="400110"/>
+          </a:xfrm>
+          <a:prstGeom prst="rect">
+            <a:avLst/>
+          </a:prstGeom>
+          <a:noFill/>
+        </p:spPr>
+        <p:txBody>
+          <a:bodyPr wrap="square" rtlCol="0">
+            <a:spAutoFit/>
+          </a:bodyPr>
+          <a:lstStyle/>
+          <a:p>
+            <a:r>
+              <a:rPr lang="fr-FR" sz="2000" dirty="0"/>
+              <a:t>Application de </a:t>
+            </a:r>
+            <a:r>
+              <a:rPr lang="fr-FR" sz="2000" dirty="0">
+                <a:solidFill>
+                  <a:srgbClr val="A31257"/>
+                </a:solidFill>
+              </a:rPr>
+              <a:t>supervision </a:t>
+            </a:r>
+            <a:r>
+              <a:rPr lang="fr-FR" sz="2000" dirty="0"/>
+              <a:t>:</a:t>
+            </a:r>
+          </a:p>
+        </p:txBody>
+      </p:sp>
+      <p:sp>
+        <p:nvSpPr>
+          <p:cNvPr id="22" name="Rectangle 21">
+            <a:extLst>
+              <a:ext uri="{FF2B5EF4-FFF2-40B4-BE49-F238E27FC236}">
+                <a16:creationId xmlns:a16="http://schemas.microsoft.com/office/drawing/2014/main" id="{491B8AB3-06D5-430F-8E87-1F57F5FBF777}"/>
+              </a:ext>
+            </a:extLst>
+          </p:cNvPr>
+          <p:cNvSpPr/>
+          <p:nvPr/>
+        </p:nvSpPr>
+        <p:spPr>
+          <a:xfrm>
+            <a:off x="5451271" y="2165229"/>
+            <a:ext cx="4067728" cy="2527541"/>
+          </a:xfrm>
+          <a:prstGeom prst="rect">
+            <a:avLst/>
+          </a:prstGeom>
+          <a:solidFill>
+            <a:schemeClr val="bg1"/>
+          </a:solidFill>
+          <a:ln>
+            <a:solidFill>
+              <a:srgbClr val="A31257"/>
+            </a:solidFill>
+          </a:ln>
+        </p:spPr>
+        <p:style>
+          <a:lnRef idx="2">
+            <a:schemeClr val="accent1">
+              <a:shade val="50000"/>
+            </a:schemeClr>
+          </a:lnRef>
+          <a:fillRef idx="1">
+            <a:schemeClr val="accent1"/>
+          </a:fillRef>
+          <a:effectRef idx="0">
+            <a:schemeClr val="accent1"/>
+          </a:effectRef>
+          <a:fontRef idx="minor">
+            <a:schemeClr val="lt1"/>
+          </a:fontRef>
+        </p:style>
+        <p:txBody>
+          <a:bodyPr rtlCol="0" anchor="ctr"/>
+          <a:lstStyle/>
+          <a:p>
+            <a:pPr marL="742950" lvl="1" indent="-285750">
+              <a:buFontTx/>
+              <a:buChar char="-"/>
+            </a:pPr>
+            <a:r>
+              <a:rPr lang="fr-FR" dirty="0">
+                <a:solidFill>
+                  <a:schemeClr val="tx1"/>
+                </a:solidFill>
+              </a:rPr>
+              <a:t>Indice prédéfini (liste)</a:t>
+            </a:r>
+          </a:p>
+          <a:p>
+            <a:pPr marL="742950" lvl="1" indent="-285750">
+              <a:buFontTx/>
+              <a:buChar char="-"/>
+            </a:pPr>
+            <a:r>
+              <a:rPr lang="fr-FR" dirty="0">
+                <a:solidFill>
+                  <a:schemeClr val="tx1"/>
+                </a:solidFill>
+              </a:rPr>
+              <a:t>Nouvel indice</a:t>
+            </a:r>
+          </a:p>
+          <a:p>
+            <a:pPr marL="742950" lvl="1" indent="-285750">
+              <a:buFontTx/>
+              <a:buChar char="-"/>
+            </a:pPr>
+            <a:r>
+              <a:rPr lang="fr-FR" dirty="0">
+                <a:solidFill>
+                  <a:schemeClr val="tx1"/>
+                </a:solidFill>
+              </a:rPr>
+              <a:t>Chronomètre</a:t>
+            </a:r>
+          </a:p>
+        </p:txBody>
+      </p:sp>
+      <p:cxnSp>
+        <p:nvCxnSpPr>
+          <p:cNvPr id="23" name="Connecteur droit avec flèche 22">
+            <a:extLst>
+              <a:ext uri="{FF2B5EF4-FFF2-40B4-BE49-F238E27FC236}">
+                <a16:creationId xmlns:a16="http://schemas.microsoft.com/office/drawing/2014/main" id="{2B62076A-081C-46DC-A624-C32810A497B9}"/>
+              </a:ext>
+            </a:extLst>
+          </p:cNvPr>
+          <p:cNvCxnSpPr>
+            <a:cxnSpLocks/>
+          </p:cNvCxnSpPr>
+          <p:nvPr/>
+        </p:nvCxnSpPr>
+        <p:spPr>
+          <a:xfrm flipV="1">
+            <a:off x="3657599" y="3461421"/>
+            <a:ext cx="1638000" cy="405156"/>
+          </a:xfrm>
+          <a:prstGeom prst="straightConnector1">
+            <a:avLst/>
+          </a:prstGeom>
+          <a:ln w="53975">
+            <a:solidFill>
+              <a:schemeClr val="tx1"/>
+            </a:solidFill>
+            <a:prstDash val="sysDot"/>
+            <a:headEnd type="stealth"/>
+            <a:tailEnd type="stealth"/>
+          </a:ln>
+        </p:spPr>
+        <p:style>
+          <a:lnRef idx="1">
+            <a:schemeClr val="accent1"/>
+          </a:lnRef>
+          <a:fillRef idx="0">
+            <a:schemeClr val="accent1"/>
+          </a:fillRef>
+          <a:effectRef idx="0">
+            <a:schemeClr val="accent1"/>
+          </a:effectRef>
+          <a:fontRef idx="minor">
+            <a:schemeClr val="tx1"/>
+          </a:fontRef>
+        </p:style>
+      </p:cxnSp>
+      <p:sp>
+        <p:nvSpPr>
+          <p:cNvPr id="28" name="ZoneTexte 27">
+            <a:extLst>
+              <a:ext uri="{FF2B5EF4-FFF2-40B4-BE49-F238E27FC236}">
+                <a16:creationId xmlns:a16="http://schemas.microsoft.com/office/drawing/2014/main" id="{70545D24-80E0-45FC-818C-458FBB81E384}"/>
+              </a:ext>
+            </a:extLst>
+          </p:cNvPr>
+          <p:cNvSpPr txBox="1"/>
+          <p:nvPr/>
+        </p:nvSpPr>
+        <p:spPr>
+          <a:xfrm>
+            <a:off x="7550294" y="1634738"/>
+            <a:ext cx="3375221" cy="400110"/>
+          </a:xfrm>
+          <a:prstGeom prst="rect">
+            <a:avLst/>
+          </a:prstGeom>
+          <a:noFill/>
+        </p:spPr>
+        <p:txBody>
+          <a:bodyPr wrap="square" rtlCol="0">
+            <a:spAutoFit/>
+          </a:bodyPr>
+          <a:lstStyle/>
+          <a:p>
+            <a:r>
+              <a:rPr lang="fr-FR" sz="2000" dirty="0">
+                <a:solidFill>
+                  <a:srgbClr val="A31257"/>
+                </a:solidFill>
+              </a:rPr>
+              <a:t>Afficheur</a:t>
+            </a:r>
+            <a:r>
+              <a:rPr lang="fr-FR" sz="2000" dirty="0"/>
+              <a:t> LCD</a:t>
+            </a:r>
+            <a:r>
+              <a:rPr lang="fr-FR" sz="2000" dirty="0">
+                <a:solidFill>
+                  <a:srgbClr val="A31257"/>
+                </a:solidFill>
+              </a:rPr>
+              <a:t> </a:t>
+            </a:r>
+            <a:r>
+              <a:rPr lang="fr-FR" sz="2000" dirty="0"/>
+              <a:t>:</a:t>
+            </a:r>
+          </a:p>
+        </p:txBody>
+      </p:sp>
+      <p:pic>
+        <p:nvPicPr>
+          <p:cNvPr id="27" name="Picture 2" descr="Résultat de recherche d'images pour &quot;afficheur mc crypt&quot;">
+            <a:extLst>
+              <a:ext uri="{FF2B5EF4-FFF2-40B4-BE49-F238E27FC236}">
+                <a16:creationId xmlns:a16="http://schemas.microsoft.com/office/drawing/2014/main" id="{19B62C81-611E-44A2-80C9-592AE12A7464}"/>
+              </a:ext>
+            </a:extLst>
+          </p:cNvPr>
+          <p:cNvPicPr>
+            <a:picLocks noChangeAspect="1" noChangeArrowheads="1"/>
+          </p:cNvPicPr>
+          <p:nvPr/>
+        </p:nvPicPr>
+        <p:blipFill>
+          <a:blip r:embed="rId19">
+            <a:extLst>
+              <a:ext uri="{28A0092B-C50C-407E-A947-70E740481C1C}">
+                <a14:useLocalDpi xmlns:a14="http://schemas.microsoft.com/office/drawing/2010/main" val="0"/>
+              </a:ext>
+            </a:extLst>
+          </a:blip>
+          <a:srcRect/>
+          <a:stretch>
+            <a:fillRect/>
+          </a:stretch>
+        </p:blipFill>
+        <p:spPr bwMode="auto">
+          <a:xfrm>
+            <a:off x="5451271" y="1690946"/>
+            <a:ext cx="2040982" cy="343902"/>
+          </a:xfrm>
+          <a:prstGeom prst="rect">
+            <a:avLst/>
+          </a:prstGeom>
+          <a:noFill/>
+          <a:extLst>
+            <a:ext uri="{909E8E84-426E-40DD-AFC4-6F175D3DCCD1}">
+              <a14:hiddenFill xmlns:a14="http://schemas.microsoft.com/office/drawing/2010/main">
+                <a:solidFill>
+                  <a:srgbClr val="FFFFFF"/>
+                </a:solidFill>
+              </a14:hiddenFill>
+            </a:ext>
+          </a:extLst>
+        </p:spPr>
+      </p:pic>
+      <p:sp>
+        <p:nvSpPr>
+          <p:cNvPr id="31" name="Rectangle 30">
+            <a:extLst>
+              <a:ext uri="{FF2B5EF4-FFF2-40B4-BE49-F238E27FC236}">
+                <a16:creationId xmlns:a16="http://schemas.microsoft.com/office/drawing/2014/main" id="{E4380386-8452-47DA-B054-03BBD25AA17C}"/>
+              </a:ext>
+            </a:extLst>
+          </p:cNvPr>
+          <p:cNvSpPr/>
+          <p:nvPr/>
+        </p:nvSpPr>
+        <p:spPr>
+          <a:xfrm>
+            <a:off x="5509312" y="1755260"/>
+            <a:ext cx="1914525" cy="203386"/>
+          </a:xfrm>
+          <a:prstGeom prst="rect">
+            <a:avLst/>
+          </a:prstGeom>
+          <a:solidFill>
+            <a:schemeClr val="tx1"/>
+          </a:solidFill>
+          <a:ln>
+            <a:noFill/>
+          </a:ln>
+        </p:spPr>
+        <p:style>
+          <a:lnRef idx="2">
+            <a:schemeClr val="accent1">
+              <a:shade val="50000"/>
+            </a:schemeClr>
+          </a:lnRef>
+          <a:fillRef idx="1">
+            <a:schemeClr val="accent1"/>
+          </a:fillRef>
+          <a:effectRef idx="0">
+            <a:schemeClr val="accent1"/>
+          </a:effectRef>
+          <a:fontRef idx="minor">
+            <a:schemeClr val="lt1"/>
+          </a:fontRef>
+        </p:style>
+        <p:txBody>
+          <a:bodyPr rtlCol="0" anchor="ctr"/>
+          <a:lstStyle/>
+          <a:p>
+            <a:pPr algn="ctr"/>
+            <a:r>
+              <a:rPr lang="fr-FR" sz="1400" dirty="0">
+                <a:latin typeface="Segoe UI Light" panose="020B0502040204020203" pitchFamily="34" charset="0"/>
+                <a:cs typeface="Segoe UI Light" panose="020B0502040204020203" pitchFamily="34" charset="0"/>
+              </a:rPr>
+              <a:t>INDICE</a:t>
+            </a:r>
+          </a:p>
+        </p:txBody>
+      </p:sp>
+      <p:sp>
+        <p:nvSpPr>
+          <p:cNvPr id="33" name="Rectangle 32">
+            <a:extLst>
+              <a:ext uri="{FF2B5EF4-FFF2-40B4-BE49-F238E27FC236}">
+                <a16:creationId xmlns:a16="http://schemas.microsoft.com/office/drawing/2014/main" id="{1ED2D3FA-227E-4589-B7A9-5F8538AB4AB5}"/>
+              </a:ext>
+            </a:extLst>
+          </p:cNvPr>
+          <p:cNvSpPr/>
+          <p:nvPr/>
+        </p:nvSpPr>
+        <p:spPr>
+          <a:xfrm>
+            <a:off x="2904417" y="5486446"/>
+            <a:ext cx="4067728" cy="1163573"/>
+          </a:xfrm>
+          <a:prstGeom prst="rect">
+            <a:avLst/>
+          </a:prstGeom>
+          <a:solidFill>
+            <a:schemeClr val="bg1"/>
+          </a:solidFill>
+          <a:ln>
+            <a:solidFill>
+              <a:srgbClr val="A31257"/>
+            </a:solidFill>
+          </a:ln>
+        </p:spPr>
+        <p:style>
+          <a:lnRef idx="2">
+            <a:schemeClr val="accent1">
+              <a:shade val="50000"/>
+            </a:schemeClr>
+          </a:lnRef>
+          <a:fillRef idx="1">
+            <a:schemeClr val="accent1"/>
+          </a:fillRef>
+          <a:effectRef idx="0">
+            <a:schemeClr val="accent1"/>
+          </a:effectRef>
+          <a:fontRef idx="minor">
+            <a:schemeClr val="lt1"/>
+          </a:fontRef>
+        </p:style>
+        <p:txBody>
+          <a:bodyPr rtlCol="0" anchor="ctr"/>
+          <a:lstStyle/>
+          <a:p>
+            <a:pPr marL="742950" lvl="1" indent="-285750">
+              <a:buFontTx/>
+              <a:buChar char="-"/>
+            </a:pPr>
+            <a:r>
+              <a:rPr lang="fr-FR" dirty="0">
+                <a:solidFill>
+                  <a:schemeClr val="tx1"/>
+                </a:solidFill>
+              </a:rPr>
+              <a:t>Paramétrage du routeur</a:t>
+            </a:r>
+          </a:p>
+          <a:p>
+            <a:pPr marL="742950" lvl="1" indent="-285750">
+              <a:buFontTx/>
+              <a:buChar char="-"/>
+            </a:pPr>
+            <a:r>
+              <a:rPr lang="fr-FR" dirty="0">
+                <a:solidFill>
+                  <a:schemeClr val="tx1"/>
+                </a:solidFill>
+              </a:rPr>
+              <a:t>Adressage des matériels</a:t>
+            </a:r>
+          </a:p>
+          <a:p>
+            <a:pPr marL="742950" lvl="1" indent="-285750">
+              <a:buFontTx/>
+              <a:buChar char="-"/>
+            </a:pPr>
+            <a:r>
+              <a:rPr lang="fr-FR" dirty="0">
+                <a:solidFill>
+                  <a:schemeClr val="tx1"/>
+                </a:solidFill>
+              </a:rPr>
+              <a:t>Intercommunication locale</a:t>
+            </a:r>
+          </a:p>
+        </p:txBody>
+      </p:sp>
+      <p:sp>
+        <p:nvSpPr>
+          <p:cNvPr id="34" name="ZoneTexte 33">
+            <a:extLst>
+              <a:ext uri="{FF2B5EF4-FFF2-40B4-BE49-F238E27FC236}">
+                <a16:creationId xmlns:a16="http://schemas.microsoft.com/office/drawing/2014/main" id="{D120DD93-CB76-4FC4-9B33-2406A22D46F7}"/>
+              </a:ext>
+            </a:extLst>
+          </p:cNvPr>
+          <p:cNvSpPr txBox="1"/>
+          <p:nvPr/>
+        </p:nvSpPr>
+        <p:spPr>
+          <a:xfrm>
+            <a:off x="3443384" y="4971716"/>
+            <a:ext cx="3375221" cy="400110"/>
+          </a:xfrm>
+          <a:prstGeom prst="rect">
+            <a:avLst/>
+          </a:prstGeom>
+          <a:noFill/>
+        </p:spPr>
+        <p:txBody>
+          <a:bodyPr wrap="square" rtlCol="0">
+            <a:spAutoFit/>
+          </a:bodyPr>
+          <a:lstStyle/>
+          <a:p>
+            <a:r>
+              <a:rPr lang="fr-FR" sz="2000" dirty="0"/>
+              <a:t>Configuration </a:t>
+            </a:r>
+            <a:r>
+              <a:rPr lang="fr-FR" sz="2000" dirty="0">
+                <a:solidFill>
+                  <a:srgbClr val="A31257"/>
+                </a:solidFill>
+              </a:rPr>
+              <a:t>réseau</a:t>
+            </a:r>
+            <a:r>
+              <a:rPr lang="fr-FR" sz="2000" dirty="0"/>
+              <a:t> :</a:t>
+            </a:r>
+          </a:p>
+        </p:txBody>
+      </p:sp>
+      <p:pic>
+        <p:nvPicPr>
+          <p:cNvPr id="35" name="Graphique 34" descr="Réseau de tâches">
+            <a:extLst>
+              <a:ext uri="{FF2B5EF4-FFF2-40B4-BE49-F238E27FC236}">
+                <a16:creationId xmlns:a16="http://schemas.microsoft.com/office/drawing/2014/main" id="{255A3998-9CDF-4E66-9DF4-55D09A6DFB52}"/>
+              </a:ext>
+            </a:extLst>
+          </p:cNvPr>
+          <p:cNvPicPr>
+            <a:picLocks noChangeAspect="1"/>
+          </p:cNvPicPr>
+          <p:nvPr/>
+        </p:nvPicPr>
+        <p:blipFill>
+          <a:blip r:embed="rId20">
+            <a:extLst>
+              <a:ext uri="{96DAC541-7B7A-43D3-8B79-37D633B846F1}">
+                <asvg:svgBlip xmlns:asvg="http://schemas.microsoft.com/office/drawing/2016/SVG/main" r:embed="rId21"/>
+              </a:ext>
+            </a:extLst>
+          </a:blip>
+          <a:stretch>
+            <a:fillRect/>
+          </a:stretch>
+        </p:blipFill>
+        <p:spPr>
+          <a:xfrm>
+            <a:off x="2904417" y="4884005"/>
+            <a:ext cx="575532" cy="575532"/>
+          </a:xfrm>
+          <a:prstGeom prst="rect">
+            <a:avLst/>
+          </a:prstGeom>
+        </p:spPr>
+      </p:pic>
+      <p:sp>
+        <p:nvSpPr>
+          <p:cNvPr id="39" name="ZoneTexte 38">
+            <a:extLst>
+              <a:ext uri="{FF2B5EF4-FFF2-40B4-BE49-F238E27FC236}">
+                <a16:creationId xmlns:a16="http://schemas.microsoft.com/office/drawing/2014/main" id="{147022B0-33C4-46F1-800E-AD1C4A88B978}"/>
+              </a:ext>
+            </a:extLst>
+          </p:cNvPr>
+          <p:cNvSpPr txBox="1"/>
+          <p:nvPr/>
+        </p:nvSpPr>
+        <p:spPr>
+          <a:xfrm>
+            <a:off x="1" y="6378766"/>
+            <a:ext cx="429658" cy="461665"/>
+          </a:xfrm>
+          <a:prstGeom prst="rect">
+            <a:avLst/>
+          </a:prstGeom>
+          <a:noFill/>
+        </p:spPr>
+        <p:txBody>
+          <a:bodyPr wrap="square" rtlCol="0">
+            <a:spAutoFit/>
+          </a:bodyPr>
+          <a:lstStyle/>
+          <a:p>
+            <a:r>
+              <a:rPr lang="fr-FR" sz="2400" dirty="0"/>
+              <a:t>4</a:t>
+            </a:r>
+          </a:p>
+        </p:txBody>
+      </p:sp>
+      <p:sp>
+        <p:nvSpPr>
+          <p:cNvPr id="24" name="Rectangle 23">
+            <a:extLst>
+              <a:ext uri="{FF2B5EF4-FFF2-40B4-BE49-F238E27FC236}">
+                <a16:creationId xmlns:a16="http://schemas.microsoft.com/office/drawing/2014/main" id="{746F5BB4-5F5D-4417-9036-1665475743F5}"/>
+              </a:ext>
+            </a:extLst>
+          </p:cNvPr>
+          <p:cNvSpPr/>
+          <p:nvPr/>
+        </p:nvSpPr>
+        <p:spPr>
+          <a:xfrm>
+            <a:off x="11695175" y="671470"/>
+            <a:ext cx="64009" cy="5559136"/>
+          </a:xfrm>
+          <a:prstGeom prst="rect">
+            <a:avLst/>
+          </a:prstGeom>
+          <a:solidFill>
+            <a:schemeClr val="bg1"/>
+          </a:solidFill>
+          <a:ln>
+            <a:noFill/>
+          </a:ln>
+        </p:spPr>
+        <p:style>
+          <a:lnRef idx="2">
+            <a:schemeClr val="accent1">
+              <a:shade val="50000"/>
+            </a:schemeClr>
+          </a:lnRef>
+          <a:fillRef idx="1">
+            <a:schemeClr val="accent1"/>
+          </a:fillRef>
+          <a:effectRef idx="0">
+            <a:schemeClr val="accent1"/>
+          </a:effectRef>
+          <a:fontRef idx="minor">
+            <a:schemeClr val="lt1"/>
+          </a:fontRef>
+        </p:style>
+        <p:txBody>
+          <a:bodyPr rtlCol="0" anchor="ctr"/>
+          <a:lstStyle/>
+          <a:p>
+            <a:pPr algn="ctr"/>
+            <a:endParaRPr lang="fr-FR"/>
+          </a:p>
+        </p:txBody>
+      </p:sp>
+      <p:sp>
+        <p:nvSpPr>
+          <p:cNvPr id="25" name="Ellipse 24">
+            <a:extLst>
+              <a:ext uri="{FF2B5EF4-FFF2-40B4-BE49-F238E27FC236}">
+                <a16:creationId xmlns:a16="http://schemas.microsoft.com/office/drawing/2014/main" id="{2E4DA458-77E0-4A53-BA39-18B5246B8705}"/>
+              </a:ext>
+            </a:extLst>
+          </p:cNvPr>
+          <p:cNvSpPr/>
+          <p:nvPr/>
+        </p:nvSpPr>
+        <p:spPr>
+          <a:xfrm>
+            <a:off x="11530584" y="570246"/>
+            <a:ext cx="400813" cy="366747"/>
+          </a:xfrm>
+          <a:prstGeom prst="ellipse">
+            <a:avLst/>
+          </a:prstGeom>
+          <a:solidFill>
+            <a:srgbClr val="009900"/>
+          </a:solidFill>
+          <a:ln>
+            <a:noFill/>
+          </a:ln>
+        </p:spPr>
+        <p:style>
+          <a:lnRef idx="2">
+            <a:schemeClr val="accent1">
+              <a:shade val="50000"/>
+            </a:schemeClr>
+          </a:lnRef>
+          <a:fillRef idx="1">
+            <a:schemeClr val="accent1"/>
+          </a:fillRef>
+          <a:effectRef idx="0">
+            <a:schemeClr val="accent1"/>
+          </a:effectRef>
+          <a:fontRef idx="minor">
+            <a:schemeClr val="lt1"/>
+          </a:fontRef>
+        </p:style>
+        <p:txBody>
+          <a:bodyPr rtlCol="0" anchor="ctr"/>
+          <a:lstStyle/>
+          <a:p>
+            <a:pPr algn="ctr"/>
+            <a:endParaRPr lang="fr-FR"/>
+          </a:p>
+        </p:txBody>
+      </p:sp>
+      <p:sp>
+        <p:nvSpPr>
+          <p:cNvPr id="26" name="Ellipse 25">
+            <a:extLst>
+              <a:ext uri="{FF2B5EF4-FFF2-40B4-BE49-F238E27FC236}">
+                <a16:creationId xmlns:a16="http://schemas.microsoft.com/office/drawing/2014/main" id="{F659C977-9CBD-454E-9C54-4B32249D52DD}"/>
+              </a:ext>
+            </a:extLst>
+          </p:cNvPr>
+          <p:cNvSpPr/>
+          <p:nvPr/>
+        </p:nvSpPr>
+        <p:spPr>
+          <a:xfrm>
+            <a:off x="11530583" y="2798334"/>
+            <a:ext cx="400813" cy="366747"/>
+          </a:xfrm>
+          <a:prstGeom prst="ellipse">
+            <a:avLst/>
+          </a:prstGeom>
+          <a:solidFill>
+            <a:srgbClr val="009900"/>
+          </a:solidFill>
+          <a:ln>
+            <a:noFill/>
+          </a:ln>
+        </p:spPr>
+        <p:style>
+          <a:lnRef idx="2">
+            <a:schemeClr val="accent1">
+              <a:shade val="50000"/>
+            </a:schemeClr>
+          </a:lnRef>
+          <a:fillRef idx="1">
+            <a:schemeClr val="accent1"/>
+          </a:fillRef>
+          <a:effectRef idx="0">
+            <a:schemeClr val="accent1"/>
+          </a:effectRef>
+          <a:fontRef idx="minor">
+            <a:schemeClr val="lt1"/>
+          </a:fontRef>
+        </p:style>
+        <p:txBody>
+          <a:bodyPr rtlCol="0" anchor="ctr"/>
+          <a:lstStyle/>
+          <a:p>
+            <a:pPr algn="ctr"/>
+            <a:endParaRPr lang="fr-FR"/>
+          </a:p>
+        </p:txBody>
+      </p:sp>
+      <p:sp>
+        <p:nvSpPr>
+          <p:cNvPr id="29" name="Ellipse 28">
+            <a:extLst>
+              <a:ext uri="{FF2B5EF4-FFF2-40B4-BE49-F238E27FC236}">
+                <a16:creationId xmlns:a16="http://schemas.microsoft.com/office/drawing/2014/main" id="{82E2464E-63CA-4FCC-ABDC-72202FA66479}"/>
+              </a:ext>
+            </a:extLst>
+          </p:cNvPr>
+          <p:cNvSpPr/>
+          <p:nvPr/>
+        </p:nvSpPr>
+        <p:spPr>
+          <a:xfrm>
+            <a:off x="11530582" y="4331478"/>
+            <a:ext cx="400813" cy="366747"/>
+          </a:xfrm>
+          <a:prstGeom prst="ellipse">
+            <a:avLst/>
+          </a:prstGeom>
+          <a:solidFill>
+            <a:srgbClr val="009900"/>
+          </a:solidFill>
+          <a:ln>
+            <a:noFill/>
+          </a:ln>
+        </p:spPr>
+        <p:style>
+          <a:lnRef idx="2">
+            <a:schemeClr val="accent1">
+              <a:shade val="50000"/>
+            </a:schemeClr>
+          </a:lnRef>
+          <a:fillRef idx="1">
+            <a:schemeClr val="accent1"/>
+          </a:fillRef>
+          <a:effectRef idx="0">
+            <a:schemeClr val="accent1"/>
+          </a:effectRef>
+          <a:fontRef idx="minor">
+            <a:schemeClr val="lt1"/>
+          </a:fontRef>
+        </p:style>
+        <p:txBody>
+          <a:bodyPr rtlCol="0" anchor="ctr"/>
+          <a:lstStyle/>
+          <a:p>
+            <a:pPr algn="ctr"/>
+            <a:endParaRPr lang="fr-FR"/>
+          </a:p>
+        </p:txBody>
+      </p:sp>
+      <p:sp>
+        <p:nvSpPr>
+          <p:cNvPr id="30" name="Ellipse 29">
+            <a:extLst>
+              <a:ext uri="{FF2B5EF4-FFF2-40B4-BE49-F238E27FC236}">
+                <a16:creationId xmlns:a16="http://schemas.microsoft.com/office/drawing/2014/main" id="{B6899BAE-3766-4346-BCAD-51B078769B5A}"/>
+              </a:ext>
+            </a:extLst>
+          </p:cNvPr>
+          <p:cNvSpPr/>
+          <p:nvPr/>
+        </p:nvSpPr>
+        <p:spPr>
+          <a:xfrm>
+            <a:off x="11530581" y="5863858"/>
+            <a:ext cx="400813" cy="366747"/>
+          </a:xfrm>
+          <a:prstGeom prst="ellipse">
+            <a:avLst/>
+          </a:prstGeom>
+          <a:solidFill>
+            <a:schemeClr val="bg1"/>
+          </a:solidFill>
+          <a:ln>
+            <a:noFill/>
+          </a:ln>
+        </p:spPr>
+        <p:style>
+          <a:lnRef idx="2">
+            <a:schemeClr val="accent1">
+              <a:shade val="50000"/>
+            </a:schemeClr>
+          </a:lnRef>
+          <a:fillRef idx="1">
+            <a:schemeClr val="accent1"/>
+          </a:fillRef>
+          <a:effectRef idx="0">
+            <a:schemeClr val="accent1"/>
+          </a:effectRef>
+          <a:fontRef idx="minor">
+            <a:schemeClr val="lt1"/>
+          </a:fontRef>
+        </p:style>
+        <p:txBody>
+          <a:bodyPr rtlCol="0" anchor="ctr"/>
+          <a:lstStyle/>
+          <a:p>
+            <a:pPr algn="ctr"/>
+            <a:endParaRPr lang="fr-FR"/>
+          </a:p>
+        </p:txBody>
+      </p:sp>
+      <p:sp>
+        <p:nvSpPr>
+          <p:cNvPr id="32" name="Organigramme : Terminateur 31">
+            <a:extLst>
+              <a:ext uri="{FF2B5EF4-FFF2-40B4-BE49-F238E27FC236}">
+                <a16:creationId xmlns:a16="http://schemas.microsoft.com/office/drawing/2014/main" id="{1809B158-1862-4A8A-B6A2-D087242AE68A}"/>
+              </a:ext>
+            </a:extLst>
+          </p:cNvPr>
+          <p:cNvSpPr/>
+          <p:nvPr/>
+        </p:nvSpPr>
+        <p:spPr>
+          <a:xfrm>
+            <a:off x="11562541" y="1448372"/>
+            <a:ext cx="188499" cy="71437"/>
+          </a:xfrm>
+          <a:prstGeom prst="flowChartTerminator">
+            <a:avLst/>
+          </a:prstGeom>
+          <a:solidFill>
+            <a:srgbClr val="009900"/>
+          </a:solidFill>
+          <a:ln>
+            <a:noFill/>
+          </a:ln>
+        </p:spPr>
+        <p:style>
+          <a:lnRef idx="2">
+            <a:schemeClr val="accent1">
+              <a:shade val="50000"/>
+            </a:schemeClr>
+          </a:lnRef>
+          <a:fillRef idx="1">
+            <a:schemeClr val="accent1"/>
+          </a:fillRef>
+          <a:effectRef idx="0">
+            <a:schemeClr val="accent1"/>
+          </a:effectRef>
+          <a:fontRef idx="minor">
+            <a:schemeClr val="lt1"/>
+          </a:fontRef>
+        </p:style>
+        <p:txBody>
+          <a:bodyPr rtlCol="0" anchor="ctr"/>
+          <a:lstStyle/>
+          <a:p>
+            <a:pPr algn="ctr"/>
+            <a:endParaRPr lang="fr-FR"/>
+          </a:p>
+        </p:txBody>
+      </p:sp>
+      <p:sp>
+        <p:nvSpPr>
+          <p:cNvPr id="36" name="Organigramme : Terminateur 35">
+            <a:extLst>
+              <a:ext uri="{FF2B5EF4-FFF2-40B4-BE49-F238E27FC236}">
+                <a16:creationId xmlns:a16="http://schemas.microsoft.com/office/drawing/2014/main" id="{A0C5089B-54CA-4835-93DA-4021C131628C}"/>
+              </a:ext>
+            </a:extLst>
+          </p:cNvPr>
+          <p:cNvSpPr/>
+          <p:nvPr/>
+        </p:nvSpPr>
+        <p:spPr>
+          <a:xfrm>
+            <a:off x="11570685" y="2179226"/>
+            <a:ext cx="188499" cy="71437"/>
+          </a:xfrm>
+          <a:prstGeom prst="flowChartTerminator">
+            <a:avLst/>
+          </a:prstGeom>
+          <a:solidFill>
+            <a:srgbClr val="009900"/>
+          </a:solidFill>
+          <a:ln>
+            <a:noFill/>
+          </a:ln>
+        </p:spPr>
+        <p:style>
+          <a:lnRef idx="2">
+            <a:schemeClr val="accent1">
+              <a:shade val="50000"/>
+            </a:schemeClr>
+          </a:lnRef>
+          <a:fillRef idx="1">
+            <a:schemeClr val="accent1"/>
+          </a:fillRef>
+          <a:effectRef idx="0">
+            <a:schemeClr val="accent1"/>
+          </a:effectRef>
+          <a:fontRef idx="minor">
+            <a:schemeClr val="lt1"/>
+          </a:fontRef>
+        </p:style>
+        <p:txBody>
+          <a:bodyPr rtlCol="0" anchor="ctr"/>
+          <a:lstStyle/>
+          <a:p>
+            <a:pPr algn="ctr"/>
+            <a:endParaRPr lang="fr-FR" dirty="0"/>
+          </a:p>
+        </p:txBody>
+      </p:sp>
+      <p:sp>
+        <p:nvSpPr>
+          <p:cNvPr id="37" name="ZoneTexte 36">
+            <a:extLst>
+              <a:ext uri="{FF2B5EF4-FFF2-40B4-BE49-F238E27FC236}">
+                <a16:creationId xmlns:a16="http://schemas.microsoft.com/office/drawing/2014/main" id="{981B1548-2C04-40C2-A5D9-B10743FE88C5}"/>
+              </a:ext>
+            </a:extLst>
+          </p:cNvPr>
+          <p:cNvSpPr txBox="1"/>
+          <p:nvPr/>
+        </p:nvSpPr>
+        <p:spPr>
+          <a:xfrm>
+            <a:off x="10197081" y="537591"/>
+            <a:ext cx="1333500" cy="430887"/>
+          </a:xfrm>
+          <a:prstGeom prst="rect">
+            <a:avLst/>
+          </a:prstGeom>
+          <a:noFill/>
+        </p:spPr>
+        <p:txBody>
+          <a:bodyPr wrap="square" rtlCol="0">
+            <a:spAutoFit/>
+          </a:bodyPr>
+          <a:lstStyle/>
+          <a:p>
+            <a:pPr algn="r"/>
+            <a:r>
+              <a:rPr lang="fr-FR" sz="1100" i="1" dirty="0"/>
+              <a:t>Présentation du projet</a:t>
+            </a:r>
+          </a:p>
+        </p:txBody>
+      </p:sp>
+      <p:sp>
+        <p:nvSpPr>
+          <p:cNvPr id="38" name="ZoneTexte 37">
+            <a:extLst>
+              <a:ext uri="{FF2B5EF4-FFF2-40B4-BE49-F238E27FC236}">
+                <a16:creationId xmlns:a16="http://schemas.microsoft.com/office/drawing/2014/main" id="{E2B1AE30-44D9-4720-9BAB-2BA5423F0CA0}"/>
+              </a:ext>
+            </a:extLst>
+          </p:cNvPr>
+          <p:cNvSpPr txBox="1"/>
+          <p:nvPr/>
+        </p:nvSpPr>
+        <p:spPr>
+          <a:xfrm>
+            <a:off x="10295358" y="1353285"/>
+            <a:ext cx="1333500" cy="261610"/>
+          </a:xfrm>
+          <a:prstGeom prst="rect">
+            <a:avLst/>
+          </a:prstGeom>
+          <a:noFill/>
+        </p:spPr>
+        <p:txBody>
+          <a:bodyPr wrap="square" rtlCol="0">
+            <a:spAutoFit/>
+          </a:bodyPr>
+          <a:lstStyle/>
+          <a:p>
+            <a:pPr algn="r"/>
+            <a:r>
+              <a:rPr lang="fr-FR" sz="1100" i="1" dirty="0"/>
+              <a:t>Schéma global</a:t>
+            </a:r>
+          </a:p>
+        </p:txBody>
+      </p:sp>
+      <p:sp>
+        <p:nvSpPr>
+          <p:cNvPr id="40" name="ZoneTexte 39">
+            <a:extLst>
+              <a:ext uri="{FF2B5EF4-FFF2-40B4-BE49-F238E27FC236}">
+                <a16:creationId xmlns:a16="http://schemas.microsoft.com/office/drawing/2014/main" id="{ECD7250A-5A56-4691-A707-31207EE6032B}"/>
+              </a:ext>
+            </a:extLst>
+          </p:cNvPr>
+          <p:cNvSpPr txBox="1"/>
+          <p:nvPr/>
+        </p:nvSpPr>
+        <p:spPr>
+          <a:xfrm>
+            <a:off x="10295358" y="2019390"/>
+            <a:ext cx="1333500" cy="430887"/>
+          </a:xfrm>
+          <a:prstGeom prst="rect">
+            <a:avLst/>
+          </a:prstGeom>
+          <a:noFill/>
+        </p:spPr>
+        <p:txBody>
+          <a:bodyPr wrap="square" rtlCol="0">
+            <a:spAutoFit/>
+          </a:bodyPr>
+          <a:lstStyle/>
+          <a:p>
+            <a:pPr algn="r"/>
+            <a:r>
+              <a:rPr lang="fr-FR" sz="1100" i="1" dirty="0"/>
+              <a:t>Schéma personnalisé</a:t>
+            </a:r>
+          </a:p>
+        </p:txBody>
+      </p:sp>
+      <p:sp>
+        <p:nvSpPr>
+          <p:cNvPr id="41" name="ZoneTexte 40">
+            <a:extLst>
+              <a:ext uri="{FF2B5EF4-FFF2-40B4-BE49-F238E27FC236}">
+                <a16:creationId xmlns:a16="http://schemas.microsoft.com/office/drawing/2014/main" id="{F613283A-2558-4C1F-8D50-F934A2996806}"/>
+              </a:ext>
+            </a:extLst>
+          </p:cNvPr>
+          <p:cNvSpPr txBox="1"/>
+          <p:nvPr/>
+        </p:nvSpPr>
+        <p:spPr>
+          <a:xfrm>
+            <a:off x="10237185" y="2754095"/>
+            <a:ext cx="1333500" cy="430887"/>
+          </a:xfrm>
+          <a:prstGeom prst="rect">
+            <a:avLst/>
+          </a:prstGeom>
+          <a:noFill/>
+        </p:spPr>
+        <p:txBody>
+          <a:bodyPr wrap="square" rtlCol="0">
+            <a:spAutoFit/>
+          </a:bodyPr>
+          <a:lstStyle/>
+          <a:p>
+            <a:pPr algn="r"/>
+            <a:r>
+              <a:rPr lang="fr-FR" sz="1100" i="1" dirty="0"/>
+              <a:t>Diagramme de cas d’utilisation</a:t>
+            </a:r>
+          </a:p>
+        </p:txBody>
+      </p:sp>
+      <p:sp>
+        <p:nvSpPr>
+          <p:cNvPr id="42" name="ZoneTexte 41">
+            <a:extLst>
+              <a:ext uri="{FF2B5EF4-FFF2-40B4-BE49-F238E27FC236}">
+                <a16:creationId xmlns:a16="http://schemas.microsoft.com/office/drawing/2014/main" id="{F9344DFC-A6FB-420C-9AE7-0B081A1DEB7A}"/>
+              </a:ext>
+            </a:extLst>
+          </p:cNvPr>
+          <p:cNvSpPr txBox="1"/>
+          <p:nvPr/>
+        </p:nvSpPr>
+        <p:spPr>
+          <a:xfrm>
+            <a:off x="10053638" y="4383664"/>
+            <a:ext cx="1517047" cy="261610"/>
+          </a:xfrm>
+          <a:prstGeom prst="rect">
+            <a:avLst/>
+          </a:prstGeom>
+          <a:noFill/>
+        </p:spPr>
+        <p:txBody>
+          <a:bodyPr wrap="square" rtlCol="0">
+            <a:spAutoFit/>
+          </a:bodyPr>
+          <a:lstStyle/>
+          <a:p>
+            <a:pPr algn="r"/>
+            <a:r>
+              <a:rPr lang="fr-FR" sz="1100" dirty="0">
+                <a:solidFill>
+                  <a:srgbClr val="A31257"/>
+                </a:solidFill>
+              </a:rPr>
+              <a:t>Tâches personnelles</a:t>
+            </a:r>
+          </a:p>
+        </p:txBody>
+      </p:sp>
+      <p:sp>
+        <p:nvSpPr>
+          <p:cNvPr id="43" name="ZoneTexte 42">
+            <a:extLst>
+              <a:ext uri="{FF2B5EF4-FFF2-40B4-BE49-F238E27FC236}">
+                <a16:creationId xmlns:a16="http://schemas.microsoft.com/office/drawing/2014/main" id="{BC863D68-DECC-4C2C-AA7A-9531CBAD9E28}"/>
+              </a:ext>
+            </a:extLst>
+          </p:cNvPr>
+          <p:cNvSpPr txBox="1"/>
+          <p:nvPr/>
+        </p:nvSpPr>
+        <p:spPr>
+          <a:xfrm>
+            <a:off x="9953723" y="5916426"/>
+            <a:ext cx="1616962" cy="261610"/>
+          </a:xfrm>
+          <a:prstGeom prst="rect">
+            <a:avLst/>
+          </a:prstGeom>
+          <a:noFill/>
+        </p:spPr>
+        <p:txBody>
+          <a:bodyPr wrap="square" rtlCol="0">
+            <a:spAutoFit/>
+          </a:bodyPr>
+          <a:lstStyle/>
+          <a:p>
+            <a:pPr algn="r"/>
+            <a:r>
+              <a:rPr lang="fr-FR" sz="1100" dirty="0"/>
+              <a:t>Schématisation réseau</a:t>
+            </a:r>
+          </a:p>
+        </p:txBody>
+      </p:sp>
+      <p:sp>
+        <p:nvSpPr>
+          <p:cNvPr id="44" name="Rectangle 43">
+            <a:extLst>
+              <a:ext uri="{FF2B5EF4-FFF2-40B4-BE49-F238E27FC236}">
+                <a16:creationId xmlns:a16="http://schemas.microsoft.com/office/drawing/2014/main" id="{2EA1F979-A783-4C32-B6B3-62BCCCE18D55}"/>
+              </a:ext>
+            </a:extLst>
+          </p:cNvPr>
+          <p:cNvSpPr/>
+          <p:nvPr/>
+        </p:nvSpPr>
+        <p:spPr>
+          <a:xfrm>
+            <a:off x="11695175" y="627394"/>
+            <a:ext cx="64009" cy="4017880"/>
+          </a:xfrm>
+          <a:prstGeom prst="rect">
+            <a:avLst/>
+          </a:prstGeom>
+          <a:solidFill>
+            <a:srgbClr val="009900"/>
+          </a:solidFill>
+          <a:ln>
+            <a:noFill/>
+          </a:ln>
+        </p:spPr>
+        <p:style>
+          <a:lnRef idx="2">
+            <a:schemeClr val="accent1">
+              <a:shade val="50000"/>
+            </a:schemeClr>
+          </a:lnRef>
+          <a:fillRef idx="1">
+            <a:schemeClr val="accent1"/>
+          </a:fillRef>
+          <a:effectRef idx="0">
+            <a:schemeClr val="accent1"/>
+          </a:effectRef>
+          <a:fontRef idx="minor">
+            <a:schemeClr val="lt1"/>
+          </a:fontRef>
+        </p:style>
+        <p:txBody>
+          <a:bodyPr rtlCol="0" anchor="ctr"/>
+          <a:lstStyle/>
+          <a:p>
+            <a:pPr algn="ctr"/>
+            <a:endParaRPr lang="fr-FR"/>
+          </a:p>
+        </p:txBody>
+      </p:sp>
+    </p:spTree>
+    <p:extLst>
+      <p:ext uri="{BB962C8B-B14F-4D97-AF65-F5344CB8AC3E}">
+        <p14:creationId xmlns:p14="http://schemas.microsoft.com/office/powerpoint/2010/main" val="3328809043"/>
+      </p:ext>
+    </p:extLst>
+  </p:cSld>
+  <p:clrMapOvr>
+    <a:masterClrMapping/>
+  </p:clrMapOvr>
+  <mc:AlternateContent xmlns:mc="http://schemas.openxmlformats.org/markup-compatibility/2006" xmlns:p159="http://schemas.microsoft.com/office/powerpoint/2015/09/main">
+    <mc:Choice Requires="p159">
+      <p:transition xmlns:p14="http://schemas.microsoft.com/office/powerpoint/2010/main" spd="slow" p14:dur="2000">
+        <p159:morph option="byObject"/>
+      </p:transition>
+    </mc:Choice>
+    <mc:Fallback xmlns="">
+      <p:transition spd="slow">
+        <p:fade/>
+      </p:transition>
+    </mc:Fallback>
+  </mc:AlternateContent>
+</p:sld>
+</file>
+
+<file path=ppt/slides/slide7.xml><?xml version="1.0" encoding="utf-8"?>
+<p:sld xmlns:a="http://schemas.openxmlformats.org/drawingml/2006/main" xmlns:r="http://schemas.openxmlformats.org/officeDocument/2006/relationships" xmlns:p="http://schemas.openxmlformats.org/presentationml/2006/main">
+  <p:cSld>
+    <p:spTree>
+      <p:nvGrpSpPr>
+        <p:cNvPr id="1" name=""/>
+        <p:cNvGrpSpPr/>
+        <p:nvPr/>
+      </p:nvGrpSpPr>
+      <p:grpSpPr>
+        <a:xfrm>
+          <a:off x="0" y="0"/>
+          <a:ext cx="0" cy="0"/>
+          <a:chOff x="0" y="0"/>
+          <a:chExt cx="0" cy="0"/>
+        </a:xfrm>
+      </p:grpSpPr>
+      <p:pic>
+        <p:nvPicPr>
+          <p:cNvPr id="1026" name="Picture 2" descr="Image associée">
+            <a:extLst>
+              <a:ext uri="{FF2B5EF4-FFF2-40B4-BE49-F238E27FC236}">
+                <a16:creationId xmlns:a16="http://schemas.microsoft.com/office/drawing/2014/main" id="{C816F3D8-CC4C-46B3-A21E-58AE9AD30454}"/>
+              </a:ext>
+            </a:extLst>
+          </p:cNvPr>
+          <p:cNvPicPr>
+            <a:picLocks noChangeAspect="1" noChangeArrowheads="1"/>
+          </p:cNvPicPr>
+          <p:nvPr/>
+        </p:nvPicPr>
+        <p:blipFill rotWithShape="1">
+          <a:blip r:embed="rId2">
+            <a:extLst>
+              <a:ext uri="{28A0092B-C50C-407E-A947-70E740481C1C}">
+                <a14:useLocalDpi xmlns:a14="http://schemas.microsoft.com/office/drawing/2010/main" val="0"/>
+              </a:ext>
+            </a:extLst>
+          </a:blip>
+          <a:srcRect l="18677" r="15441"/>
+          <a:stretch/>
+        </p:blipFill>
+        <p:spPr bwMode="auto">
+          <a:xfrm>
+            <a:off x="143436" y="143435"/>
+            <a:ext cx="2269635" cy="609600"/>
+          </a:xfrm>
+          <a:prstGeom prst="rect">
+            <a:avLst/>
+          </a:prstGeom>
+          <a:noFill/>
+          <a:extLst>
+            <a:ext uri="{909E8E84-426E-40DD-AFC4-6F175D3DCCD1}">
+              <a14:hiddenFill xmlns:a14="http://schemas.microsoft.com/office/drawing/2010/main">
+                <a:solidFill>
+                  <a:srgbClr val="FFFFFF"/>
+                </a:solidFill>
+              </a14:hiddenFill>
+            </a:ext>
+          </a:extLst>
+        </p:spPr>
+      </p:pic>
+      <p:sp>
+        <p:nvSpPr>
+          <p:cNvPr id="3" name="ZoneTexte 2">
+            <a:extLst>
+              <a:ext uri="{FF2B5EF4-FFF2-40B4-BE49-F238E27FC236}">
+                <a16:creationId xmlns:a16="http://schemas.microsoft.com/office/drawing/2014/main" id="{B5DA24B5-6993-45AE-B83E-5BA1E69FACD0}"/>
+              </a:ext>
+            </a:extLst>
+          </p:cNvPr>
+          <p:cNvSpPr txBox="1"/>
+          <p:nvPr/>
+        </p:nvSpPr>
+        <p:spPr>
+          <a:xfrm>
+            <a:off x="2816352" y="143435"/>
+            <a:ext cx="5342576" cy="646331"/>
+          </a:xfrm>
+          <a:prstGeom prst="rect">
+            <a:avLst/>
+          </a:prstGeom>
+          <a:noFill/>
+          <a:ln>
+            <a:noFill/>
+          </a:ln>
+          <a:effectLst>
+            <a:glow rad="63500">
+              <a:schemeClr val="accent4">
+                <a:satMod val="175000"/>
+                <a:alpha val="40000"/>
+              </a:schemeClr>
+            </a:glow>
+            <a:outerShdw blurRad="50800" dist="38100" dir="5400000" algn="t" rotWithShape="0">
+              <a:prstClr val="black">
+                <a:alpha val="40000"/>
+              </a:prstClr>
+            </a:outerShdw>
+          </a:effectLst>
+          <a:scene3d>
+            <a:camera prst="orthographicFront">
+              <a:rot lat="0" lon="0" rev="0"/>
+            </a:camera>
+            <a:lightRig rig="soft" dir="t">
+              <a:rot lat="0" lon="0" rev="0"/>
+            </a:lightRig>
+          </a:scene3d>
+          <a:sp3d contourW="44450" prstMaterial="matte">
+            <a:bevelT w="63500" h="63500" prst="artDeco"/>
+            <a:contourClr>
+              <a:srgbClr val="FFFFFF"/>
+            </a:contourClr>
+          </a:sp3d>
+        </p:spPr>
+        <p:txBody>
+          <a:bodyPr wrap="square" rtlCol="0">
+            <a:spAutoFit/>
+          </a:bodyPr>
+          <a:lstStyle/>
+          <a:p>
+            <a:pPr algn="ctr"/>
+            <a:r>
+              <a:rPr lang="fr-FR" sz="3600" b="1" dirty="0">
+                <a:latin typeface="Eras Medium ITC" panose="020B0602030504020804" pitchFamily="34" charset="0"/>
+              </a:rPr>
               <a:t>Schéma du </a:t>
             </a:r>
             <a:r>
@@ -9541,6 +12331,642 @@
               <a:rPr lang="fr-FR" sz="2400" dirty="0"/>
               <a:t>5</a:t>
             </a:r>
+          </a:p>
+        </p:txBody>
+      </p:sp>
+      <p:sp>
+        <p:nvSpPr>
+          <p:cNvPr id="7" name="Rectangle 6">
+            <a:extLst>
+              <a:ext uri="{FF2B5EF4-FFF2-40B4-BE49-F238E27FC236}">
+                <a16:creationId xmlns:a16="http://schemas.microsoft.com/office/drawing/2014/main" id="{178FF7EC-1244-49E3-B139-06DA020765C5}"/>
+              </a:ext>
+            </a:extLst>
+          </p:cNvPr>
+          <p:cNvSpPr/>
+          <p:nvPr/>
+        </p:nvSpPr>
+        <p:spPr>
+          <a:xfrm>
+            <a:off x="11695175" y="671470"/>
+            <a:ext cx="64009" cy="5559136"/>
+          </a:xfrm>
+          <a:prstGeom prst="rect">
+            <a:avLst/>
+          </a:prstGeom>
+          <a:solidFill>
+            <a:schemeClr val="bg1"/>
+          </a:solidFill>
+          <a:ln>
+            <a:noFill/>
+          </a:ln>
+        </p:spPr>
+        <p:style>
+          <a:lnRef idx="2">
+            <a:schemeClr val="accent1">
+              <a:shade val="50000"/>
+            </a:schemeClr>
+          </a:lnRef>
+          <a:fillRef idx="1">
+            <a:schemeClr val="accent1"/>
+          </a:fillRef>
+          <a:effectRef idx="0">
+            <a:schemeClr val="accent1"/>
+          </a:effectRef>
+          <a:fontRef idx="minor">
+            <a:schemeClr val="lt1"/>
+          </a:fontRef>
+        </p:style>
+        <p:txBody>
+          <a:bodyPr rtlCol="0" anchor="ctr"/>
+          <a:lstStyle/>
+          <a:p>
+            <a:pPr algn="ctr"/>
+            <a:endParaRPr lang="fr-FR"/>
+          </a:p>
+        </p:txBody>
+      </p:sp>
+      <p:sp>
+        <p:nvSpPr>
+          <p:cNvPr id="8" name="Ellipse 7">
+            <a:extLst>
+              <a:ext uri="{FF2B5EF4-FFF2-40B4-BE49-F238E27FC236}">
+                <a16:creationId xmlns:a16="http://schemas.microsoft.com/office/drawing/2014/main" id="{5A1CF7B8-B03D-4932-8C39-8F5AA22BCA95}"/>
+              </a:ext>
+            </a:extLst>
+          </p:cNvPr>
+          <p:cNvSpPr/>
+          <p:nvPr/>
+        </p:nvSpPr>
+        <p:spPr>
+          <a:xfrm>
+            <a:off x="11530584" y="570246"/>
+            <a:ext cx="400813" cy="366747"/>
+          </a:xfrm>
+          <a:prstGeom prst="ellipse">
+            <a:avLst/>
+          </a:prstGeom>
+          <a:solidFill>
+            <a:srgbClr val="009900"/>
+          </a:solidFill>
+          <a:ln>
+            <a:noFill/>
+          </a:ln>
+        </p:spPr>
+        <p:style>
+          <a:lnRef idx="2">
+            <a:schemeClr val="accent1">
+              <a:shade val="50000"/>
+            </a:schemeClr>
+          </a:lnRef>
+          <a:fillRef idx="1">
+            <a:schemeClr val="accent1"/>
+          </a:fillRef>
+          <a:effectRef idx="0">
+            <a:schemeClr val="accent1"/>
+          </a:effectRef>
+          <a:fontRef idx="minor">
+            <a:schemeClr val="lt1"/>
+          </a:fontRef>
+        </p:style>
+        <p:txBody>
+          <a:bodyPr rtlCol="0" anchor="ctr"/>
+          <a:lstStyle/>
+          <a:p>
+            <a:pPr algn="ctr"/>
+            <a:endParaRPr lang="fr-FR"/>
+          </a:p>
+        </p:txBody>
+      </p:sp>
+      <p:sp>
+        <p:nvSpPr>
+          <p:cNvPr id="9" name="Ellipse 8">
+            <a:extLst>
+              <a:ext uri="{FF2B5EF4-FFF2-40B4-BE49-F238E27FC236}">
+                <a16:creationId xmlns:a16="http://schemas.microsoft.com/office/drawing/2014/main" id="{3FD0A1ED-9AD1-4434-AD23-360DC02CF0CC}"/>
+              </a:ext>
+            </a:extLst>
+          </p:cNvPr>
+          <p:cNvSpPr/>
+          <p:nvPr/>
+        </p:nvSpPr>
+        <p:spPr>
+          <a:xfrm>
+            <a:off x="11530583" y="2798334"/>
+            <a:ext cx="400813" cy="366747"/>
+          </a:xfrm>
+          <a:prstGeom prst="ellipse">
+            <a:avLst/>
+          </a:prstGeom>
+          <a:solidFill>
+            <a:srgbClr val="009900"/>
+          </a:solidFill>
+          <a:ln>
+            <a:noFill/>
+          </a:ln>
+        </p:spPr>
+        <p:style>
+          <a:lnRef idx="2">
+            <a:schemeClr val="accent1">
+              <a:shade val="50000"/>
+            </a:schemeClr>
+          </a:lnRef>
+          <a:fillRef idx="1">
+            <a:schemeClr val="accent1"/>
+          </a:fillRef>
+          <a:effectRef idx="0">
+            <a:schemeClr val="accent1"/>
+          </a:effectRef>
+          <a:fontRef idx="minor">
+            <a:schemeClr val="lt1"/>
+          </a:fontRef>
+        </p:style>
+        <p:txBody>
+          <a:bodyPr rtlCol="0" anchor="ctr"/>
+          <a:lstStyle/>
+          <a:p>
+            <a:pPr algn="ctr"/>
+            <a:endParaRPr lang="fr-FR"/>
+          </a:p>
+        </p:txBody>
+      </p:sp>
+      <p:sp>
+        <p:nvSpPr>
+          <p:cNvPr id="10" name="Ellipse 9">
+            <a:extLst>
+              <a:ext uri="{FF2B5EF4-FFF2-40B4-BE49-F238E27FC236}">
+                <a16:creationId xmlns:a16="http://schemas.microsoft.com/office/drawing/2014/main" id="{83A23050-D3C0-405E-8CF0-AEDA8BD65CEB}"/>
+              </a:ext>
+            </a:extLst>
+          </p:cNvPr>
+          <p:cNvSpPr/>
+          <p:nvPr/>
+        </p:nvSpPr>
+        <p:spPr>
+          <a:xfrm>
+            <a:off x="11530582" y="4331478"/>
+            <a:ext cx="400813" cy="366747"/>
+          </a:xfrm>
+          <a:prstGeom prst="ellipse">
+            <a:avLst/>
+          </a:prstGeom>
+          <a:solidFill>
+            <a:srgbClr val="009900"/>
+          </a:solidFill>
+          <a:ln>
+            <a:noFill/>
+          </a:ln>
+        </p:spPr>
+        <p:style>
+          <a:lnRef idx="2">
+            <a:schemeClr val="accent1">
+              <a:shade val="50000"/>
+            </a:schemeClr>
+          </a:lnRef>
+          <a:fillRef idx="1">
+            <a:schemeClr val="accent1"/>
+          </a:fillRef>
+          <a:effectRef idx="0">
+            <a:schemeClr val="accent1"/>
+          </a:effectRef>
+          <a:fontRef idx="minor">
+            <a:schemeClr val="lt1"/>
+          </a:fontRef>
+        </p:style>
+        <p:txBody>
+          <a:bodyPr rtlCol="0" anchor="ctr"/>
+          <a:lstStyle/>
+          <a:p>
+            <a:pPr algn="ctr"/>
+            <a:endParaRPr lang="fr-FR"/>
+          </a:p>
+        </p:txBody>
+      </p:sp>
+      <p:sp>
+        <p:nvSpPr>
+          <p:cNvPr id="11" name="Ellipse 10">
+            <a:extLst>
+              <a:ext uri="{FF2B5EF4-FFF2-40B4-BE49-F238E27FC236}">
+                <a16:creationId xmlns:a16="http://schemas.microsoft.com/office/drawing/2014/main" id="{C4FAA029-9F2F-434C-8AA0-851609F40C09}"/>
+              </a:ext>
+            </a:extLst>
+          </p:cNvPr>
+          <p:cNvSpPr/>
+          <p:nvPr/>
+        </p:nvSpPr>
+        <p:spPr>
+          <a:xfrm>
+            <a:off x="11530581" y="5863858"/>
+            <a:ext cx="400813" cy="366747"/>
+          </a:xfrm>
+          <a:prstGeom prst="ellipse">
+            <a:avLst/>
+          </a:prstGeom>
+          <a:solidFill>
+            <a:srgbClr val="009900"/>
+          </a:solidFill>
+          <a:ln>
+            <a:noFill/>
+          </a:ln>
+        </p:spPr>
+        <p:style>
+          <a:lnRef idx="2">
+            <a:schemeClr val="accent1">
+              <a:shade val="50000"/>
+            </a:schemeClr>
+          </a:lnRef>
+          <a:fillRef idx="1">
+            <a:schemeClr val="accent1"/>
+          </a:fillRef>
+          <a:effectRef idx="0">
+            <a:schemeClr val="accent1"/>
+          </a:effectRef>
+          <a:fontRef idx="minor">
+            <a:schemeClr val="lt1"/>
+          </a:fontRef>
+        </p:style>
+        <p:txBody>
+          <a:bodyPr rtlCol="0" anchor="ctr"/>
+          <a:lstStyle/>
+          <a:p>
+            <a:pPr algn="ctr"/>
+            <a:endParaRPr lang="fr-FR"/>
+          </a:p>
+        </p:txBody>
+      </p:sp>
+      <p:sp>
+        <p:nvSpPr>
+          <p:cNvPr id="12" name="Organigramme : Terminateur 11">
+            <a:extLst>
+              <a:ext uri="{FF2B5EF4-FFF2-40B4-BE49-F238E27FC236}">
+                <a16:creationId xmlns:a16="http://schemas.microsoft.com/office/drawing/2014/main" id="{A46B292A-28E8-41B8-9CA4-DCCC22B6A424}"/>
+              </a:ext>
+            </a:extLst>
+          </p:cNvPr>
+          <p:cNvSpPr/>
+          <p:nvPr/>
+        </p:nvSpPr>
+        <p:spPr>
+          <a:xfrm>
+            <a:off x="11562541" y="1448372"/>
+            <a:ext cx="188499" cy="71437"/>
+          </a:xfrm>
+          <a:prstGeom prst="flowChartTerminator">
+            <a:avLst/>
+          </a:prstGeom>
+          <a:solidFill>
+            <a:srgbClr val="009900"/>
+          </a:solidFill>
+          <a:ln>
+            <a:noFill/>
+          </a:ln>
+        </p:spPr>
+        <p:style>
+          <a:lnRef idx="2">
+            <a:schemeClr val="accent1">
+              <a:shade val="50000"/>
+            </a:schemeClr>
+          </a:lnRef>
+          <a:fillRef idx="1">
+            <a:schemeClr val="accent1"/>
+          </a:fillRef>
+          <a:effectRef idx="0">
+            <a:schemeClr val="accent1"/>
+          </a:effectRef>
+          <a:fontRef idx="minor">
+            <a:schemeClr val="lt1"/>
+          </a:fontRef>
+        </p:style>
+        <p:txBody>
+          <a:bodyPr rtlCol="0" anchor="ctr"/>
+          <a:lstStyle/>
+          <a:p>
+            <a:pPr algn="ctr"/>
+            <a:endParaRPr lang="fr-FR"/>
+          </a:p>
+        </p:txBody>
+      </p:sp>
+      <p:sp>
+        <p:nvSpPr>
+          <p:cNvPr id="13" name="Organigramme : Terminateur 12">
+            <a:extLst>
+              <a:ext uri="{FF2B5EF4-FFF2-40B4-BE49-F238E27FC236}">
+                <a16:creationId xmlns:a16="http://schemas.microsoft.com/office/drawing/2014/main" id="{2295C6F8-35C8-4341-84EC-D89DBA6CB736}"/>
+              </a:ext>
+            </a:extLst>
+          </p:cNvPr>
+          <p:cNvSpPr/>
+          <p:nvPr/>
+        </p:nvSpPr>
+        <p:spPr>
+          <a:xfrm>
+            <a:off x="11570685" y="2179226"/>
+            <a:ext cx="188499" cy="71437"/>
+          </a:xfrm>
+          <a:prstGeom prst="flowChartTerminator">
+            <a:avLst/>
+          </a:prstGeom>
+          <a:solidFill>
+            <a:srgbClr val="009900"/>
+          </a:solidFill>
+          <a:ln>
+            <a:noFill/>
+          </a:ln>
+        </p:spPr>
+        <p:style>
+          <a:lnRef idx="2">
+            <a:schemeClr val="accent1">
+              <a:shade val="50000"/>
+            </a:schemeClr>
+          </a:lnRef>
+          <a:fillRef idx="1">
+            <a:schemeClr val="accent1"/>
+          </a:fillRef>
+          <a:effectRef idx="0">
+            <a:schemeClr val="accent1"/>
+          </a:effectRef>
+          <a:fontRef idx="minor">
+            <a:schemeClr val="lt1"/>
+          </a:fontRef>
+        </p:style>
+        <p:txBody>
+          <a:bodyPr rtlCol="0" anchor="ctr"/>
+          <a:lstStyle/>
+          <a:p>
+            <a:pPr algn="ctr"/>
+            <a:endParaRPr lang="fr-FR" dirty="0"/>
+          </a:p>
+        </p:txBody>
+      </p:sp>
+      <p:sp>
+        <p:nvSpPr>
+          <p:cNvPr id="14" name="ZoneTexte 13">
+            <a:extLst>
+              <a:ext uri="{FF2B5EF4-FFF2-40B4-BE49-F238E27FC236}">
+                <a16:creationId xmlns:a16="http://schemas.microsoft.com/office/drawing/2014/main" id="{E57218CD-D95E-4756-940B-322436D56DD2}"/>
+              </a:ext>
+            </a:extLst>
+          </p:cNvPr>
+          <p:cNvSpPr txBox="1"/>
+          <p:nvPr/>
+        </p:nvSpPr>
+        <p:spPr>
+          <a:xfrm>
+            <a:off x="10197081" y="537591"/>
+            <a:ext cx="1333500" cy="430887"/>
+          </a:xfrm>
+          <a:prstGeom prst="rect">
+            <a:avLst/>
+          </a:prstGeom>
+          <a:noFill/>
+        </p:spPr>
+        <p:txBody>
+          <a:bodyPr wrap="square" rtlCol="0">
+            <a:spAutoFit/>
+          </a:bodyPr>
+          <a:lstStyle/>
+          <a:p>
+            <a:pPr algn="r"/>
+            <a:r>
+              <a:rPr lang="fr-FR" sz="1100" i="1" dirty="0"/>
+              <a:t>Présentation du projet</a:t>
+            </a:r>
+          </a:p>
+        </p:txBody>
+      </p:sp>
+      <p:sp>
+        <p:nvSpPr>
+          <p:cNvPr id="15" name="ZoneTexte 14">
+            <a:extLst>
+              <a:ext uri="{FF2B5EF4-FFF2-40B4-BE49-F238E27FC236}">
+                <a16:creationId xmlns:a16="http://schemas.microsoft.com/office/drawing/2014/main" id="{06A9A8F8-B018-40E0-9A2E-F541223D0D4C}"/>
+              </a:ext>
+            </a:extLst>
+          </p:cNvPr>
+          <p:cNvSpPr txBox="1"/>
+          <p:nvPr/>
+        </p:nvSpPr>
+        <p:spPr>
+          <a:xfrm>
+            <a:off x="10295358" y="1353285"/>
+            <a:ext cx="1333500" cy="261610"/>
+          </a:xfrm>
+          <a:prstGeom prst="rect">
+            <a:avLst/>
+          </a:prstGeom>
+          <a:noFill/>
+        </p:spPr>
+        <p:txBody>
+          <a:bodyPr wrap="square" rtlCol="0">
+            <a:spAutoFit/>
+          </a:bodyPr>
+          <a:lstStyle/>
+          <a:p>
+            <a:pPr algn="r"/>
+            <a:r>
+              <a:rPr lang="fr-FR" sz="1100" i="1" dirty="0"/>
+              <a:t>Schéma global</a:t>
+            </a:r>
+          </a:p>
+        </p:txBody>
+      </p:sp>
+      <p:sp>
+        <p:nvSpPr>
+          <p:cNvPr id="16" name="ZoneTexte 15">
+            <a:extLst>
+              <a:ext uri="{FF2B5EF4-FFF2-40B4-BE49-F238E27FC236}">
+                <a16:creationId xmlns:a16="http://schemas.microsoft.com/office/drawing/2014/main" id="{216B6A9B-C3A6-4B18-A29E-A9DFA3158AEB}"/>
+              </a:ext>
+            </a:extLst>
+          </p:cNvPr>
+          <p:cNvSpPr txBox="1"/>
+          <p:nvPr/>
+        </p:nvSpPr>
+        <p:spPr>
+          <a:xfrm>
+            <a:off x="10295358" y="2019390"/>
+            <a:ext cx="1333500" cy="430887"/>
+          </a:xfrm>
+          <a:prstGeom prst="rect">
+            <a:avLst/>
+          </a:prstGeom>
+          <a:noFill/>
+        </p:spPr>
+        <p:txBody>
+          <a:bodyPr wrap="square" rtlCol="0">
+            <a:spAutoFit/>
+          </a:bodyPr>
+          <a:lstStyle/>
+          <a:p>
+            <a:pPr algn="r"/>
+            <a:r>
+              <a:rPr lang="fr-FR" sz="1100" i="1" dirty="0"/>
+              <a:t>Schéma personnalisé</a:t>
+            </a:r>
+          </a:p>
+        </p:txBody>
+      </p:sp>
+      <p:sp>
+        <p:nvSpPr>
+          <p:cNvPr id="17" name="ZoneTexte 16">
+            <a:extLst>
+              <a:ext uri="{FF2B5EF4-FFF2-40B4-BE49-F238E27FC236}">
+                <a16:creationId xmlns:a16="http://schemas.microsoft.com/office/drawing/2014/main" id="{96E7FE38-68A9-4216-BF37-5790B71E181D}"/>
+              </a:ext>
+            </a:extLst>
+          </p:cNvPr>
+          <p:cNvSpPr txBox="1"/>
+          <p:nvPr/>
+        </p:nvSpPr>
+        <p:spPr>
+          <a:xfrm>
+            <a:off x="10237185" y="2754095"/>
+            <a:ext cx="1333500" cy="430887"/>
+          </a:xfrm>
+          <a:prstGeom prst="rect">
+            <a:avLst/>
+          </a:prstGeom>
+          <a:noFill/>
+        </p:spPr>
+        <p:txBody>
+          <a:bodyPr wrap="square" rtlCol="0">
+            <a:spAutoFit/>
+          </a:bodyPr>
+          <a:lstStyle/>
+          <a:p>
+            <a:pPr algn="r"/>
+            <a:r>
+              <a:rPr lang="fr-FR" sz="1100" i="1" dirty="0"/>
+              <a:t>Diagramme de cas d’utilisation</a:t>
+            </a:r>
+          </a:p>
+        </p:txBody>
+      </p:sp>
+      <p:sp>
+        <p:nvSpPr>
+          <p:cNvPr id="18" name="ZoneTexte 17">
+            <a:extLst>
+              <a:ext uri="{FF2B5EF4-FFF2-40B4-BE49-F238E27FC236}">
+                <a16:creationId xmlns:a16="http://schemas.microsoft.com/office/drawing/2014/main" id="{6ABEC493-CEFA-488A-9D08-17A60D1AC07A}"/>
+              </a:ext>
+            </a:extLst>
+          </p:cNvPr>
+          <p:cNvSpPr txBox="1"/>
+          <p:nvPr/>
+        </p:nvSpPr>
+        <p:spPr>
+          <a:xfrm>
+            <a:off x="10053638" y="4383664"/>
+            <a:ext cx="1517047" cy="261610"/>
+          </a:xfrm>
+          <a:prstGeom prst="rect">
+            <a:avLst/>
+          </a:prstGeom>
+          <a:noFill/>
+        </p:spPr>
+        <p:txBody>
+          <a:bodyPr wrap="square" rtlCol="0">
+            <a:spAutoFit/>
+          </a:bodyPr>
+          <a:lstStyle/>
+          <a:p>
+            <a:pPr algn="r"/>
+            <a:r>
+              <a:rPr lang="fr-FR" sz="1100" i="1" dirty="0"/>
+              <a:t>Tâches personnelles</a:t>
+            </a:r>
+          </a:p>
+        </p:txBody>
+      </p:sp>
+      <p:sp>
+        <p:nvSpPr>
+          <p:cNvPr id="19" name="ZoneTexte 18">
+            <a:extLst>
+              <a:ext uri="{FF2B5EF4-FFF2-40B4-BE49-F238E27FC236}">
+                <a16:creationId xmlns:a16="http://schemas.microsoft.com/office/drawing/2014/main" id="{7E6858A6-0C41-46D7-AFDB-84E29E5D3BE9}"/>
+              </a:ext>
+            </a:extLst>
+          </p:cNvPr>
+          <p:cNvSpPr txBox="1"/>
+          <p:nvPr/>
+        </p:nvSpPr>
+        <p:spPr>
+          <a:xfrm>
+            <a:off x="9953723" y="5916426"/>
+            <a:ext cx="1616962" cy="261610"/>
+          </a:xfrm>
+          <a:prstGeom prst="rect">
+            <a:avLst/>
+          </a:prstGeom>
+          <a:noFill/>
+        </p:spPr>
+        <p:txBody>
+          <a:bodyPr wrap="square" rtlCol="0">
+            <a:spAutoFit/>
+          </a:bodyPr>
+          <a:lstStyle/>
+          <a:p>
+            <a:pPr algn="r"/>
+            <a:r>
+              <a:rPr lang="fr-FR" sz="1100" dirty="0">
+                <a:solidFill>
+                  <a:srgbClr val="A41258"/>
+                </a:solidFill>
+              </a:rPr>
+              <a:t>Schématisation réseau</a:t>
+            </a:r>
+          </a:p>
+        </p:txBody>
+      </p:sp>
+      <p:sp>
+        <p:nvSpPr>
+          <p:cNvPr id="20" name="Rectangle 19">
+            <a:extLst>
+              <a:ext uri="{FF2B5EF4-FFF2-40B4-BE49-F238E27FC236}">
+                <a16:creationId xmlns:a16="http://schemas.microsoft.com/office/drawing/2014/main" id="{DC9060B0-8356-46EC-AAE6-8DBA068DA079}"/>
+              </a:ext>
+            </a:extLst>
+          </p:cNvPr>
+          <p:cNvSpPr/>
+          <p:nvPr/>
+        </p:nvSpPr>
+        <p:spPr>
+          <a:xfrm>
+            <a:off x="11695175" y="627394"/>
+            <a:ext cx="64009" cy="5444222"/>
+          </a:xfrm>
+          <a:prstGeom prst="rect">
+            <a:avLst/>
+          </a:prstGeom>
+          <a:solidFill>
+            <a:srgbClr val="009900"/>
+          </a:solidFill>
+          <a:ln>
+            <a:noFill/>
+          </a:ln>
+        </p:spPr>
+        <p:style>
+          <a:lnRef idx="2">
+            <a:schemeClr val="accent1">
+              <a:shade val="50000"/>
+            </a:schemeClr>
+          </a:lnRef>
+          <a:fillRef idx="1">
+            <a:schemeClr val="accent1"/>
+          </a:fillRef>
+          <a:effectRef idx="0">
+            <a:schemeClr val="accent1"/>
+          </a:effectRef>
+          <a:fontRef idx="minor">
+            <a:schemeClr val="lt1"/>
+          </a:fontRef>
+        </p:style>
+        <p:txBody>
+          <a:bodyPr rtlCol="0" anchor="ctr"/>
+          <a:lstStyle/>
+          <a:p>
+            <a:pPr algn="ctr"/>
+            <a:endParaRPr lang="fr-FR"/>
           </a:p>
         </p:txBody>
       </p:sp>
@@ -9569,7 +12995,7 @@
 </p:sld>
 </file>
 
-<file path=ppt/slides/slide7.xml><?xml version="1.0" encoding="utf-8"?>
+<file path=ppt/slides/slide8.xml><?xml version="1.0" encoding="utf-8"?>
 <p:sld xmlns:a="http://schemas.openxmlformats.org/drawingml/2006/main" xmlns:r="http://schemas.openxmlformats.org/officeDocument/2006/relationships" xmlns:p="http://schemas.openxmlformats.org/presentationml/2006/main">
   <p:cSld>
     <p:spTree>

--- a/Nathan/Compte-rendus/REVUE-R1-GUIGAND-SFL6.pptx
+++ b/Nathan/Compte-rendus/REVUE-R1-GUIGAND-SFL6.pptx
@@ -7204,10 +7204,19 @@
           <a:p>
             <a:pPr algn="ctr"/>
             <a:r>
+              <a:rPr lang="fr-FR" sz="1600" b="1" dirty="0">
+                <a:solidFill>
+                  <a:srgbClr val="A31257"/>
+                </a:solidFill>
+                <a:latin typeface="Eras Medium ITC" panose="020B0602030504020804" pitchFamily="34" charset="0"/>
+              </a:rPr>
+              <a:t>GUIGAND Nathan </a:t>
+            </a:r>
+            <a:r>
               <a:rPr lang="fr-FR" sz="1600" dirty="0">
                 <a:latin typeface="Eras Medium ITC" panose="020B0602030504020804" pitchFamily="34" charset="0"/>
               </a:rPr>
-              <a:t>GUIGAND Nathan -- MONVOISIN Guillaume -- DOHIN Cyril</a:t>
+              <a:t>-- MONVOISIN Guillaume -- DOHIN Cyril</a:t>
             </a:r>
           </a:p>
         </p:txBody>

--- a/Nathan/Compte-rendus/REVUE-R1-GUIGAND-SFL6.pptx
+++ b/Nathan/Compte-rendus/REVUE-R1-GUIGAND-SFL6.pptx
@@ -10506,7 +10506,7 @@
         </p:nvSpPr>
         <p:spPr>
           <a:xfrm>
-            <a:off x="456786" y="2165230"/>
+            <a:off x="143436" y="1886284"/>
             <a:ext cx="4067728" cy="2527541"/>
           </a:xfrm>
           <a:prstGeom prst="rect">
@@ -10654,7 +10654,7 @@
         </p:blipFill>
         <p:spPr>
           <a:xfrm>
-            <a:off x="456786" y="1290865"/>
+            <a:off x="143436" y="1011919"/>
             <a:ext cx="1002318" cy="1002318"/>
           </a:xfrm>
           <a:prstGeom prst="rect">
@@ -10690,7 +10690,7 @@
         </p:blipFill>
         <p:spPr>
           <a:xfrm>
-            <a:off x="675241" y="3699035"/>
+            <a:off x="361891" y="3420089"/>
             <a:ext cx="335083" cy="335083"/>
           </a:xfrm>
           <a:prstGeom prst="rect">
@@ -10726,7 +10726,7 @@
         </p:blipFill>
         <p:spPr>
           <a:xfrm>
-            <a:off x="702153" y="4148026"/>
+            <a:off x="388803" y="3869080"/>
             <a:ext cx="282704" cy="282704"/>
           </a:xfrm>
           <a:prstGeom prst="rect">
@@ -10762,7 +10762,7 @@
         </p:blipFill>
         <p:spPr>
           <a:xfrm>
-            <a:off x="766598" y="2537314"/>
+            <a:off x="453248" y="2258368"/>
             <a:ext cx="218259" cy="218259"/>
           </a:xfrm>
           <a:prstGeom prst="rect">
@@ -10798,7 +10798,7 @@
         </p:blipFill>
         <p:spPr>
           <a:xfrm>
-            <a:off x="557508" y="1544881"/>
+            <a:off x="244158" y="1265935"/>
             <a:ext cx="382694" cy="382694"/>
           </a:xfrm>
           <a:prstGeom prst="rect">
@@ -10834,7 +10834,7 @@
         </p:blipFill>
         <p:spPr>
           <a:xfrm>
-            <a:off x="675241" y="3312753"/>
+            <a:off x="361891" y="3033807"/>
             <a:ext cx="297336" cy="297336"/>
           </a:xfrm>
           <a:prstGeom prst="rect">
@@ -10870,7 +10870,7 @@
         </p:blipFill>
         <p:spPr>
           <a:xfrm>
-            <a:off x="739687" y="2791281"/>
+            <a:off x="426337" y="2512335"/>
             <a:ext cx="218258" cy="218258"/>
           </a:xfrm>
           <a:prstGeom prst="rect">
@@ -10906,7 +10906,7 @@
         </p:blipFill>
         <p:spPr>
           <a:xfrm>
-            <a:off x="700709" y="3009539"/>
+            <a:off x="387359" y="2730593"/>
             <a:ext cx="284148" cy="284148"/>
           </a:xfrm>
           <a:prstGeom prst="rect">
@@ -10928,7 +10928,7 @@
         </p:nvSpPr>
         <p:spPr>
           <a:xfrm>
-            <a:off x="1415179" y="1558535"/>
+            <a:off x="1101829" y="1279589"/>
             <a:ext cx="3375221" cy="400110"/>
           </a:xfrm>
           <a:prstGeom prst="rect">
@@ -10975,7 +10975,7 @@
         </p:nvSpPr>
         <p:spPr>
           <a:xfrm>
-            <a:off x="5451271" y="2165229"/>
+            <a:off x="5137921" y="1886283"/>
             <a:ext cx="4067728" cy="2527541"/>
           </a:xfrm>
           <a:prstGeom prst="rect">
@@ -11069,7 +11069,7 @@
         </p:nvCxnSpPr>
         <p:spPr>
           <a:xfrm flipV="1">
-            <a:off x="3657599" y="3461421"/>
+            <a:off x="3344249" y="3182475"/>
             <a:ext cx="1638000" cy="405156"/>
           </a:xfrm>
           <a:prstGeom prst="straightConnector1">
@@ -11113,7 +11113,7 @@
         </p:nvSpPr>
         <p:spPr>
           <a:xfrm>
-            <a:off x="7550294" y="1634738"/>
+            <a:off x="7261797" y="1358501"/>
             <a:ext cx="3375221" cy="400110"/>
           </a:xfrm>
           <a:prstGeom prst="rect">
@@ -11183,7 +11183,7 @@
         </p:blipFill>
         <p:spPr bwMode="auto">
           <a:xfrm>
-            <a:off x="5451271" y="1690946"/>
+            <a:off x="5137921" y="1412000"/>
             <a:ext cx="2040982" cy="343902"/>
           </a:xfrm>
           <a:prstGeom prst="rect">
@@ -11215,7 +11215,7 @@
         </p:nvSpPr>
         <p:spPr>
           <a:xfrm>
-            <a:off x="5509312" y="1755260"/>
+            <a:off x="5195962" y="1476314"/>
             <a:ext cx="1914525" cy="203386"/>
           </a:xfrm>
           <a:prstGeom prst="rect">
@@ -11273,8 +11273,8 @@
         </p:nvSpPr>
         <p:spPr>
           <a:xfrm>
-            <a:off x="2904417" y="5486446"/>
-            <a:ext cx="4067728" cy="1163573"/>
+            <a:off x="1701832" y="5148140"/>
+            <a:ext cx="5928687" cy="1612174"/>
           </a:xfrm>
           <a:prstGeom prst="rect">
             <a:avLst/>
@@ -11349,6 +11349,34 @@
               <a:t>Intercommunication locale</a:t>
             </a:r>
           </a:p>
+          <a:p>
+            <a:pPr marL="742950" lvl="1" indent="-285750">
+              <a:buFontTx/>
+              <a:buChar char="-"/>
+            </a:pPr>
+            <a:r>
+              <a:rPr lang="fr-FR" dirty="0">
+                <a:solidFill>
+                  <a:schemeClr val="tx1"/>
+                </a:solidFill>
+              </a:rPr>
+              <a:t>Installation clé WIFI sur Raspberry</a:t>
+            </a:r>
+          </a:p>
+          <a:p>
+            <a:pPr marL="742950" lvl="1" indent="-285750">
+              <a:buFontTx/>
+              <a:buChar char="-"/>
+            </a:pPr>
+            <a:r>
+              <a:rPr lang="fr-FR" dirty="0">
+                <a:solidFill>
+                  <a:schemeClr val="tx1"/>
+                </a:solidFill>
+              </a:rPr>
+              <a:t>Paramétrage de l’adaptateur RS232/RJ45</a:t>
+            </a:r>
+          </a:p>
         </p:txBody>
       </p:sp>
       <p:sp>
@@ -11365,7 +11393,7 @@
         </p:nvSpPr>
         <p:spPr>
           <a:xfrm>
-            <a:off x="3443384" y="4971716"/>
+            <a:off x="2177300" y="4677740"/>
             <a:ext cx="3375221" cy="400110"/>
           </a:xfrm>
           <a:prstGeom prst="rect">
@@ -11426,7 +11454,7 @@
         </p:blipFill>
         <p:spPr>
           <a:xfrm>
-            <a:off x="2904417" y="4884005"/>
+            <a:off x="1701832" y="4586095"/>
             <a:ext cx="575532" cy="575532"/>
           </a:xfrm>
           <a:prstGeom prst="rect">

--- a/Nathan/Compte-rendus/REVUE-R1-GUIGAND-SFL6.pptx
+++ b/Nathan/Compte-rendus/REVUE-R1-GUIGAND-SFL6.pptx
@@ -7381,10 +7381,10 @@
       </p:sp>
       <p:sp>
         <p:nvSpPr>
-          <p:cNvPr id="2" name="ZoneTexte 1">
+          <p:cNvPr id="5" name="ZoneTexte 4">
             <a:extLst>
               <a:ext uri="{FF2B5EF4-FFF2-40B4-BE49-F238E27FC236}">
-                <a16:creationId xmlns:a16="http://schemas.microsoft.com/office/drawing/2014/main" id="{FB1E84CE-9DB5-4FA0-BDF7-9F51DDB210EA}"/>
+                <a16:creationId xmlns:a16="http://schemas.microsoft.com/office/drawing/2014/main" id="{B4346AE8-06F1-4AF8-B73E-A5CB37BACEEE}"/>
               </a:ext>
             </a:extLst>
           </p:cNvPr>
@@ -7393,8 +7393,8 @@
         </p:nvSpPr>
         <p:spPr>
           <a:xfrm>
-            <a:off x="1051560" y="1307592"/>
-            <a:ext cx="4754880" cy="1754326"/>
+            <a:off x="1" y="6378766"/>
+            <a:ext cx="429658" cy="461665"/>
           </a:xfrm>
           <a:prstGeom prst="rect">
             <a:avLst/>
@@ -7407,67 +7407,404 @@
           </a:bodyPr>
           <a:lstStyle/>
           <a:p>
-            <a:pPr marL="285750" indent="-285750">
-              <a:buFontTx/>
-              <a:buChar char="-"/>
-            </a:pPr>
-            <a:r>
-              <a:rPr lang="fr-FR" dirty="0"/>
-              <a:t>Présentation du projet</a:t>
-            </a:r>
-          </a:p>
-          <a:p>
-            <a:pPr marL="285750" indent="-285750">
-              <a:buFontTx/>
-              <a:buChar char="-"/>
-            </a:pPr>
-            <a:r>
-              <a:rPr lang="fr-FR" dirty="0"/>
-              <a:t>Diagramme de cas d’utilisation</a:t>
-            </a:r>
-          </a:p>
-          <a:p>
-            <a:pPr marL="285750" indent="-285750">
-              <a:buFontTx/>
-              <a:buChar char="-"/>
-            </a:pPr>
-            <a:r>
-              <a:rPr lang="fr-FR" dirty="0"/>
-              <a:t>Tâches personnelles</a:t>
-            </a:r>
-          </a:p>
-          <a:p>
-            <a:pPr marL="285750" indent="-285750">
-              <a:buFontTx/>
-              <a:buChar char="-"/>
-            </a:pPr>
-            <a:r>
-              <a:rPr lang="fr-FR" dirty="0"/>
-              <a:t>Schéma du réseau</a:t>
-            </a:r>
-          </a:p>
-          <a:p>
-            <a:pPr marL="285750" indent="-285750">
-              <a:buFontTx/>
-              <a:buChar char="-"/>
-            </a:pPr>
-            <a:endParaRPr lang="fr-FR" dirty="0"/>
-          </a:p>
-          <a:p>
-            <a:pPr marL="285750" indent="-285750">
-              <a:buFontTx/>
-              <a:buChar char="-"/>
-            </a:pPr>
-            <a:endParaRPr lang="fr-FR" dirty="0"/>
-          </a:p>
-        </p:txBody>
-      </p:sp>
-      <p:sp>
-        <p:nvSpPr>
-          <p:cNvPr id="5" name="ZoneTexte 4">
+            <a:r>
+              <a:rPr lang="fr-FR" sz="2400" dirty="0"/>
+              <a:t>1</a:t>
+            </a:r>
+          </a:p>
+        </p:txBody>
+      </p:sp>
+      <p:sp>
+        <p:nvSpPr>
+          <p:cNvPr id="6" name="Rectangle 5">
             <a:extLst>
               <a:ext uri="{FF2B5EF4-FFF2-40B4-BE49-F238E27FC236}">
-                <a16:creationId xmlns:a16="http://schemas.microsoft.com/office/drawing/2014/main" id="{B4346AE8-06F1-4AF8-B73E-A5CB37BACEEE}"/>
+                <a16:creationId xmlns:a16="http://schemas.microsoft.com/office/drawing/2014/main" id="{D051B061-A4B7-4AA2-825B-8E04CB85AFAB}"/>
+              </a:ext>
+            </a:extLst>
+          </p:cNvPr>
+          <p:cNvSpPr/>
+          <p:nvPr/>
+        </p:nvSpPr>
+        <p:spPr>
+          <a:xfrm rot="16200000">
+            <a:off x="5039583" y="-143241"/>
+            <a:ext cx="73154" cy="7282514"/>
+          </a:xfrm>
+          <a:prstGeom prst="rect">
+            <a:avLst/>
+          </a:prstGeom>
+          <a:solidFill>
+            <a:schemeClr val="accent4">
+              <a:lumMod val="60000"/>
+              <a:lumOff val="40000"/>
+            </a:schemeClr>
+          </a:solidFill>
+          <a:ln>
+            <a:noFill/>
+          </a:ln>
+        </p:spPr>
+        <p:style>
+          <a:lnRef idx="2">
+            <a:schemeClr val="accent1">
+              <a:shade val="50000"/>
+            </a:schemeClr>
+          </a:lnRef>
+          <a:fillRef idx="1">
+            <a:schemeClr val="accent1"/>
+          </a:fillRef>
+          <a:effectRef idx="0">
+            <a:schemeClr val="accent1"/>
+          </a:effectRef>
+          <a:fontRef idx="minor">
+            <a:schemeClr val="lt1"/>
+          </a:fontRef>
+        </p:style>
+        <p:txBody>
+          <a:bodyPr rtlCol="0" anchor="ctr"/>
+          <a:lstStyle/>
+          <a:p>
+            <a:pPr algn="ctr"/>
+            <a:endParaRPr lang="fr-FR"/>
+          </a:p>
+        </p:txBody>
+      </p:sp>
+      <p:sp>
+        <p:nvSpPr>
+          <p:cNvPr id="7" name="Ellipse 6">
+            <a:extLst>
+              <a:ext uri="{FF2B5EF4-FFF2-40B4-BE49-F238E27FC236}">
+                <a16:creationId xmlns:a16="http://schemas.microsoft.com/office/drawing/2014/main" id="{78C7F6E9-0A85-4507-B9E6-F1FF198A161E}"/>
+              </a:ext>
+            </a:extLst>
+          </p:cNvPr>
+          <p:cNvSpPr/>
+          <p:nvPr/>
+        </p:nvSpPr>
+        <p:spPr>
+          <a:xfrm>
+            <a:off x="1007322" y="3241074"/>
+            <a:ext cx="541861" cy="513884"/>
+          </a:xfrm>
+          <a:prstGeom prst="ellipse">
+            <a:avLst/>
+          </a:prstGeom>
+          <a:solidFill>
+            <a:schemeClr val="accent4">
+              <a:lumMod val="60000"/>
+              <a:lumOff val="40000"/>
+            </a:schemeClr>
+          </a:solidFill>
+          <a:ln>
+            <a:noFill/>
+          </a:ln>
+        </p:spPr>
+        <p:style>
+          <a:lnRef idx="2">
+            <a:schemeClr val="accent1">
+              <a:shade val="50000"/>
+            </a:schemeClr>
+          </a:lnRef>
+          <a:fillRef idx="1">
+            <a:schemeClr val="accent1"/>
+          </a:fillRef>
+          <a:effectRef idx="0">
+            <a:schemeClr val="accent1"/>
+          </a:effectRef>
+          <a:fontRef idx="minor">
+            <a:schemeClr val="lt1"/>
+          </a:fontRef>
+        </p:style>
+        <p:txBody>
+          <a:bodyPr rtlCol="0" anchor="ctr"/>
+          <a:lstStyle/>
+          <a:p>
+            <a:pPr algn="ctr"/>
+            <a:endParaRPr lang="fr-FR"/>
+          </a:p>
+        </p:txBody>
+      </p:sp>
+      <p:sp>
+        <p:nvSpPr>
+          <p:cNvPr id="21" name="Ellipse 20">
+            <a:extLst>
+              <a:ext uri="{FF2B5EF4-FFF2-40B4-BE49-F238E27FC236}">
+                <a16:creationId xmlns:a16="http://schemas.microsoft.com/office/drawing/2014/main" id="{EC82FEBD-6ED8-4863-8AE2-94C53C985DF2}"/>
+              </a:ext>
+            </a:extLst>
+          </p:cNvPr>
+          <p:cNvSpPr/>
+          <p:nvPr/>
+        </p:nvSpPr>
+        <p:spPr>
+          <a:xfrm>
+            <a:off x="3945678" y="3234799"/>
+            <a:ext cx="541861" cy="513884"/>
+          </a:xfrm>
+          <a:prstGeom prst="ellipse">
+            <a:avLst/>
+          </a:prstGeom>
+          <a:solidFill>
+            <a:schemeClr val="accent4">
+              <a:lumMod val="60000"/>
+              <a:lumOff val="40000"/>
+            </a:schemeClr>
+          </a:solidFill>
+          <a:ln>
+            <a:noFill/>
+          </a:ln>
+        </p:spPr>
+        <p:style>
+          <a:lnRef idx="2">
+            <a:schemeClr val="accent1">
+              <a:shade val="50000"/>
+            </a:schemeClr>
+          </a:lnRef>
+          <a:fillRef idx="1">
+            <a:schemeClr val="accent1"/>
+          </a:fillRef>
+          <a:effectRef idx="0">
+            <a:schemeClr val="accent1"/>
+          </a:effectRef>
+          <a:fontRef idx="minor">
+            <a:schemeClr val="lt1"/>
+          </a:fontRef>
+        </p:style>
+        <p:txBody>
+          <a:bodyPr rtlCol="0" anchor="ctr"/>
+          <a:lstStyle/>
+          <a:p>
+            <a:pPr algn="ctr"/>
+            <a:endParaRPr lang="fr-FR"/>
+          </a:p>
+        </p:txBody>
+      </p:sp>
+      <p:sp>
+        <p:nvSpPr>
+          <p:cNvPr id="22" name="Ellipse 21">
+            <a:extLst>
+              <a:ext uri="{FF2B5EF4-FFF2-40B4-BE49-F238E27FC236}">
+                <a16:creationId xmlns:a16="http://schemas.microsoft.com/office/drawing/2014/main" id="{7D7AD1E7-F0D0-4099-8A66-5BC4DD69439F}"/>
+              </a:ext>
+            </a:extLst>
+          </p:cNvPr>
+          <p:cNvSpPr/>
+          <p:nvPr/>
+        </p:nvSpPr>
+        <p:spPr>
+          <a:xfrm>
+            <a:off x="6096000" y="3241073"/>
+            <a:ext cx="541861" cy="513884"/>
+          </a:xfrm>
+          <a:prstGeom prst="ellipse">
+            <a:avLst/>
+          </a:prstGeom>
+          <a:solidFill>
+            <a:schemeClr val="accent4">
+              <a:lumMod val="60000"/>
+              <a:lumOff val="40000"/>
+            </a:schemeClr>
+          </a:solidFill>
+          <a:ln>
+            <a:noFill/>
+          </a:ln>
+        </p:spPr>
+        <p:style>
+          <a:lnRef idx="2">
+            <a:schemeClr val="accent1">
+              <a:shade val="50000"/>
+            </a:schemeClr>
+          </a:lnRef>
+          <a:fillRef idx="1">
+            <a:schemeClr val="accent1"/>
+          </a:fillRef>
+          <a:effectRef idx="0">
+            <a:schemeClr val="accent1"/>
+          </a:effectRef>
+          <a:fontRef idx="minor">
+            <a:schemeClr val="lt1"/>
+          </a:fontRef>
+        </p:style>
+        <p:txBody>
+          <a:bodyPr rtlCol="0" anchor="ctr"/>
+          <a:lstStyle/>
+          <a:p>
+            <a:pPr algn="ctr"/>
+            <a:endParaRPr lang="fr-FR"/>
+          </a:p>
+        </p:txBody>
+      </p:sp>
+      <p:sp>
+        <p:nvSpPr>
+          <p:cNvPr id="23" name="Ellipse 22">
+            <a:extLst>
+              <a:ext uri="{FF2B5EF4-FFF2-40B4-BE49-F238E27FC236}">
+                <a16:creationId xmlns:a16="http://schemas.microsoft.com/office/drawing/2014/main" id="{95A4D54A-0A4C-4E74-915D-65AFB3689F11}"/>
+              </a:ext>
+            </a:extLst>
+          </p:cNvPr>
+          <p:cNvSpPr/>
+          <p:nvPr/>
+        </p:nvSpPr>
+        <p:spPr>
+          <a:xfrm>
+            <a:off x="8246322" y="3241073"/>
+            <a:ext cx="541861" cy="513884"/>
+          </a:xfrm>
+          <a:prstGeom prst="ellipse">
+            <a:avLst/>
+          </a:prstGeom>
+          <a:solidFill>
+            <a:schemeClr val="accent4">
+              <a:lumMod val="60000"/>
+              <a:lumOff val="40000"/>
+            </a:schemeClr>
+          </a:solidFill>
+          <a:ln>
+            <a:noFill/>
+          </a:ln>
+        </p:spPr>
+        <p:style>
+          <a:lnRef idx="2">
+            <a:schemeClr val="accent1">
+              <a:shade val="50000"/>
+            </a:schemeClr>
+          </a:lnRef>
+          <a:fillRef idx="1">
+            <a:schemeClr val="accent1"/>
+          </a:fillRef>
+          <a:effectRef idx="0">
+            <a:schemeClr val="accent1"/>
+          </a:effectRef>
+          <a:fontRef idx="minor">
+            <a:schemeClr val="lt1"/>
+          </a:fontRef>
+        </p:style>
+        <p:txBody>
+          <a:bodyPr rtlCol="0" anchor="ctr"/>
+          <a:lstStyle/>
+          <a:p>
+            <a:pPr algn="ctr"/>
+            <a:endParaRPr lang="fr-FR"/>
+          </a:p>
+        </p:txBody>
+      </p:sp>
+      <p:sp>
+        <p:nvSpPr>
+          <p:cNvPr id="24" name="Organigramme : Terminateur 23">
+            <a:extLst>
+              <a:ext uri="{FF2B5EF4-FFF2-40B4-BE49-F238E27FC236}">
+                <a16:creationId xmlns:a16="http://schemas.microsoft.com/office/drawing/2014/main" id="{F310DB4D-1087-4AA8-8DBB-242733E1569F}"/>
+              </a:ext>
+            </a:extLst>
+          </p:cNvPr>
+          <p:cNvSpPr/>
+          <p:nvPr/>
+        </p:nvSpPr>
+        <p:spPr>
+          <a:xfrm rot="5400000">
+            <a:off x="2057400" y="3404625"/>
+            <a:ext cx="188499" cy="71437"/>
+          </a:xfrm>
+          <a:prstGeom prst="flowChartTerminator">
+            <a:avLst/>
+          </a:prstGeom>
+          <a:solidFill>
+            <a:schemeClr val="accent4">
+              <a:lumMod val="60000"/>
+              <a:lumOff val="40000"/>
+            </a:schemeClr>
+          </a:solidFill>
+          <a:ln>
+            <a:noFill/>
+          </a:ln>
+        </p:spPr>
+        <p:style>
+          <a:lnRef idx="2">
+            <a:schemeClr val="accent1">
+              <a:shade val="50000"/>
+            </a:schemeClr>
+          </a:lnRef>
+          <a:fillRef idx="1">
+            <a:schemeClr val="accent1"/>
+          </a:fillRef>
+          <a:effectRef idx="0">
+            <a:schemeClr val="accent1"/>
+          </a:effectRef>
+          <a:fontRef idx="minor">
+            <a:schemeClr val="lt1"/>
+          </a:fontRef>
+        </p:style>
+        <p:txBody>
+          <a:bodyPr rtlCol="0" anchor="ctr"/>
+          <a:lstStyle/>
+          <a:p>
+            <a:pPr algn="ctr"/>
+            <a:endParaRPr lang="fr-FR"/>
+          </a:p>
+        </p:txBody>
+      </p:sp>
+      <p:sp>
+        <p:nvSpPr>
+          <p:cNvPr id="25" name="Organigramme : Terminateur 24">
+            <a:extLst>
+              <a:ext uri="{FF2B5EF4-FFF2-40B4-BE49-F238E27FC236}">
+                <a16:creationId xmlns:a16="http://schemas.microsoft.com/office/drawing/2014/main" id="{EC5F55FE-8C33-4F39-9372-9E70C2C050CA}"/>
+              </a:ext>
+            </a:extLst>
+          </p:cNvPr>
+          <p:cNvSpPr/>
+          <p:nvPr/>
+        </p:nvSpPr>
+        <p:spPr>
+          <a:xfrm rot="5400000">
+            <a:off x="3263502" y="3404624"/>
+            <a:ext cx="188499" cy="71437"/>
+          </a:xfrm>
+          <a:prstGeom prst="flowChartTerminator">
+            <a:avLst/>
+          </a:prstGeom>
+          <a:solidFill>
+            <a:schemeClr val="accent4">
+              <a:lumMod val="60000"/>
+              <a:lumOff val="40000"/>
+            </a:schemeClr>
+          </a:solidFill>
+          <a:ln>
+            <a:noFill/>
+          </a:ln>
+        </p:spPr>
+        <p:style>
+          <a:lnRef idx="2">
+            <a:schemeClr val="accent1">
+              <a:shade val="50000"/>
+            </a:schemeClr>
+          </a:lnRef>
+          <a:fillRef idx="1">
+            <a:schemeClr val="accent1"/>
+          </a:fillRef>
+          <a:effectRef idx="0">
+            <a:schemeClr val="accent1"/>
+          </a:effectRef>
+          <a:fontRef idx="minor">
+            <a:schemeClr val="lt1"/>
+          </a:fontRef>
+        </p:style>
+        <p:txBody>
+          <a:bodyPr rtlCol="0" anchor="ctr"/>
+          <a:lstStyle/>
+          <a:p>
+            <a:pPr algn="ctr"/>
+            <a:endParaRPr lang="fr-FR"/>
+          </a:p>
+        </p:txBody>
+      </p:sp>
+      <p:sp>
+        <p:nvSpPr>
+          <p:cNvPr id="26" name="ZoneTexte 25">
+            <a:extLst>
+              <a:ext uri="{FF2B5EF4-FFF2-40B4-BE49-F238E27FC236}">
+                <a16:creationId xmlns:a16="http://schemas.microsoft.com/office/drawing/2014/main" id="{A74BC683-71FF-441E-AA11-E84195AC748F}"/>
               </a:ext>
             </a:extLst>
           </p:cNvPr>
@@ -7476,8 +7813,8 @@
         </p:nvSpPr>
         <p:spPr>
           <a:xfrm>
-            <a:off x="1" y="6378766"/>
-            <a:ext cx="429658" cy="461665"/>
+            <a:off x="519728" y="3808258"/>
+            <a:ext cx="1517047" cy="523220"/>
           </a:xfrm>
           <a:prstGeom prst="rect">
             <a:avLst/>
@@ -7490,9 +7827,190 @@
           </a:bodyPr>
           <a:lstStyle/>
           <a:p>
-            <a:r>
-              <a:rPr lang="fr-FR" sz="2400" dirty="0"/>
-              <a:t>1</a:t>
+            <a:pPr algn="ctr"/>
+            <a:r>
+              <a:rPr lang="fr-FR" sz="1400" dirty="0"/>
+              <a:t>Présentation du projet</a:t>
+            </a:r>
+          </a:p>
+        </p:txBody>
+      </p:sp>
+      <p:sp>
+        <p:nvSpPr>
+          <p:cNvPr id="27" name="ZoneTexte 26">
+            <a:extLst>
+              <a:ext uri="{FF2B5EF4-FFF2-40B4-BE49-F238E27FC236}">
+                <a16:creationId xmlns:a16="http://schemas.microsoft.com/office/drawing/2014/main" id="{F69360AA-CB45-4650-AC02-C250E985BAFA}"/>
+              </a:ext>
+            </a:extLst>
+          </p:cNvPr>
+          <p:cNvSpPr txBox="1"/>
+          <p:nvPr/>
+        </p:nvSpPr>
+        <p:spPr>
+          <a:xfrm>
+            <a:off x="7758728" y="3808258"/>
+            <a:ext cx="1517047" cy="523220"/>
+          </a:xfrm>
+          <a:prstGeom prst="rect">
+            <a:avLst/>
+          </a:prstGeom>
+          <a:noFill/>
+        </p:spPr>
+        <p:txBody>
+          <a:bodyPr wrap="square" rtlCol="0">
+            <a:spAutoFit/>
+          </a:bodyPr>
+          <a:lstStyle/>
+          <a:p>
+            <a:pPr algn="ctr"/>
+            <a:r>
+              <a:rPr lang="fr-FR" sz="1400" dirty="0"/>
+              <a:t>Schématisation réseau</a:t>
+            </a:r>
+          </a:p>
+        </p:txBody>
+      </p:sp>
+      <p:sp>
+        <p:nvSpPr>
+          <p:cNvPr id="28" name="ZoneTexte 27">
+            <a:extLst>
+              <a:ext uri="{FF2B5EF4-FFF2-40B4-BE49-F238E27FC236}">
+                <a16:creationId xmlns:a16="http://schemas.microsoft.com/office/drawing/2014/main" id="{00AEF183-EE62-44BE-BA2A-AA338B2A151F}"/>
+              </a:ext>
+            </a:extLst>
+          </p:cNvPr>
+          <p:cNvSpPr txBox="1"/>
+          <p:nvPr/>
+        </p:nvSpPr>
+        <p:spPr>
+          <a:xfrm>
+            <a:off x="5608406" y="3761502"/>
+            <a:ext cx="1517047" cy="523220"/>
+          </a:xfrm>
+          <a:prstGeom prst="rect">
+            <a:avLst/>
+          </a:prstGeom>
+          <a:noFill/>
+        </p:spPr>
+        <p:txBody>
+          <a:bodyPr wrap="square" rtlCol="0">
+            <a:spAutoFit/>
+          </a:bodyPr>
+          <a:lstStyle/>
+          <a:p>
+            <a:pPr algn="ctr"/>
+            <a:r>
+              <a:rPr lang="fr-FR" sz="1400" dirty="0"/>
+              <a:t>Tâches personnelles</a:t>
+            </a:r>
+          </a:p>
+        </p:txBody>
+      </p:sp>
+      <p:sp>
+        <p:nvSpPr>
+          <p:cNvPr id="29" name="ZoneTexte 28">
+            <a:extLst>
+              <a:ext uri="{FF2B5EF4-FFF2-40B4-BE49-F238E27FC236}">
+                <a16:creationId xmlns:a16="http://schemas.microsoft.com/office/drawing/2014/main" id="{8D0B310A-C689-4095-A865-791E0A6255EE}"/>
+              </a:ext>
+            </a:extLst>
+          </p:cNvPr>
+          <p:cNvSpPr txBox="1"/>
+          <p:nvPr/>
+        </p:nvSpPr>
+        <p:spPr>
+          <a:xfrm>
+            <a:off x="3458084" y="3791815"/>
+            <a:ext cx="1517047" cy="523220"/>
+          </a:xfrm>
+          <a:prstGeom prst="rect">
+            <a:avLst/>
+          </a:prstGeom>
+          <a:noFill/>
+        </p:spPr>
+        <p:txBody>
+          <a:bodyPr wrap="square" rtlCol="0">
+            <a:spAutoFit/>
+          </a:bodyPr>
+          <a:lstStyle/>
+          <a:p>
+            <a:pPr algn="ctr"/>
+            <a:r>
+              <a:rPr lang="fr-FR" sz="1400" dirty="0"/>
+              <a:t>Diagramme de cas d’utilisation</a:t>
+            </a:r>
+          </a:p>
+        </p:txBody>
+      </p:sp>
+      <p:sp>
+        <p:nvSpPr>
+          <p:cNvPr id="30" name="ZoneTexte 29">
+            <a:extLst>
+              <a:ext uri="{FF2B5EF4-FFF2-40B4-BE49-F238E27FC236}">
+                <a16:creationId xmlns:a16="http://schemas.microsoft.com/office/drawing/2014/main" id="{8B305012-7B1E-41BE-82CB-09FB8B1204B4}"/>
+              </a:ext>
+            </a:extLst>
+          </p:cNvPr>
+          <p:cNvSpPr txBox="1"/>
+          <p:nvPr/>
+        </p:nvSpPr>
+        <p:spPr>
+          <a:xfrm>
+            <a:off x="1434903" y="3042445"/>
+            <a:ext cx="1517047" cy="276999"/>
+          </a:xfrm>
+          <a:prstGeom prst="rect">
+            <a:avLst/>
+          </a:prstGeom>
+          <a:noFill/>
+        </p:spPr>
+        <p:txBody>
+          <a:bodyPr wrap="square" rtlCol="0">
+            <a:spAutoFit/>
+          </a:bodyPr>
+          <a:lstStyle/>
+          <a:p>
+            <a:pPr algn="ctr"/>
+            <a:r>
+              <a:rPr lang="fr-FR" sz="1200" dirty="0"/>
+              <a:t>Schéma global</a:t>
+            </a:r>
+          </a:p>
+        </p:txBody>
+      </p:sp>
+      <p:sp>
+        <p:nvSpPr>
+          <p:cNvPr id="31" name="ZoneTexte 30">
+            <a:extLst>
+              <a:ext uri="{FF2B5EF4-FFF2-40B4-BE49-F238E27FC236}">
+                <a16:creationId xmlns:a16="http://schemas.microsoft.com/office/drawing/2014/main" id="{B9152C4B-73B6-43A9-8D65-CD604044B7EA}"/>
+              </a:ext>
+            </a:extLst>
+          </p:cNvPr>
+          <p:cNvSpPr txBox="1"/>
+          <p:nvPr/>
+        </p:nvSpPr>
+        <p:spPr>
+          <a:xfrm>
+            <a:off x="2599227" y="2839730"/>
+            <a:ext cx="1517047" cy="461665"/>
+          </a:xfrm>
+          <a:prstGeom prst="rect">
+            <a:avLst/>
+          </a:prstGeom>
+          <a:noFill/>
+        </p:spPr>
+        <p:txBody>
+          <a:bodyPr wrap="square" rtlCol="0">
+            <a:spAutoFit/>
+          </a:bodyPr>
+          <a:lstStyle/>
+          <a:p>
+            <a:pPr algn="ctr"/>
+            <a:r>
+              <a:rPr lang="fr-FR" sz="1200" dirty="0"/>
+              <a:t>Schéma personnalisé</a:t>
             </a:r>
           </a:p>
         </p:txBody>
@@ -8384,14 +8902,14 @@
   <p:clrMapOvr>
     <a:masterClrMapping/>
   </p:clrMapOvr>
-  <mc:AlternateContent xmlns:mc="http://schemas.openxmlformats.org/markup-compatibility/2006" xmlns:p159="http://schemas.microsoft.com/office/powerpoint/2015/09/main">
-    <mc:Choice Requires="p159">
-      <p:transition xmlns:p14="http://schemas.microsoft.com/office/powerpoint/2010/main" spd="slow" p14:dur="2000">
-        <p159:morph option="byObject"/>
+  <mc:AlternateContent xmlns:mc="http://schemas.openxmlformats.org/markup-compatibility/2006">
+    <mc:Choice xmlns:p14="http://schemas.microsoft.com/office/powerpoint/2010/main" Requires="p14">
+      <p:transition spd="med" p14:dur="700">
+        <p:fade/>
       </p:transition>
     </mc:Choice>
-    <mc:Fallback xmlns="">
-      <p:transition spd="slow">
+    <mc:Fallback>
+      <p:transition spd="med">
         <p:fade/>
       </p:transition>
     </mc:Fallback>
@@ -9565,7 +10083,7 @@
         <p:spPr>
           <a:xfrm>
             <a:off x="2413071" y="143435"/>
-            <a:ext cx="6630345" cy="1077218"/>
+            <a:ext cx="6630345" cy="646331"/>
           </a:xfrm>
           <a:prstGeom prst="rect">
             <a:avLst/>
@@ -9613,16 +10131,22 @@
               <a:rPr lang="fr-FR" sz="3600" b="1" dirty="0">
                 <a:latin typeface="Eras Medium ITC" panose="020B0602030504020804" pitchFamily="34" charset="0"/>
               </a:rPr>
-              <a:t>Diagramme de cas d’utilisation : </a:t>
-            </a:r>
-            <a:r>
-              <a:rPr lang="fr-FR" sz="2800" b="1" dirty="0">
+              <a:t>Diagramme de </a:t>
+            </a:r>
+            <a:r>
+              <a:rPr lang="fr-FR" sz="3600" b="1" dirty="0">
                 <a:solidFill>
-                  <a:srgbClr val="A41258"/>
+                  <a:srgbClr val="A31257"/>
                 </a:solidFill>
                 <a:latin typeface="Eras Medium ITC" panose="020B0602030504020804" pitchFamily="34" charset="0"/>
               </a:rPr>
-              <a:t>Global</a:t>
+              <a:t>cas d’utilisation </a:t>
+            </a:r>
+            <a:r>
+              <a:rPr lang="fr-FR" sz="3600" b="1" dirty="0">
+                <a:latin typeface="Eras Medium ITC" panose="020B0602030504020804" pitchFamily="34" charset="0"/>
+              </a:rPr>
+              <a:t>: </a:t>
             </a:r>
             <a:endParaRPr lang="fr-FR" sz="3200" b="1" dirty="0">
               <a:solidFill>

--- a/Nathan/Compte-rendus/REVUE-R1-GUIGAND-SFL6.pptx
+++ b/Nathan/Compte-rendus/REVUE-R1-GUIGAND-SFL6.pptx
@@ -204,7 +204,7 @@
           <a:p>
             <a:fld id="{8F776215-2538-4AC2-BB65-76E63FC63770}" type="datetimeFigureOut">
               <a:rPr lang="fr-FR" smtClean="0"/>
-              <a:t>28/01/2020</a:t>
+              <a:t>29/01/2020</a:t>
             </a:fld>
             <a:endParaRPr lang="fr-FR"/>
           </a:p>
@@ -1194,7 +1194,7 @@
             <a:fld id="{B61BEF0D-F0BB-DE4B-95CE-6DB70DBA9567}" type="datetimeFigureOut">
               <a:rPr lang="en-US" smtClean="0"/>
               <a:pPr/>
-              <a:t>1/28/2020</a:t>
+              <a:t>1/29/2020</a:t>
             </a:fld>
             <a:endParaRPr lang="en-US" dirty="0"/>
           </a:p>
@@ -1442,7 +1442,7 @@
             <a:fld id="{B61BEF0D-F0BB-DE4B-95CE-6DB70DBA9567}" type="datetimeFigureOut">
               <a:rPr lang="en-US" smtClean="0"/>
               <a:pPr/>
-              <a:t>1/28/2020</a:t>
+              <a:t>1/29/2020</a:t>
             </a:fld>
             <a:endParaRPr lang="en-US" dirty="0"/>
           </a:p>
@@ -1753,7 +1753,7 @@
             <a:fld id="{B61BEF0D-F0BB-DE4B-95CE-6DB70DBA9567}" type="datetimeFigureOut">
               <a:rPr lang="en-US" smtClean="0"/>
               <a:pPr/>
-              <a:t>1/28/2020</a:t>
+              <a:t>1/29/2020</a:t>
             </a:fld>
             <a:endParaRPr lang="en-US" dirty="0"/>
           </a:p>
@@ -2091,7 +2091,7 @@
             <a:fld id="{B61BEF0D-F0BB-DE4B-95CE-6DB70DBA9567}" type="datetimeFigureOut">
               <a:rPr lang="en-US" smtClean="0"/>
               <a:pPr/>
-              <a:t>1/28/2020</a:t>
+              <a:t>1/29/2020</a:t>
             </a:fld>
             <a:endParaRPr lang="en-US" dirty="0"/>
           </a:p>
@@ -2402,7 +2402,7 @@
             <a:fld id="{B61BEF0D-F0BB-DE4B-95CE-6DB70DBA9567}" type="datetimeFigureOut">
               <a:rPr lang="en-US" smtClean="0"/>
               <a:pPr/>
-              <a:t>1/28/2020</a:t>
+              <a:t>1/29/2020</a:t>
             </a:fld>
             <a:endParaRPr lang="en-US" dirty="0"/>
           </a:p>
@@ -2792,7 +2792,7 @@
             <a:fld id="{B61BEF0D-F0BB-DE4B-95CE-6DB70DBA9567}" type="datetimeFigureOut">
               <a:rPr lang="en-US" smtClean="0"/>
               <a:pPr/>
-              <a:t>1/28/2020</a:t>
+              <a:t>1/29/2020</a:t>
             </a:fld>
             <a:endParaRPr lang="en-US" dirty="0"/>
           </a:p>
@@ -2958,7 +2958,7 @@
           <a:p>
             <a:fld id="{55C6B4A9-1611-4792-9094-5F34BCA07E0B}" type="datetimeFigureOut">
               <a:rPr lang="en-US" smtClean="0"/>
-              <a:t>1/28/2020</a:t>
+              <a:t>1/29/2020</a:t>
             </a:fld>
             <a:endParaRPr lang="en-US" dirty="0"/>
           </a:p>
@@ -3134,7 +3134,7 @@
             <a:fld id="{B61BEF0D-F0BB-DE4B-95CE-6DB70DBA9567}" type="datetimeFigureOut">
               <a:rPr lang="en-US" smtClean="0"/>
               <a:pPr/>
-              <a:t>1/28/2020</a:t>
+              <a:t>1/29/2020</a:t>
             </a:fld>
             <a:endParaRPr lang="en-US" dirty="0"/>
           </a:p>
@@ -3307,7 +3307,7 @@
             <a:fld id="{B61BEF0D-F0BB-DE4B-95CE-6DB70DBA9567}" type="datetimeFigureOut">
               <a:rPr lang="en-US" smtClean="0"/>
               <a:pPr/>
-              <a:t>1/28/2020</a:t>
+              <a:t>1/29/2020</a:t>
             </a:fld>
             <a:endParaRPr lang="en-US" dirty="0"/>
           </a:p>
@@ -3551,7 +3551,7 @@
             <a:fld id="{B61BEF0D-F0BB-DE4B-95CE-6DB70DBA9567}" type="datetimeFigureOut">
               <a:rPr lang="en-US" smtClean="0"/>
               <a:pPr/>
-              <a:t>1/28/2020</a:t>
+              <a:t>1/29/2020</a:t>
             </a:fld>
             <a:endParaRPr lang="en-US" dirty="0"/>
           </a:p>
@@ -3779,7 +3779,7 @@
           <a:p>
             <a:fld id="{EB712588-04B1-427B-82EE-E8DB90309F08}" type="datetimeFigureOut">
               <a:rPr lang="en-US" smtClean="0"/>
-              <a:t>1/28/2020</a:t>
+              <a:t>1/29/2020</a:t>
             </a:fld>
             <a:endParaRPr lang="en-US" dirty="0"/>
           </a:p>
@@ -4149,7 +4149,7 @@
             <a:fld id="{B61BEF0D-F0BB-DE4B-95CE-6DB70DBA9567}" type="datetimeFigureOut">
               <a:rPr lang="en-US" smtClean="0"/>
               <a:pPr/>
-              <a:t>1/28/2020</a:t>
+              <a:t>1/29/2020</a:t>
             </a:fld>
             <a:endParaRPr lang="en-US" dirty="0"/>
           </a:p>
@@ -4269,7 +4269,7 @@
             <a:fld id="{B61BEF0D-F0BB-DE4B-95CE-6DB70DBA9567}" type="datetimeFigureOut">
               <a:rPr lang="en-US" smtClean="0"/>
               <a:pPr/>
-              <a:t>1/28/2020</a:t>
+              <a:t>1/29/2020</a:t>
             </a:fld>
             <a:endParaRPr lang="en-US" dirty="0"/>
           </a:p>
@@ -4361,7 +4361,7 @@
             <a:fld id="{B61BEF0D-F0BB-DE4B-95CE-6DB70DBA9567}" type="datetimeFigureOut">
               <a:rPr lang="en-US" smtClean="0"/>
               <a:pPr/>
-              <a:t>1/28/2020</a:t>
+              <a:t>1/29/2020</a:t>
             </a:fld>
             <a:endParaRPr lang="en-US" dirty="0"/>
           </a:p>
@@ -4612,7 +4612,7 @@
           <a:p>
             <a:fld id="{42A54C80-263E-416B-A8E0-580EDEADCBDC}" type="datetimeFigureOut">
               <a:rPr lang="en-US" smtClean="0"/>
-              <a:t>1/28/2020</a:t>
+              <a:t>1/29/2020</a:t>
             </a:fld>
             <a:endParaRPr lang="en-US" dirty="0"/>
           </a:p>
@@ -4871,7 +4871,7 @@
             <a:fld id="{B61BEF0D-F0BB-DE4B-95CE-6DB70DBA9567}" type="datetimeFigureOut">
               <a:rPr lang="en-US" smtClean="0"/>
               <a:pPr/>
-              <a:t>1/28/2020</a:t>
+              <a:t>1/29/2020</a:t>
             </a:fld>
             <a:endParaRPr lang="en-US" dirty="0"/>
           </a:p>
@@ -5611,7 +5611,7 @@
             <a:fld id="{B61BEF0D-F0BB-DE4B-95CE-6DB70DBA9567}" type="datetimeFigureOut">
               <a:rPr lang="en-US" smtClean="0"/>
               <a:pPr/>
-              <a:t>1/28/2020</a:t>
+              <a:t>1/29/2020</a:t>
             </a:fld>
             <a:endParaRPr lang="en-US" dirty="0"/>
           </a:p>
@@ -7441,7 +7441,9 @@
             </a:schemeClr>
           </a:solidFill>
           <a:ln>
-            <a:noFill/>
+            <a:solidFill>
+              <a:srgbClr val="E4BB46"/>
+            </a:solidFill>
           </a:ln>
         </p:spPr>
         <p:style>
@@ -7496,7 +7498,9 @@
             </a:schemeClr>
           </a:solidFill>
           <a:ln>
-            <a:noFill/>
+            <a:solidFill>
+              <a:srgbClr val="E4BB46"/>
+            </a:solidFill>
           </a:ln>
         </p:spPr>
         <p:style>
@@ -7551,7 +7555,9 @@
             </a:schemeClr>
           </a:solidFill>
           <a:ln>
-            <a:noFill/>
+            <a:solidFill>
+              <a:srgbClr val="E4BB46"/>
+            </a:solidFill>
           </a:ln>
         </p:spPr>
         <p:style>
@@ -7606,7 +7612,9 @@
             </a:schemeClr>
           </a:solidFill>
           <a:ln>
-            <a:noFill/>
+            <a:solidFill>
+              <a:srgbClr val="E4BB46"/>
+            </a:solidFill>
           </a:ln>
         </p:spPr>
         <p:style>
@@ -7661,7 +7669,9 @@
             </a:schemeClr>
           </a:solidFill>
           <a:ln>
-            <a:noFill/>
+            <a:solidFill>
+              <a:srgbClr val="E4BB46"/>
+            </a:solidFill>
           </a:ln>
         </p:spPr>
         <p:style>
@@ -7716,7 +7726,9 @@
             </a:schemeClr>
           </a:solidFill>
           <a:ln>
-            <a:noFill/>
+            <a:solidFill>
+              <a:srgbClr val="E4BB46"/>
+            </a:solidFill>
           </a:ln>
         </p:spPr>
         <p:style>
@@ -7771,7 +7783,9 @@
             </a:schemeClr>
           </a:solidFill>
           <a:ln>
-            <a:noFill/>
+            <a:solidFill>
+              <a:srgbClr val="E4BB46"/>
+            </a:solidFill>
           </a:ln>
         </p:spPr>
         <p:style>
@@ -8057,6 +8071,60 @@
           <a:chExt cx="0" cy="0"/>
         </a:xfrm>
       </p:grpSpPr>
+      <p:sp>
+        <p:nvSpPr>
+          <p:cNvPr id="15" name="Organigramme : Terminateur 14">
+            <a:extLst>
+              <a:ext uri="{FF2B5EF4-FFF2-40B4-BE49-F238E27FC236}">
+                <a16:creationId xmlns:a16="http://schemas.microsoft.com/office/drawing/2014/main" id="{DEF7F1BD-53A2-411D-9DC1-226DB21C959D}"/>
+              </a:ext>
+            </a:extLst>
+          </p:cNvPr>
+          <p:cNvSpPr/>
+          <p:nvPr/>
+        </p:nvSpPr>
+        <p:spPr>
+          <a:xfrm>
+            <a:off x="11562541" y="1448372"/>
+            <a:ext cx="188499" cy="71437"/>
+          </a:xfrm>
+          <a:prstGeom prst="flowChartTerminator">
+            <a:avLst/>
+          </a:prstGeom>
+          <a:solidFill>
+            <a:srgbClr val="A31257"/>
+          </a:solidFill>
+          <a:ln>
+            <a:solidFill>
+              <a:schemeClr val="bg1"/>
+            </a:solidFill>
+          </a:ln>
+        </p:spPr>
+        <p:style>
+          <a:lnRef idx="2">
+            <a:schemeClr val="accent1">
+              <a:shade val="50000"/>
+            </a:schemeClr>
+          </a:lnRef>
+          <a:fillRef idx="1">
+            <a:schemeClr val="accent1"/>
+          </a:fillRef>
+          <a:effectRef idx="0">
+            <a:schemeClr val="accent1"/>
+          </a:effectRef>
+          <a:fontRef idx="minor">
+            <a:schemeClr val="lt1"/>
+          </a:fontRef>
+        </p:style>
+        <p:txBody>
+          <a:bodyPr rtlCol="0" anchor="ctr"/>
+          <a:lstStyle/>
+          <a:p>
+            <a:pPr algn="ctr"/>
+            <a:endParaRPr lang="fr-FR"/>
+          </a:p>
+        </p:txBody>
+      </p:sp>
       <p:pic>
         <p:nvPicPr>
           <p:cNvPr id="1026" name="Picture 2" descr="Image associée">
@@ -8276,7 +8344,9 @@
             <a:schemeClr val="bg1"/>
           </a:solidFill>
           <a:ln>
-            <a:noFill/>
+            <a:solidFill>
+              <a:schemeClr val="bg1"/>
+            </a:solidFill>
           </a:ln>
         </p:spPr>
         <p:style>
@@ -8306,10 +8376,10 @@
       </p:sp>
       <p:sp>
         <p:nvSpPr>
-          <p:cNvPr id="9" name="Ellipse 8">
+          <p:cNvPr id="12" name="Ellipse 11">
             <a:extLst>
               <a:ext uri="{FF2B5EF4-FFF2-40B4-BE49-F238E27FC236}">
-                <a16:creationId xmlns:a16="http://schemas.microsoft.com/office/drawing/2014/main" id="{CE87EE90-A0D4-4C9A-8C57-2C006C6BB615}"/>
+                <a16:creationId xmlns:a16="http://schemas.microsoft.com/office/drawing/2014/main" id="{ED821AF8-1866-4DB0-B4A6-1667763CCAC1}"/>
               </a:ext>
             </a:extLst>
           </p:cNvPr>
@@ -8318,17 +8388,19 @@
         </p:nvSpPr>
         <p:spPr>
           <a:xfrm>
-            <a:off x="11530584" y="570246"/>
+            <a:off x="11530583" y="2798334"/>
             <a:ext cx="400813" cy="366747"/>
           </a:xfrm>
           <a:prstGeom prst="ellipse">
             <a:avLst/>
           </a:prstGeom>
           <a:solidFill>
-            <a:srgbClr val="009900"/>
+            <a:schemeClr val="bg1"/>
           </a:solidFill>
           <a:ln>
-            <a:noFill/>
+            <a:solidFill>
+              <a:schemeClr val="bg1"/>
+            </a:solidFill>
           </a:ln>
         </p:spPr>
         <p:style>
@@ -8358,10 +8430,10 @@
       </p:sp>
       <p:sp>
         <p:nvSpPr>
-          <p:cNvPr id="12" name="Ellipse 11">
+          <p:cNvPr id="13" name="Ellipse 12">
             <a:extLst>
               <a:ext uri="{FF2B5EF4-FFF2-40B4-BE49-F238E27FC236}">
-                <a16:creationId xmlns:a16="http://schemas.microsoft.com/office/drawing/2014/main" id="{ED821AF8-1866-4DB0-B4A6-1667763CCAC1}"/>
+                <a16:creationId xmlns:a16="http://schemas.microsoft.com/office/drawing/2014/main" id="{F02ECFAD-820A-4940-8ABC-B95DE3252CE2}"/>
               </a:ext>
             </a:extLst>
           </p:cNvPr>
@@ -8370,7 +8442,7 @@
         </p:nvSpPr>
         <p:spPr>
           <a:xfrm>
-            <a:off x="11530583" y="2798334"/>
+            <a:off x="11530582" y="4331478"/>
             <a:ext cx="400813" cy="366747"/>
           </a:xfrm>
           <a:prstGeom prst="ellipse">
@@ -8380,7 +8452,9 @@
             <a:schemeClr val="bg1"/>
           </a:solidFill>
           <a:ln>
-            <a:noFill/>
+            <a:solidFill>
+              <a:schemeClr val="bg1"/>
+            </a:solidFill>
           </a:ln>
         </p:spPr>
         <p:style>
@@ -8410,10 +8484,10 @@
       </p:sp>
       <p:sp>
         <p:nvSpPr>
-          <p:cNvPr id="13" name="Ellipse 12">
+          <p:cNvPr id="14" name="Ellipse 13">
             <a:extLst>
               <a:ext uri="{FF2B5EF4-FFF2-40B4-BE49-F238E27FC236}">
-                <a16:creationId xmlns:a16="http://schemas.microsoft.com/office/drawing/2014/main" id="{F02ECFAD-820A-4940-8ABC-B95DE3252CE2}"/>
+                <a16:creationId xmlns:a16="http://schemas.microsoft.com/office/drawing/2014/main" id="{4B69E0F2-2894-43B2-AE2F-FEC209C7AC33}"/>
               </a:ext>
             </a:extLst>
           </p:cNvPr>
@@ -8422,7 +8496,7 @@
         </p:nvSpPr>
         <p:spPr>
           <a:xfrm>
-            <a:off x="11530582" y="4331478"/>
+            <a:off x="11530581" y="5863858"/>
             <a:ext cx="400813" cy="366747"/>
           </a:xfrm>
           <a:prstGeom prst="ellipse">
@@ -8432,7 +8506,9 @@
             <a:schemeClr val="bg1"/>
           </a:solidFill>
           <a:ln>
-            <a:noFill/>
+            <a:solidFill>
+              <a:schemeClr val="bg1"/>
+            </a:solidFill>
           </a:ln>
         </p:spPr>
         <p:style>
@@ -8462,10 +8538,10 @@
       </p:sp>
       <p:sp>
         <p:nvSpPr>
-          <p:cNvPr id="14" name="Ellipse 13">
+          <p:cNvPr id="17" name="Organigramme : Terminateur 16">
             <a:extLst>
               <a:ext uri="{FF2B5EF4-FFF2-40B4-BE49-F238E27FC236}">
-                <a16:creationId xmlns:a16="http://schemas.microsoft.com/office/drawing/2014/main" id="{4B69E0F2-2894-43B2-AE2F-FEC209C7AC33}"/>
+                <a16:creationId xmlns:a16="http://schemas.microsoft.com/office/drawing/2014/main" id="{72E41086-A62D-4CF5-B7DB-B0A89BC049A2}"/>
               </a:ext>
             </a:extLst>
           </p:cNvPr>
@@ -8474,17 +8550,19 @@
         </p:nvSpPr>
         <p:spPr>
           <a:xfrm>
-            <a:off x="11530581" y="5863858"/>
-            <a:ext cx="400813" cy="366747"/>
-          </a:xfrm>
-          <a:prstGeom prst="ellipse">
+            <a:off x="11570685" y="2179226"/>
+            <a:ext cx="188499" cy="71437"/>
+          </a:xfrm>
+          <a:prstGeom prst="flowChartTerminator">
             <a:avLst/>
           </a:prstGeom>
           <a:solidFill>
             <a:schemeClr val="bg1"/>
           </a:solidFill>
           <a:ln>
-            <a:noFill/>
+            <a:solidFill>
+              <a:schemeClr val="bg1"/>
+            </a:solidFill>
           </a:ln>
         </p:spPr>
         <p:style>
@@ -8514,10 +8592,234 @@
       </p:sp>
       <p:sp>
         <p:nvSpPr>
-          <p:cNvPr id="15" name="Organigramme : Terminateur 14">
+          <p:cNvPr id="16" name="ZoneTexte 15">
             <a:extLst>
               <a:ext uri="{FF2B5EF4-FFF2-40B4-BE49-F238E27FC236}">
-                <a16:creationId xmlns:a16="http://schemas.microsoft.com/office/drawing/2014/main" id="{DEF7F1BD-53A2-411D-9DC1-226DB21C959D}"/>
+                <a16:creationId xmlns:a16="http://schemas.microsoft.com/office/drawing/2014/main" id="{F7857BB6-E342-4747-9425-F3E9DD2ADBD3}"/>
+              </a:ext>
+            </a:extLst>
+          </p:cNvPr>
+          <p:cNvSpPr txBox="1"/>
+          <p:nvPr/>
+        </p:nvSpPr>
+        <p:spPr>
+          <a:xfrm>
+            <a:off x="10197081" y="537591"/>
+            <a:ext cx="1333500" cy="430887"/>
+          </a:xfrm>
+          <a:prstGeom prst="rect">
+            <a:avLst/>
+          </a:prstGeom>
+          <a:noFill/>
+        </p:spPr>
+        <p:txBody>
+          <a:bodyPr wrap="square" rtlCol="0">
+            <a:spAutoFit/>
+          </a:bodyPr>
+          <a:lstStyle/>
+          <a:p>
+            <a:pPr algn="r"/>
+            <a:r>
+              <a:rPr lang="fr-FR" sz="1100" dirty="0">
+                <a:solidFill>
+                  <a:srgbClr val="A41258"/>
+                </a:solidFill>
+              </a:rPr>
+              <a:t>Présentation du projet</a:t>
+            </a:r>
+          </a:p>
+        </p:txBody>
+      </p:sp>
+      <p:sp>
+        <p:nvSpPr>
+          <p:cNvPr id="19" name="ZoneTexte 18">
+            <a:extLst>
+              <a:ext uri="{FF2B5EF4-FFF2-40B4-BE49-F238E27FC236}">
+                <a16:creationId xmlns:a16="http://schemas.microsoft.com/office/drawing/2014/main" id="{C6736818-D057-4050-AB8A-3E2BF2159972}"/>
+              </a:ext>
+            </a:extLst>
+          </p:cNvPr>
+          <p:cNvSpPr txBox="1"/>
+          <p:nvPr/>
+        </p:nvSpPr>
+        <p:spPr>
+          <a:xfrm>
+            <a:off x="10295358" y="1353285"/>
+            <a:ext cx="1275327" cy="261610"/>
+          </a:xfrm>
+          <a:prstGeom prst="rect">
+            <a:avLst/>
+          </a:prstGeom>
+          <a:noFill/>
+        </p:spPr>
+        <p:txBody>
+          <a:bodyPr wrap="square" rtlCol="0">
+            <a:spAutoFit/>
+          </a:bodyPr>
+          <a:lstStyle/>
+          <a:p>
+            <a:pPr algn="r"/>
+            <a:r>
+              <a:rPr lang="fr-FR" sz="1100" dirty="0">
+                <a:solidFill>
+                  <a:srgbClr val="A41258"/>
+                </a:solidFill>
+              </a:rPr>
+              <a:t>Schéma global</a:t>
+            </a:r>
+          </a:p>
+        </p:txBody>
+      </p:sp>
+      <p:sp>
+        <p:nvSpPr>
+          <p:cNvPr id="20" name="ZoneTexte 19">
+            <a:extLst>
+              <a:ext uri="{FF2B5EF4-FFF2-40B4-BE49-F238E27FC236}">
+                <a16:creationId xmlns:a16="http://schemas.microsoft.com/office/drawing/2014/main" id="{0B188E82-C6B7-41B1-9126-48E05395D719}"/>
+              </a:ext>
+            </a:extLst>
+          </p:cNvPr>
+          <p:cNvSpPr txBox="1"/>
+          <p:nvPr/>
+        </p:nvSpPr>
+        <p:spPr>
+          <a:xfrm>
+            <a:off x="10295358" y="2019390"/>
+            <a:ext cx="1333500" cy="430887"/>
+          </a:xfrm>
+          <a:prstGeom prst="rect">
+            <a:avLst/>
+          </a:prstGeom>
+          <a:noFill/>
+        </p:spPr>
+        <p:txBody>
+          <a:bodyPr wrap="square" rtlCol="0">
+            <a:spAutoFit/>
+          </a:bodyPr>
+          <a:lstStyle/>
+          <a:p>
+            <a:pPr algn="r"/>
+            <a:r>
+              <a:rPr lang="fr-FR" sz="1100" dirty="0"/>
+              <a:t>Schéma personnalisé</a:t>
+            </a:r>
+          </a:p>
+        </p:txBody>
+      </p:sp>
+      <p:sp>
+        <p:nvSpPr>
+          <p:cNvPr id="21" name="ZoneTexte 20">
+            <a:extLst>
+              <a:ext uri="{FF2B5EF4-FFF2-40B4-BE49-F238E27FC236}">
+                <a16:creationId xmlns:a16="http://schemas.microsoft.com/office/drawing/2014/main" id="{B73674D9-0F33-4F62-AAF0-71E9D2157F16}"/>
+              </a:ext>
+            </a:extLst>
+          </p:cNvPr>
+          <p:cNvSpPr txBox="1"/>
+          <p:nvPr/>
+        </p:nvSpPr>
+        <p:spPr>
+          <a:xfrm>
+            <a:off x="10237185" y="2754095"/>
+            <a:ext cx="1333500" cy="430887"/>
+          </a:xfrm>
+          <a:prstGeom prst="rect">
+            <a:avLst/>
+          </a:prstGeom>
+          <a:noFill/>
+        </p:spPr>
+        <p:txBody>
+          <a:bodyPr wrap="square" rtlCol="0">
+            <a:spAutoFit/>
+          </a:bodyPr>
+          <a:lstStyle/>
+          <a:p>
+            <a:pPr algn="r"/>
+            <a:r>
+              <a:rPr lang="fr-FR" sz="1100" dirty="0"/>
+              <a:t>Diagramme de cas d’utilisation</a:t>
+            </a:r>
+          </a:p>
+        </p:txBody>
+      </p:sp>
+      <p:sp>
+        <p:nvSpPr>
+          <p:cNvPr id="22" name="ZoneTexte 21">
+            <a:extLst>
+              <a:ext uri="{FF2B5EF4-FFF2-40B4-BE49-F238E27FC236}">
+                <a16:creationId xmlns:a16="http://schemas.microsoft.com/office/drawing/2014/main" id="{DEAD97CF-35B4-47D2-A8F5-6CF8BEA2A11E}"/>
+              </a:ext>
+            </a:extLst>
+          </p:cNvPr>
+          <p:cNvSpPr txBox="1"/>
+          <p:nvPr/>
+        </p:nvSpPr>
+        <p:spPr>
+          <a:xfrm>
+            <a:off x="10053638" y="4383664"/>
+            <a:ext cx="1517047" cy="261610"/>
+          </a:xfrm>
+          <a:prstGeom prst="rect">
+            <a:avLst/>
+          </a:prstGeom>
+          <a:noFill/>
+        </p:spPr>
+        <p:txBody>
+          <a:bodyPr wrap="square" rtlCol="0">
+            <a:spAutoFit/>
+          </a:bodyPr>
+          <a:lstStyle/>
+          <a:p>
+            <a:pPr algn="r"/>
+            <a:r>
+              <a:rPr lang="fr-FR" sz="1100" dirty="0"/>
+              <a:t>Tâches personnelles</a:t>
+            </a:r>
+          </a:p>
+        </p:txBody>
+      </p:sp>
+      <p:sp>
+        <p:nvSpPr>
+          <p:cNvPr id="23" name="ZoneTexte 22">
+            <a:extLst>
+              <a:ext uri="{FF2B5EF4-FFF2-40B4-BE49-F238E27FC236}">
+                <a16:creationId xmlns:a16="http://schemas.microsoft.com/office/drawing/2014/main" id="{71739D9E-A1F1-463A-85C4-42077288343B}"/>
+              </a:ext>
+            </a:extLst>
+          </p:cNvPr>
+          <p:cNvSpPr txBox="1"/>
+          <p:nvPr/>
+        </p:nvSpPr>
+        <p:spPr>
+          <a:xfrm>
+            <a:off x="9953723" y="5916426"/>
+            <a:ext cx="1616962" cy="261610"/>
+          </a:xfrm>
+          <a:prstGeom prst="rect">
+            <a:avLst/>
+          </a:prstGeom>
+          <a:noFill/>
+        </p:spPr>
+        <p:txBody>
+          <a:bodyPr wrap="square" rtlCol="0">
+            <a:spAutoFit/>
+          </a:bodyPr>
+          <a:lstStyle/>
+          <a:p>
+            <a:pPr algn="r"/>
+            <a:r>
+              <a:rPr lang="fr-FR" sz="1100" dirty="0"/>
+              <a:t>Schématisation réseau</a:t>
+            </a:r>
+          </a:p>
+        </p:txBody>
+      </p:sp>
+      <p:sp>
+        <p:nvSpPr>
+          <p:cNvPr id="24" name="Rectangle 23">
+            <a:extLst>
+              <a:ext uri="{FF2B5EF4-FFF2-40B4-BE49-F238E27FC236}">
+                <a16:creationId xmlns:a16="http://schemas.microsoft.com/office/drawing/2014/main" id="{C08116EC-1234-49A5-8D9C-4AF2CACB360A}"/>
               </a:ext>
             </a:extLst>
           </p:cNvPr>
@@ -8526,14 +8828,14 @@
         </p:nvSpPr>
         <p:spPr>
           <a:xfrm>
-            <a:off x="11562541" y="1448372"/>
-            <a:ext cx="188499" cy="71437"/>
-          </a:xfrm>
-          <a:prstGeom prst="flowChartTerminator">
+            <a:off x="11695175" y="627394"/>
+            <a:ext cx="64009" cy="892415"/>
+          </a:xfrm>
+          <a:prstGeom prst="rect">
             <a:avLst/>
           </a:prstGeom>
           <a:solidFill>
-            <a:srgbClr val="009900"/>
+            <a:srgbClr val="A31257"/>
           </a:solidFill>
           <a:ln>
             <a:noFill/>
@@ -8566,10 +8868,10 @@
       </p:sp>
       <p:sp>
         <p:nvSpPr>
-          <p:cNvPr id="17" name="Organigramme : Terminateur 16">
+          <p:cNvPr id="9" name="Ellipse 8">
             <a:extLst>
               <a:ext uri="{FF2B5EF4-FFF2-40B4-BE49-F238E27FC236}">
-                <a16:creationId xmlns:a16="http://schemas.microsoft.com/office/drawing/2014/main" id="{72E41086-A62D-4CF5-B7DB-B0A89BC049A2}"/>
+                <a16:creationId xmlns:a16="http://schemas.microsoft.com/office/drawing/2014/main" id="{CE87EE90-A0D4-4C9A-8C57-2C006C6BB615}"/>
               </a:ext>
             </a:extLst>
           </p:cNvPr>
@@ -8578,17 +8880,19 @@
         </p:nvSpPr>
         <p:spPr>
           <a:xfrm>
-            <a:off x="11570685" y="2179226"/>
-            <a:ext cx="188499" cy="71437"/>
-          </a:xfrm>
-          <a:prstGeom prst="flowChartTerminator">
+            <a:off x="11530584" y="570246"/>
+            <a:ext cx="400813" cy="366747"/>
+          </a:xfrm>
+          <a:prstGeom prst="ellipse">
             <a:avLst/>
           </a:prstGeom>
           <a:solidFill>
-            <a:schemeClr val="bg1"/>
+            <a:srgbClr val="A31257"/>
           </a:solidFill>
           <a:ln>
-            <a:noFill/>
+            <a:solidFill>
+              <a:schemeClr val="bg1"/>
+            </a:solidFill>
           </a:ln>
         </p:spPr>
         <p:style>
@@ -8616,282 +8920,6 @@
           </a:p>
         </p:txBody>
       </p:sp>
-      <p:sp>
-        <p:nvSpPr>
-          <p:cNvPr id="16" name="ZoneTexte 15">
-            <a:extLst>
-              <a:ext uri="{FF2B5EF4-FFF2-40B4-BE49-F238E27FC236}">
-                <a16:creationId xmlns:a16="http://schemas.microsoft.com/office/drawing/2014/main" id="{F7857BB6-E342-4747-9425-F3E9DD2ADBD3}"/>
-              </a:ext>
-            </a:extLst>
-          </p:cNvPr>
-          <p:cNvSpPr txBox="1"/>
-          <p:nvPr/>
-        </p:nvSpPr>
-        <p:spPr>
-          <a:xfrm>
-            <a:off x="10197081" y="537591"/>
-            <a:ext cx="1333500" cy="430887"/>
-          </a:xfrm>
-          <a:prstGeom prst="rect">
-            <a:avLst/>
-          </a:prstGeom>
-          <a:noFill/>
-        </p:spPr>
-        <p:txBody>
-          <a:bodyPr wrap="square" rtlCol="0">
-            <a:spAutoFit/>
-          </a:bodyPr>
-          <a:lstStyle/>
-          <a:p>
-            <a:pPr algn="r"/>
-            <a:r>
-              <a:rPr lang="fr-FR" sz="1100" dirty="0">
-                <a:solidFill>
-                  <a:srgbClr val="A41258"/>
-                </a:solidFill>
-              </a:rPr>
-              <a:t>Présentation du projet</a:t>
-            </a:r>
-          </a:p>
-        </p:txBody>
-      </p:sp>
-      <p:sp>
-        <p:nvSpPr>
-          <p:cNvPr id="19" name="ZoneTexte 18">
-            <a:extLst>
-              <a:ext uri="{FF2B5EF4-FFF2-40B4-BE49-F238E27FC236}">
-                <a16:creationId xmlns:a16="http://schemas.microsoft.com/office/drawing/2014/main" id="{C6736818-D057-4050-AB8A-3E2BF2159972}"/>
-              </a:ext>
-            </a:extLst>
-          </p:cNvPr>
-          <p:cNvSpPr txBox="1"/>
-          <p:nvPr/>
-        </p:nvSpPr>
-        <p:spPr>
-          <a:xfrm>
-            <a:off x="10295358" y="1353285"/>
-            <a:ext cx="1333500" cy="261610"/>
-          </a:xfrm>
-          <a:prstGeom prst="rect">
-            <a:avLst/>
-          </a:prstGeom>
-          <a:noFill/>
-        </p:spPr>
-        <p:txBody>
-          <a:bodyPr wrap="square" rtlCol="0">
-            <a:spAutoFit/>
-          </a:bodyPr>
-          <a:lstStyle/>
-          <a:p>
-            <a:pPr algn="r"/>
-            <a:r>
-              <a:rPr lang="fr-FR" sz="1100" dirty="0">
-                <a:solidFill>
-                  <a:srgbClr val="A41258"/>
-                </a:solidFill>
-              </a:rPr>
-              <a:t>Schéma global</a:t>
-            </a:r>
-          </a:p>
-        </p:txBody>
-      </p:sp>
-      <p:sp>
-        <p:nvSpPr>
-          <p:cNvPr id="20" name="ZoneTexte 19">
-            <a:extLst>
-              <a:ext uri="{FF2B5EF4-FFF2-40B4-BE49-F238E27FC236}">
-                <a16:creationId xmlns:a16="http://schemas.microsoft.com/office/drawing/2014/main" id="{0B188E82-C6B7-41B1-9126-48E05395D719}"/>
-              </a:ext>
-            </a:extLst>
-          </p:cNvPr>
-          <p:cNvSpPr txBox="1"/>
-          <p:nvPr/>
-        </p:nvSpPr>
-        <p:spPr>
-          <a:xfrm>
-            <a:off x="10295358" y="2019390"/>
-            <a:ext cx="1333500" cy="430887"/>
-          </a:xfrm>
-          <a:prstGeom prst="rect">
-            <a:avLst/>
-          </a:prstGeom>
-          <a:noFill/>
-        </p:spPr>
-        <p:txBody>
-          <a:bodyPr wrap="square" rtlCol="0">
-            <a:spAutoFit/>
-          </a:bodyPr>
-          <a:lstStyle/>
-          <a:p>
-            <a:pPr algn="r"/>
-            <a:r>
-              <a:rPr lang="fr-FR" sz="1100" dirty="0"/>
-              <a:t>Schéma personnalisé</a:t>
-            </a:r>
-          </a:p>
-        </p:txBody>
-      </p:sp>
-      <p:sp>
-        <p:nvSpPr>
-          <p:cNvPr id="21" name="ZoneTexte 20">
-            <a:extLst>
-              <a:ext uri="{FF2B5EF4-FFF2-40B4-BE49-F238E27FC236}">
-                <a16:creationId xmlns:a16="http://schemas.microsoft.com/office/drawing/2014/main" id="{B73674D9-0F33-4F62-AAF0-71E9D2157F16}"/>
-              </a:ext>
-            </a:extLst>
-          </p:cNvPr>
-          <p:cNvSpPr txBox="1"/>
-          <p:nvPr/>
-        </p:nvSpPr>
-        <p:spPr>
-          <a:xfrm>
-            <a:off x="10237185" y="2754095"/>
-            <a:ext cx="1333500" cy="430887"/>
-          </a:xfrm>
-          <a:prstGeom prst="rect">
-            <a:avLst/>
-          </a:prstGeom>
-          <a:noFill/>
-        </p:spPr>
-        <p:txBody>
-          <a:bodyPr wrap="square" rtlCol="0">
-            <a:spAutoFit/>
-          </a:bodyPr>
-          <a:lstStyle/>
-          <a:p>
-            <a:pPr algn="r"/>
-            <a:r>
-              <a:rPr lang="fr-FR" sz="1100" dirty="0"/>
-              <a:t>Diagramme de cas d’utilisation</a:t>
-            </a:r>
-          </a:p>
-        </p:txBody>
-      </p:sp>
-      <p:sp>
-        <p:nvSpPr>
-          <p:cNvPr id="22" name="ZoneTexte 21">
-            <a:extLst>
-              <a:ext uri="{FF2B5EF4-FFF2-40B4-BE49-F238E27FC236}">
-                <a16:creationId xmlns:a16="http://schemas.microsoft.com/office/drawing/2014/main" id="{DEAD97CF-35B4-47D2-A8F5-6CF8BEA2A11E}"/>
-              </a:ext>
-            </a:extLst>
-          </p:cNvPr>
-          <p:cNvSpPr txBox="1"/>
-          <p:nvPr/>
-        </p:nvSpPr>
-        <p:spPr>
-          <a:xfrm>
-            <a:off x="10053638" y="4383664"/>
-            <a:ext cx="1517047" cy="261610"/>
-          </a:xfrm>
-          <a:prstGeom prst="rect">
-            <a:avLst/>
-          </a:prstGeom>
-          <a:noFill/>
-        </p:spPr>
-        <p:txBody>
-          <a:bodyPr wrap="square" rtlCol="0">
-            <a:spAutoFit/>
-          </a:bodyPr>
-          <a:lstStyle/>
-          <a:p>
-            <a:pPr algn="r"/>
-            <a:r>
-              <a:rPr lang="fr-FR" sz="1100" dirty="0"/>
-              <a:t>Tâches personnelles</a:t>
-            </a:r>
-          </a:p>
-        </p:txBody>
-      </p:sp>
-      <p:sp>
-        <p:nvSpPr>
-          <p:cNvPr id="23" name="ZoneTexte 22">
-            <a:extLst>
-              <a:ext uri="{FF2B5EF4-FFF2-40B4-BE49-F238E27FC236}">
-                <a16:creationId xmlns:a16="http://schemas.microsoft.com/office/drawing/2014/main" id="{71739D9E-A1F1-463A-85C4-42077288343B}"/>
-              </a:ext>
-            </a:extLst>
-          </p:cNvPr>
-          <p:cNvSpPr txBox="1"/>
-          <p:nvPr/>
-        </p:nvSpPr>
-        <p:spPr>
-          <a:xfrm>
-            <a:off x="9953723" y="5916426"/>
-            <a:ext cx="1616962" cy="261610"/>
-          </a:xfrm>
-          <a:prstGeom prst="rect">
-            <a:avLst/>
-          </a:prstGeom>
-          <a:noFill/>
-        </p:spPr>
-        <p:txBody>
-          <a:bodyPr wrap="square" rtlCol="0">
-            <a:spAutoFit/>
-          </a:bodyPr>
-          <a:lstStyle/>
-          <a:p>
-            <a:pPr algn="r"/>
-            <a:r>
-              <a:rPr lang="fr-FR" sz="1100" dirty="0"/>
-              <a:t>Schématisation réseau</a:t>
-            </a:r>
-          </a:p>
-        </p:txBody>
-      </p:sp>
-      <p:sp>
-        <p:nvSpPr>
-          <p:cNvPr id="24" name="Rectangle 23">
-            <a:extLst>
-              <a:ext uri="{FF2B5EF4-FFF2-40B4-BE49-F238E27FC236}">
-                <a16:creationId xmlns:a16="http://schemas.microsoft.com/office/drawing/2014/main" id="{C08116EC-1234-49A5-8D9C-4AF2CACB360A}"/>
-              </a:ext>
-            </a:extLst>
-          </p:cNvPr>
-          <p:cNvSpPr/>
-          <p:nvPr/>
-        </p:nvSpPr>
-        <p:spPr>
-          <a:xfrm>
-            <a:off x="11695175" y="627394"/>
-            <a:ext cx="64009" cy="892415"/>
-          </a:xfrm>
-          <a:prstGeom prst="rect">
-            <a:avLst/>
-          </a:prstGeom>
-          <a:solidFill>
-            <a:srgbClr val="009900"/>
-          </a:solidFill>
-          <a:ln>
-            <a:noFill/>
-          </a:ln>
-        </p:spPr>
-        <p:style>
-          <a:lnRef idx="2">
-            <a:schemeClr val="accent1">
-              <a:shade val="50000"/>
-            </a:schemeClr>
-          </a:lnRef>
-          <a:fillRef idx="1">
-            <a:schemeClr val="accent1"/>
-          </a:fillRef>
-          <a:effectRef idx="0">
-            <a:schemeClr val="accent1"/>
-          </a:effectRef>
-          <a:fontRef idx="minor">
-            <a:schemeClr val="lt1"/>
-          </a:fontRef>
-        </p:style>
-        <p:txBody>
-          <a:bodyPr rtlCol="0" anchor="ctr"/>
-          <a:lstStyle/>
-          <a:p>
-            <a:pPr algn="ctr"/>
-            <a:endParaRPr lang="fr-FR"/>
-          </a:p>
-        </p:txBody>
-      </p:sp>
     </p:spTree>
     <p:extLst>
       <p:ext uri="{BB962C8B-B14F-4D97-AF65-F5344CB8AC3E}">
@@ -8902,13 +8930,13 @@
   <p:clrMapOvr>
     <a:masterClrMapping/>
   </p:clrMapOvr>
-  <mc:AlternateContent xmlns:mc="http://schemas.openxmlformats.org/markup-compatibility/2006">
-    <mc:Choice xmlns:p14="http://schemas.microsoft.com/office/powerpoint/2010/main" Requires="p14">
+  <mc:AlternateContent xmlns:mc="http://schemas.openxmlformats.org/markup-compatibility/2006" xmlns:p14="http://schemas.microsoft.com/office/powerpoint/2010/main">
+    <mc:Choice Requires="p14">
       <p:transition spd="med" p14:dur="700">
         <p:fade/>
       </p:transition>
     </mc:Choice>
-    <mc:Fallback>
+    <mc:Fallback xmlns="">
       <p:transition spd="med">
         <p:fade/>
       </p:transition>
@@ -9365,7 +9393,9 @@
             <a:schemeClr val="bg1"/>
           </a:solidFill>
           <a:ln>
-            <a:noFill/>
+            <a:solidFill>
+              <a:schemeClr val="bg1"/>
+            </a:solidFill>
           </a:ln>
         </p:spPr>
         <p:style>
@@ -9414,10 +9444,12 @@
             <a:avLst/>
           </a:prstGeom>
           <a:solidFill>
-            <a:srgbClr val="009900"/>
+            <a:srgbClr val="A31257"/>
           </a:solidFill>
           <a:ln>
-            <a:noFill/>
+            <a:solidFill>
+              <a:schemeClr val="bg1"/>
+            </a:solidFill>
           </a:ln>
         </p:spPr>
         <p:style>
@@ -9469,7 +9501,9 @@
             <a:schemeClr val="bg1"/>
           </a:solidFill>
           <a:ln>
-            <a:noFill/>
+            <a:solidFill>
+              <a:schemeClr val="bg1"/>
+            </a:solidFill>
           </a:ln>
         </p:spPr>
         <p:style>
@@ -9521,7 +9555,9 @@
             <a:schemeClr val="bg1"/>
           </a:solidFill>
           <a:ln>
-            <a:noFill/>
+            <a:solidFill>
+              <a:schemeClr val="bg1"/>
+            </a:solidFill>
           </a:ln>
         </p:spPr>
         <p:style>
@@ -9573,7 +9609,9 @@
             <a:schemeClr val="bg1"/>
           </a:solidFill>
           <a:ln>
-            <a:noFill/>
+            <a:solidFill>
+              <a:schemeClr val="bg1"/>
+            </a:solidFill>
           </a:ln>
         </p:spPr>
         <p:style>
@@ -9622,10 +9660,12 @@
             <a:avLst/>
           </a:prstGeom>
           <a:solidFill>
-            <a:srgbClr val="009900"/>
+            <a:srgbClr val="A31257"/>
           </a:solidFill>
           <a:ln>
-            <a:noFill/>
+            <a:solidFill>
+              <a:schemeClr val="bg1"/>
+            </a:solidFill>
           </a:ln>
         </p:spPr>
         <p:style>
@@ -9674,10 +9714,12 @@
             <a:avLst/>
           </a:prstGeom>
           <a:solidFill>
-            <a:srgbClr val="009900"/>
+            <a:srgbClr val="A31257"/>
           </a:solidFill>
           <a:ln>
-            <a:noFill/>
+            <a:solidFill>
+              <a:schemeClr val="bg1"/>
+            </a:solidFill>
           </a:ln>
         </p:spPr>
         <p:style>
@@ -9950,7 +9992,7 @@
             <a:avLst/>
           </a:prstGeom>
           <a:solidFill>
-            <a:srgbClr val="009900"/>
+            <a:srgbClr val="A31257"/>
           </a:solidFill>
           <a:ln>
             <a:noFill/>
@@ -10246,7 +10288,9 @@
             <a:schemeClr val="bg1"/>
           </a:solidFill>
           <a:ln>
-            <a:noFill/>
+            <a:solidFill>
+              <a:schemeClr val="bg1"/>
+            </a:solidFill>
           </a:ln>
         </p:spPr>
         <p:style>
@@ -10295,10 +10339,12 @@
             <a:avLst/>
           </a:prstGeom>
           <a:solidFill>
-            <a:srgbClr val="009900"/>
+            <a:srgbClr val="A31257"/>
           </a:solidFill>
           <a:ln>
-            <a:noFill/>
+            <a:solidFill>
+              <a:schemeClr val="bg1"/>
+            </a:solidFill>
           </a:ln>
         </p:spPr>
         <p:style>
@@ -10347,10 +10393,12 @@
             <a:avLst/>
           </a:prstGeom>
           <a:solidFill>
-            <a:srgbClr val="009900"/>
+            <a:srgbClr val="A31257"/>
           </a:solidFill>
           <a:ln>
-            <a:noFill/>
+            <a:solidFill>
+              <a:schemeClr val="bg1"/>
+            </a:solidFill>
           </a:ln>
         </p:spPr>
         <p:style>
@@ -10402,7 +10450,9 @@
             <a:schemeClr val="bg1"/>
           </a:solidFill>
           <a:ln>
-            <a:noFill/>
+            <a:solidFill>
+              <a:schemeClr val="bg1"/>
+            </a:solidFill>
           </a:ln>
         </p:spPr>
         <p:style>
@@ -10454,7 +10504,9 @@
             <a:schemeClr val="bg1"/>
           </a:solidFill>
           <a:ln>
-            <a:noFill/>
+            <a:solidFill>
+              <a:schemeClr val="bg1"/>
+            </a:solidFill>
           </a:ln>
         </p:spPr>
         <p:style>
@@ -10503,10 +10555,12 @@
             <a:avLst/>
           </a:prstGeom>
           <a:solidFill>
-            <a:srgbClr val="009900"/>
+            <a:srgbClr val="A31257"/>
           </a:solidFill>
           <a:ln>
-            <a:noFill/>
+            <a:solidFill>
+              <a:schemeClr val="bg1"/>
+            </a:solidFill>
           </a:ln>
         </p:spPr>
         <p:style>
@@ -10555,10 +10609,12 @@
             <a:avLst/>
           </a:prstGeom>
           <a:solidFill>
-            <a:srgbClr val="009900"/>
+            <a:srgbClr val="A31257"/>
           </a:solidFill>
           <a:ln>
-            <a:noFill/>
+            <a:solidFill>
+              <a:schemeClr val="bg1"/>
+            </a:solidFill>
           </a:ln>
         </p:spPr>
         <p:style>
@@ -10827,7 +10883,7 @@
             <a:avLst/>
           </a:prstGeom>
           <a:solidFill>
-            <a:srgbClr val="009900"/>
+            <a:srgbClr val="A31257"/>
           </a:solidFill>
           <a:ln>
             <a:noFill/>
@@ -11593,8 +11649,8 @@
         </p:nvCxnSpPr>
         <p:spPr>
           <a:xfrm flipV="1">
-            <a:off x="3344249" y="3182475"/>
-            <a:ext cx="1638000" cy="405156"/>
+            <a:off x="3344249" y="3165081"/>
+            <a:ext cx="1721527" cy="422550"/>
           </a:xfrm>
           <a:prstGeom prst="straightConnector1">
             <a:avLst/>
@@ -12045,7 +12101,9 @@
             <a:schemeClr val="bg1"/>
           </a:solidFill>
           <a:ln>
-            <a:noFill/>
+            <a:solidFill>
+              <a:schemeClr val="bg1"/>
+            </a:solidFill>
           </a:ln>
         </p:spPr>
         <p:style>
@@ -12094,10 +12152,12 @@
             <a:avLst/>
           </a:prstGeom>
           <a:solidFill>
-            <a:srgbClr val="009900"/>
+            <a:srgbClr val="A31257"/>
           </a:solidFill>
           <a:ln>
-            <a:noFill/>
+            <a:solidFill>
+              <a:schemeClr val="bg1"/>
+            </a:solidFill>
           </a:ln>
         </p:spPr>
         <p:style>
@@ -12146,10 +12206,12 @@
             <a:avLst/>
           </a:prstGeom>
           <a:solidFill>
-            <a:srgbClr val="009900"/>
+            <a:srgbClr val="A31257"/>
           </a:solidFill>
           <a:ln>
-            <a:noFill/>
+            <a:solidFill>
+              <a:schemeClr val="bg1"/>
+            </a:solidFill>
           </a:ln>
         </p:spPr>
         <p:style>
@@ -12198,10 +12260,12 @@
             <a:avLst/>
           </a:prstGeom>
           <a:solidFill>
-            <a:srgbClr val="009900"/>
+            <a:srgbClr val="A31257"/>
           </a:solidFill>
           <a:ln>
-            <a:noFill/>
+            <a:solidFill>
+              <a:schemeClr val="bg1"/>
+            </a:solidFill>
           </a:ln>
         </p:spPr>
         <p:style>
@@ -12253,7 +12317,9 @@
             <a:schemeClr val="bg1"/>
           </a:solidFill>
           <a:ln>
-            <a:noFill/>
+            <a:solidFill>
+              <a:schemeClr val="bg1"/>
+            </a:solidFill>
           </a:ln>
         </p:spPr>
         <p:style>
@@ -12302,10 +12368,12 @@
             <a:avLst/>
           </a:prstGeom>
           <a:solidFill>
-            <a:srgbClr val="009900"/>
+            <a:srgbClr val="A31257"/>
           </a:solidFill>
           <a:ln>
-            <a:noFill/>
+            <a:solidFill>
+              <a:schemeClr val="bg1"/>
+            </a:solidFill>
           </a:ln>
         </p:spPr>
         <p:style>
@@ -12354,10 +12422,12 @@
             <a:avLst/>
           </a:prstGeom>
           <a:solidFill>
-            <a:srgbClr val="009900"/>
+            <a:srgbClr val="A31257"/>
           </a:solidFill>
           <a:ln>
-            <a:noFill/>
+            <a:solidFill>
+              <a:schemeClr val="bg1"/>
+            </a:solidFill>
           </a:ln>
         </p:spPr>
         <p:style>
@@ -12626,7 +12696,7 @@
             <a:avLst/>
           </a:prstGeom>
           <a:solidFill>
-            <a:srgbClr val="009900"/>
+            <a:srgbClr val="A31257"/>
           </a:solidFill>
           <a:ln>
             <a:noFill/>
@@ -12919,7 +12989,9 @@
             <a:schemeClr val="bg1"/>
           </a:solidFill>
           <a:ln>
-            <a:noFill/>
+            <a:solidFill>
+              <a:schemeClr val="bg1"/>
+            </a:solidFill>
           </a:ln>
         </p:spPr>
         <p:style>
@@ -12968,10 +13040,12 @@
             <a:avLst/>
           </a:prstGeom>
           <a:solidFill>
-            <a:srgbClr val="009900"/>
+            <a:srgbClr val="A31257"/>
           </a:solidFill>
           <a:ln>
-            <a:noFill/>
+            <a:solidFill>
+              <a:schemeClr val="bg1"/>
+            </a:solidFill>
           </a:ln>
         </p:spPr>
         <p:style>
@@ -13020,10 +13094,12 @@
             <a:avLst/>
           </a:prstGeom>
           <a:solidFill>
-            <a:srgbClr val="009900"/>
+            <a:srgbClr val="A31257"/>
           </a:solidFill>
           <a:ln>
-            <a:noFill/>
+            <a:solidFill>
+              <a:schemeClr val="bg1"/>
+            </a:solidFill>
           </a:ln>
         </p:spPr>
         <p:style>
@@ -13072,10 +13148,12 @@
             <a:avLst/>
           </a:prstGeom>
           <a:solidFill>
-            <a:srgbClr val="009900"/>
+            <a:srgbClr val="A31257"/>
           </a:solidFill>
           <a:ln>
-            <a:noFill/>
+            <a:solidFill>
+              <a:schemeClr val="bg1"/>
+            </a:solidFill>
           </a:ln>
         </p:spPr>
         <p:style>
@@ -13124,10 +13202,12 @@
             <a:avLst/>
           </a:prstGeom>
           <a:solidFill>
-            <a:srgbClr val="009900"/>
+            <a:srgbClr val="A31257"/>
           </a:solidFill>
           <a:ln>
-            <a:noFill/>
+            <a:solidFill>
+              <a:schemeClr val="bg1"/>
+            </a:solidFill>
           </a:ln>
         </p:spPr>
         <p:style>
@@ -13176,10 +13256,12 @@
             <a:avLst/>
           </a:prstGeom>
           <a:solidFill>
-            <a:srgbClr val="009900"/>
+            <a:srgbClr val="A31257"/>
           </a:solidFill>
           <a:ln>
-            <a:noFill/>
+            <a:solidFill>
+              <a:schemeClr val="bg1"/>
+            </a:solidFill>
           </a:ln>
         </p:spPr>
         <p:style>
@@ -13228,10 +13310,12 @@
             <a:avLst/>
           </a:prstGeom>
           <a:solidFill>
-            <a:srgbClr val="009900"/>
+            <a:srgbClr val="A31257"/>
           </a:solidFill>
           <a:ln>
-            <a:noFill/>
+            <a:solidFill>
+              <a:schemeClr val="bg1"/>
+            </a:solidFill>
           </a:ln>
         </p:spPr>
         <p:style>
@@ -13500,7 +13584,7 @@
             <a:avLst/>
           </a:prstGeom>
           <a:solidFill>
-            <a:srgbClr val="009900"/>
+            <a:srgbClr val="A31257"/>
           </a:solidFill>
           <a:ln>
             <a:noFill/>

--- a/Nathan/Compte-rendus/REVUE-R1-GUIGAND-SFL6.pptx
+++ b/Nathan/Compte-rendus/REVUE-R1-GUIGAND-SFL6.pptx
@@ -6974,13 +6974,13 @@
               </a:ext>
             </a:extLst>
           </a:blip>
-          <a:srcRect l="18677" r="15441"/>
+          <a:srcRect l="18677" r="31483"/>
           <a:stretch/>
         </p:blipFill>
         <p:spPr bwMode="auto">
           <a:xfrm>
             <a:off x="569173" y="2255689"/>
-            <a:ext cx="4130844" cy="1109501"/>
+            <a:ext cx="3125003" cy="1109501"/>
           </a:xfrm>
           <a:prstGeom prst="rect">
             <a:avLst/>
@@ -7221,6 +7221,304 @@
           </a:p>
         </p:txBody>
       </p:sp>
+      <p:pic>
+        <p:nvPicPr>
+          <p:cNvPr id="22" name="Image 21">
+            <a:extLst>
+              <a:ext uri="{FF2B5EF4-FFF2-40B4-BE49-F238E27FC236}">
+                <a16:creationId xmlns:a16="http://schemas.microsoft.com/office/drawing/2014/main" id="{AD2868D5-1AC2-4159-BA04-DCF98EFEA321}"/>
+              </a:ext>
+            </a:extLst>
+          </p:cNvPr>
+          <p:cNvPicPr>
+            <a:picLocks noChangeAspect="1"/>
+          </p:cNvPicPr>
+          <p:nvPr/>
+        </p:nvPicPr>
+        <p:blipFill rotWithShape="1">
+          <a:blip r:embed="rId4">
+            <a:extLst>
+              <a:ext uri="{28A0092B-C50C-407E-A947-70E740481C1C}">
+                <a14:useLocalDpi xmlns:a14="http://schemas.microsoft.com/office/drawing/2010/main" val="0"/>
+              </a:ext>
+            </a:extLst>
+          </a:blip>
+          <a:srcRect l="20640" t="31216" r="34055" b="28466"/>
+          <a:stretch/>
+        </p:blipFill>
+        <p:spPr>
+          <a:xfrm>
+            <a:off x="3805604" y="2647523"/>
+            <a:ext cx="786268" cy="717667"/>
+          </a:xfrm>
+          <a:prstGeom prst="rect">
+            <a:avLst/>
+          </a:prstGeom>
+          <a:effectLst/>
+        </p:spPr>
+      </p:pic>
+      <p:pic>
+        <p:nvPicPr>
+          <p:cNvPr id="23" name="Image 22">
+            <a:extLst>
+              <a:ext uri="{FF2B5EF4-FFF2-40B4-BE49-F238E27FC236}">
+                <a16:creationId xmlns:a16="http://schemas.microsoft.com/office/drawing/2014/main" id="{D4CEBD47-F952-46F5-B2DB-1F2B06DD1048}"/>
+              </a:ext>
+            </a:extLst>
+          </p:cNvPr>
+          <p:cNvPicPr>
+            <a:picLocks noChangeAspect="1"/>
+          </p:cNvPicPr>
+          <p:nvPr/>
+        </p:nvPicPr>
+        <p:blipFill rotWithShape="1">
+          <a:blip r:embed="rId4">
+            <a:extLst>
+              <a:ext uri="{28A0092B-C50C-407E-A947-70E740481C1C}">
+                <a14:useLocalDpi xmlns:a14="http://schemas.microsoft.com/office/drawing/2010/main" val="0"/>
+              </a:ext>
+            </a:extLst>
+          </a:blip>
+          <a:srcRect l="43383" t="6720" r="34561" b="68241"/>
+          <a:stretch/>
+        </p:blipFill>
+        <p:spPr>
+          <a:xfrm>
+            <a:off x="4210829" y="2233594"/>
+            <a:ext cx="382781" cy="445693"/>
+          </a:xfrm>
+          <a:prstGeom prst="rect">
+            <a:avLst/>
+          </a:prstGeom>
+          <a:effectLst>
+            <a:outerShdw blurRad="63500" sx="102000" sy="102000" algn="ctr" rotWithShape="0">
+              <a:prstClr val="black">
+                <a:alpha val="40000"/>
+              </a:prstClr>
+            </a:outerShdw>
+          </a:effectLst>
+        </p:spPr>
+      </p:pic>
+      <p:pic>
+        <p:nvPicPr>
+          <p:cNvPr id="24" name="Image 23">
+            <a:extLst>
+              <a:ext uri="{FF2B5EF4-FFF2-40B4-BE49-F238E27FC236}">
+                <a16:creationId xmlns:a16="http://schemas.microsoft.com/office/drawing/2014/main" id="{DE0DDA38-094E-4797-BFF3-6F6099FE5BCD}"/>
+              </a:ext>
+            </a:extLst>
+          </p:cNvPr>
+          <p:cNvPicPr>
+            <a:picLocks noChangeAspect="1"/>
+          </p:cNvPicPr>
+          <p:nvPr/>
+        </p:nvPicPr>
+        <p:blipFill rotWithShape="1">
+          <a:blip r:embed="rId4">
+            <a:extLst>
+              <a:ext uri="{28A0092B-C50C-407E-A947-70E740481C1C}">
+                <a14:useLocalDpi xmlns:a14="http://schemas.microsoft.com/office/drawing/2010/main" val="0"/>
+              </a:ext>
+            </a:extLst>
+          </a:blip>
+          <a:srcRect t="71007" r="66714"/>
+          <a:stretch/>
+        </p:blipFill>
+        <p:spPr>
+          <a:xfrm>
+            <a:off x="3449337" y="3355673"/>
+            <a:ext cx="577677" cy="516076"/>
+          </a:xfrm>
+          <a:prstGeom prst="rect">
+            <a:avLst/>
+          </a:prstGeom>
+          <a:effectLst>
+            <a:outerShdw blurRad="63500" sx="102000" sy="102000" algn="ctr" rotWithShape="0">
+              <a:prstClr val="black">
+                <a:alpha val="40000"/>
+              </a:prstClr>
+            </a:outerShdw>
+          </a:effectLst>
+        </p:spPr>
+      </p:pic>
+      <p:sp>
+        <p:nvSpPr>
+          <p:cNvPr id="25" name="Rectangle 24">
+            <a:extLst>
+              <a:ext uri="{FF2B5EF4-FFF2-40B4-BE49-F238E27FC236}">
+                <a16:creationId xmlns:a16="http://schemas.microsoft.com/office/drawing/2014/main" id="{5E8649C1-22FB-4FFB-8AF4-68C6BC767A45}"/>
+              </a:ext>
+            </a:extLst>
+          </p:cNvPr>
+          <p:cNvSpPr/>
+          <p:nvPr/>
+        </p:nvSpPr>
+        <p:spPr>
+          <a:xfrm>
+            <a:off x="3633177" y="2562598"/>
+            <a:ext cx="448576" cy="198668"/>
+          </a:xfrm>
+          <a:prstGeom prst="rect">
+            <a:avLst/>
+          </a:prstGeom>
+          <a:solidFill>
+            <a:schemeClr val="bg1"/>
+          </a:solidFill>
+          <a:ln>
+            <a:noFill/>
+          </a:ln>
+        </p:spPr>
+        <p:style>
+          <a:lnRef idx="2">
+            <a:schemeClr val="accent1">
+              <a:shade val="50000"/>
+            </a:schemeClr>
+          </a:lnRef>
+          <a:fillRef idx="1">
+            <a:schemeClr val="accent1"/>
+          </a:fillRef>
+          <a:effectRef idx="0">
+            <a:schemeClr val="accent1"/>
+          </a:effectRef>
+          <a:fontRef idx="minor">
+            <a:schemeClr val="lt1"/>
+          </a:fontRef>
+        </p:style>
+        <p:txBody>
+          <a:bodyPr rtlCol="0" anchor="ctr"/>
+          <a:lstStyle/>
+          <a:p>
+            <a:pPr algn="ctr"/>
+            <a:endParaRPr lang="fr-FR"/>
+          </a:p>
+        </p:txBody>
+      </p:sp>
+      <p:pic>
+        <p:nvPicPr>
+          <p:cNvPr id="26" name="Image 25">
+            <a:extLst>
+              <a:ext uri="{FF2B5EF4-FFF2-40B4-BE49-F238E27FC236}">
+                <a16:creationId xmlns:a16="http://schemas.microsoft.com/office/drawing/2014/main" id="{4B1E3971-9CB1-4405-BE52-882B5D29BFEE}"/>
+              </a:ext>
+            </a:extLst>
+          </p:cNvPr>
+          <p:cNvPicPr>
+            <a:picLocks noChangeAspect="1"/>
+          </p:cNvPicPr>
+          <p:nvPr/>
+        </p:nvPicPr>
+        <p:blipFill rotWithShape="1">
+          <a:blip r:embed="rId4">
+            <a:extLst>
+              <a:ext uri="{28A0092B-C50C-407E-A947-70E740481C1C}">
+                <a14:useLocalDpi xmlns:a14="http://schemas.microsoft.com/office/drawing/2010/main" val="0"/>
+              </a:ext>
+            </a:extLst>
+          </a:blip>
+          <a:srcRect r="68347" b="63322"/>
+          <a:stretch/>
+        </p:blipFill>
+        <p:spPr>
+          <a:xfrm>
+            <a:off x="3490218" y="2069291"/>
+            <a:ext cx="549335" cy="652882"/>
+          </a:xfrm>
+          <a:prstGeom prst="rect">
+            <a:avLst/>
+          </a:prstGeom>
+          <a:effectLst>
+            <a:outerShdw blurRad="63500" sx="102000" sy="102000" algn="ctr" rotWithShape="0">
+              <a:prstClr val="black">
+                <a:alpha val="40000"/>
+              </a:prstClr>
+            </a:outerShdw>
+          </a:effectLst>
+        </p:spPr>
+      </p:pic>
+      <p:pic>
+        <p:nvPicPr>
+          <p:cNvPr id="27" name="Image 26">
+            <a:extLst>
+              <a:ext uri="{FF2B5EF4-FFF2-40B4-BE49-F238E27FC236}">
+                <a16:creationId xmlns:a16="http://schemas.microsoft.com/office/drawing/2014/main" id="{747C7E8E-9ABD-45AF-9A37-D6FD26A618D7}"/>
+              </a:ext>
+            </a:extLst>
+          </p:cNvPr>
+          <p:cNvPicPr>
+            <a:picLocks noChangeAspect="1"/>
+          </p:cNvPicPr>
+          <p:nvPr/>
+        </p:nvPicPr>
+        <p:blipFill rotWithShape="1">
+          <a:blip r:embed="rId4">
+            <a:extLst>
+              <a:ext uri="{28A0092B-C50C-407E-A947-70E740481C1C}">
+                <a14:useLocalDpi xmlns:a14="http://schemas.microsoft.com/office/drawing/2010/main" val="0"/>
+              </a:ext>
+            </a:extLst>
+          </a:blip>
+          <a:srcRect l="48950" t="71007" r="29109"/>
+          <a:stretch/>
+        </p:blipFill>
+        <p:spPr>
+          <a:xfrm>
+            <a:off x="4337982" y="3365190"/>
+            <a:ext cx="380786" cy="516075"/>
+          </a:xfrm>
+          <a:prstGeom prst="rect">
+            <a:avLst/>
+          </a:prstGeom>
+          <a:effectLst>
+            <a:outerShdw blurRad="63500" sx="102000" sy="102000" algn="ctr" rotWithShape="0">
+              <a:prstClr val="black">
+                <a:alpha val="40000"/>
+              </a:prstClr>
+            </a:outerShdw>
+          </a:effectLst>
+        </p:spPr>
+      </p:pic>
+      <p:pic>
+        <p:nvPicPr>
+          <p:cNvPr id="28" name="Image 27">
+            <a:extLst>
+              <a:ext uri="{FF2B5EF4-FFF2-40B4-BE49-F238E27FC236}">
+                <a16:creationId xmlns:a16="http://schemas.microsoft.com/office/drawing/2014/main" id="{281930DF-2052-4AB8-AF88-9B70B81CC368}"/>
+              </a:ext>
+            </a:extLst>
+          </p:cNvPr>
+          <p:cNvPicPr>
+            <a:picLocks noChangeAspect="1"/>
+          </p:cNvPicPr>
+          <p:nvPr/>
+        </p:nvPicPr>
+        <p:blipFill rotWithShape="1">
+          <a:blip r:embed="rId4">
+            <a:extLst>
+              <a:ext uri="{28A0092B-C50C-407E-A947-70E740481C1C}">
+                <a14:useLocalDpi xmlns:a14="http://schemas.microsoft.com/office/drawing/2010/main" val="0"/>
+              </a:ext>
+            </a:extLst>
+          </a:blip>
+          <a:srcRect l="64897" t="30741" b="51027"/>
+          <a:stretch/>
+        </p:blipFill>
+        <p:spPr>
+          <a:xfrm>
+            <a:off x="4576917" y="2592215"/>
+            <a:ext cx="609218" cy="324533"/>
+          </a:xfrm>
+          <a:prstGeom prst="rect">
+            <a:avLst/>
+          </a:prstGeom>
+          <a:effectLst>
+            <a:outerShdw blurRad="63500" sx="102000" sy="102000" algn="ctr" rotWithShape="0">
+              <a:prstClr val="black">
+                <a:alpha val="40000"/>
+              </a:prstClr>
+            </a:outerShdw>
+          </a:effectLst>
+        </p:spPr>
+      </p:pic>
     </p:spTree>
     <p:extLst>
       <p:ext uri="{BB962C8B-B14F-4D97-AF65-F5344CB8AC3E}">
@@ -7243,6 +7541,422 @@
       </p:transition>
     </mc:Fallback>
   </mc:AlternateContent>
+  <p:timing>
+    <p:tnLst>
+      <p:par>
+        <p:cTn id="1" dur="indefinite" restart="never" nodeType="tmRoot">
+          <p:childTnLst>
+            <p:seq concurrent="1" nextAc="seek">
+              <p:cTn id="2" dur="indefinite" nodeType="mainSeq">
+                <p:childTnLst>
+                  <p:par>
+                    <p:cTn id="3" fill="hold">
+                      <p:stCondLst>
+                        <p:cond delay="indefinite"/>
+                        <p:cond evt="onBegin" delay="0">
+                          <p:tn val="2"/>
+                        </p:cond>
+                      </p:stCondLst>
+                      <p:childTnLst>
+                        <p:par>
+                          <p:cTn id="4" fill="hold">
+                            <p:stCondLst>
+                              <p:cond delay="0"/>
+                            </p:stCondLst>
+                            <p:childTnLst>
+                              <p:par>
+                                <p:cTn id="5" presetID="2" presetClass="entr" presetSubtype="9" fill="hold" nodeType="withEffect">
+                                  <p:stCondLst>
+                                    <p:cond delay="0"/>
+                                  </p:stCondLst>
+                                  <p:childTnLst>
+                                    <p:set>
+                                      <p:cBhvr>
+                                        <p:cTn id="6" dur="1" fill="hold">
+                                          <p:stCondLst>
+                                            <p:cond delay="0"/>
+                                          </p:stCondLst>
+                                        </p:cTn>
+                                        <p:tgtEl>
+                                          <p:spTgt spid="26"/>
+                                        </p:tgtEl>
+                                        <p:attrNameLst>
+                                          <p:attrName>style.visibility</p:attrName>
+                                        </p:attrNameLst>
+                                      </p:cBhvr>
+                                      <p:to>
+                                        <p:strVal val="visible"/>
+                                      </p:to>
+                                    </p:set>
+                                    <p:anim calcmode="lin" valueType="num">
+                                      <p:cBhvr additive="base">
+                                        <p:cTn id="7" dur="400" fill="hold"/>
+                                        <p:tgtEl>
+                                          <p:spTgt spid="26"/>
+                                        </p:tgtEl>
+                                        <p:attrNameLst>
+                                          <p:attrName>ppt_x</p:attrName>
+                                        </p:attrNameLst>
+                                      </p:cBhvr>
+                                      <p:tavLst>
+                                        <p:tav tm="0">
+                                          <p:val>
+                                            <p:strVal val="0-#ppt_w/2"/>
+                                          </p:val>
+                                        </p:tav>
+                                        <p:tav tm="100000">
+                                          <p:val>
+                                            <p:strVal val="#ppt_x"/>
+                                          </p:val>
+                                        </p:tav>
+                                      </p:tavLst>
+                                    </p:anim>
+                                    <p:anim calcmode="lin" valueType="num">
+                                      <p:cBhvr additive="base">
+                                        <p:cTn id="8" dur="400" fill="hold"/>
+                                        <p:tgtEl>
+                                          <p:spTgt spid="26"/>
+                                        </p:tgtEl>
+                                        <p:attrNameLst>
+                                          <p:attrName>ppt_y</p:attrName>
+                                        </p:attrNameLst>
+                                      </p:cBhvr>
+                                      <p:tavLst>
+                                        <p:tav tm="0">
+                                          <p:val>
+                                            <p:strVal val="0-#ppt_h/2"/>
+                                          </p:val>
+                                        </p:tav>
+                                        <p:tav tm="100000">
+                                          <p:val>
+                                            <p:strVal val="#ppt_y"/>
+                                          </p:val>
+                                        </p:tav>
+                                      </p:tavLst>
+                                    </p:anim>
+                                  </p:childTnLst>
+                                </p:cTn>
+                              </p:par>
+                              <p:par>
+                                <p:cTn id="9" presetID="2" presetClass="entr" presetSubtype="1" fill="hold" nodeType="withEffect">
+                                  <p:stCondLst>
+                                    <p:cond delay="0"/>
+                                  </p:stCondLst>
+                                  <p:childTnLst>
+                                    <p:set>
+                                      <p:cBhvr>
+                                        <p:cTn id="10" dur="1" fill="hold">
+                                          <p:stCondLst>
+                                            <p:cond delay="0"/>
+                                          </p:stCondLst>
+                                        </p:cTn>
+                                        <p:tgtEl>
+                                          <p:spTgt spid="23"/>
+                                        </p:tgtEl>
+                                        <p:attrNameLst>
+                                          <p:attrName>style.visibility</p:attrName>
+                                        </p:attrNameLst>
+                                      </p:cBhvr>
+                                      <p:to>
+                                        <p:strVal val="visible"/>
+                                      </p:to>
+                                    </p:set>
+                                    <p:anim calcmode="lin" valueType="num">
+                                      <p:cBhvr additive="base">
+                                        <p:cTn id="11" dur="400" fill="hold"/>
+                                        <p:tgtEl>
+                                          <p:spTgt spid="23"/>
+                                        </p:tgtEl>
+                                        <p:attrNameLst>
+                                          <p:attrName>ppt_x</p:attrName>
+                                        </p:attrNameLst>
+                                      </p:cBhvr>
+                                      <p:tavLst>
+                                        <p:tav tm="0">
+                                          <p:val>
+                                            <p:strVal val="#ppt_x"/>
+                                          </p:val>
+                                        </p:tav>
+                                        <p:tav tm="100000">
+                                          <p:val>
+                                            <p:strVal val="#ppt_x"/>
+                                          </p:val>
+                                        </p:tav>
+                                      </p:tavLst>
+                                    </p:anim>
+                                    <p:anim calcmode="lin" valueType="num">
+                                      <p:cBhvr additive="base">
+                                        <p:cTn id="12" dur="400" fill="hold"/>
+                                        <p:tgtEl>
+                                          <p:spTgt spid="23"/>
+                                        </p:tgtEl>
+                                        <p:attrNameLst>
+                                          <p:attrName>ppt_y</p:attrName>
+                                        </p:attrNameLst>
+                                      </p:cBhvr>
+                                      <p:tavLst>
+                                        <p:tav tm="0">
+                                          <p:val>
+                                            <p:strVal val="0-#ppt_h/2"/>
+                                          </p:val>
+                                        </p:tav>
+                                        <p:tav tm="100000">
+                                          <p:val>
+                                            <p:strVal val="#ppt_y"/>
+                                          </p:val>
+                                        </p:tav>
+                                      </p:tavLst>
+                                    </p:anim>
+                                  </p:childTnLst>
+                                </p:cTn>
+                              </p:par>
+                              <p:par>
+                                <p:cTn id="13" presetID="2" presetClass="entr" presetSubtype="3" fill="hold" nodeType="withEffect">
+                                  <p:stCondLst>
+                                    <p:cond delay="0"/>
+                                  </p:stCondLst>
+                                  <p:childTnLst>
+                                    <p:set>
+                                      <p:cBhvr>
+                                        <p:cTn id="14" dur="1" fill="hold">
+                                          <p:stCondLst>
+                                            <p:cond delay="0"/>
+                                          </p:stCondLst>
+                                        </p:cTn>
+                                        <p:tgtEl>
+                                          <p:spTgt spid="28"/>
+                                        </p:tgtEl>
+                                        <p:attrNameLst>
+                                          <p:attrName>style.visibility</p:attrName>
+                                        </p:attrNameLst>
+                                      </p:cBhvr>
+                                      <p:to>
+                                        <p:strVal val="visible"/>
+                                      </p:to>
+                                    </p:set>
+                                    <p:anim calcmode="lin" valueType="num">
+                                      <p:cBhvr additive="base">
+                                        <p:cTn id="15" dur="400" fill="hold"/>
+                                        <p:tgtEl>
+                                          <p:spTgt spid="28"/>
+                                        </p:tgtEl>
+                                        <p:attrNameLst>
+                                          <p:attrName>ppt_x</p:attrName>
+                                        </p:attrNameLst>
+                                      </p:cBhvr>
+                                      <p:tavLst>
+                                        <p:tav tm="0">
+                                          <p:val>
+                                            <p:strVal val="1+#ppt_w/2"/>
+                                          </p:val>
+                                        </p:tav>
+                                        <p:tav tm="100000">
+                                          <p:val>
+                                            <p:strVal val="#ppt_x"/>
+                                          </p:val>
+                                        </p:tav>
+                                      </p:tavLst>
+                                    </p:anim>
+                                    <p:anim calcmode="lin" valueType="num">
+                                      <p:cBhvr additive="base">
+                                        <p:cTn id="16" dur="400" fill="hold"/>
+                                        <p:tgtEl>
+                                          <p:spTgt spid="28"/>
+                                        </p:tgtEl>
+                                        <p:attrNameLst>
+                                          <p:attrName>ppt_y</p:attrName>
+                                        </p:attrNameLst>
+                                      </p:cBhvr>
+                                      <p:tavLst>
+                                        <p:tav tm="0">
+                                          <p:val>
+                                            <p:strVal val="0-#ppt_h/2"/>
+                                          </p:val>
+                                        </p:tav>
+                                        <p:tav tm="100000">
+                                          <p:val>
+                                            <p:strVal val="#ppt_y"/>
+                                          </p:val>
+                                        </p:tav>
+                                      </p:tavLst>
+                                    </p:anim>
+                                  </p:childTnLst>
+                                </p:cTn>
+                              </p:par>
+                              <p:par>
+                                <p:cTn id="17" presetID="2" presetClass="entr" presetSubtype="6" fill="hold" nodeType="withEffect">
+                                  <p:stCondLst>
+                                    <p:cond delay="0"/>
+                                  </p:stCondLst>
+                                  <p:childTnLst>
+                                    <p:set>
+                                      <p:cBhvr>
+                                        <p:cTn id="18" dur="1" fill="hold">
+                                          <p:stCondLst>
+                                            <p:cond delay="0"/>
+                                          </p:stCondLst>
+                                        </p:cTn>
+                                        <p:tgtEl>
+                                          <p:spTgt spid="27"/>
+                                        </p:tgtEl>
+                                        <p:attrNameLst>
+                                          <p:attrName>style.visibility</p:attrName>
+                                        </p:attrNameLst>
+                                      </p:cBhvr>
+                                      <p:to>
+                                        <p:strVal val="visible"/>
+                                      </p:to>
+                                    </p:set>
+                                    <p:anim calcmode="lin" valueType="num">
+                                      <p:cBhvr additive="base">
+                                        <p:cTn id="19" dur="400" fill="hold"/>
+                                        <p:tgtEl>
+                                          <p:spTgt spid="27"/>
+                                        </p:tgtEl>
+                                        <p:attrNameLst>
+                                          <p:attrName>ppt_x</p:attrName>
+                                        </p:attrNameLst>
+                                      </p:cBhvr>
+                                      <p:tavLst>
+                                        <p:tav tm="0">
+                                          <p:val>
+                                            <p:strVal val="1+#ppt_w/2"/>
+                                          </p:val>
+                                        </p:tav>
+                                        <p:tav tm="100000">
+                                          <p:val>
+                                            <p:strVal val="#ppt_x"/>
+                                          </p:val>
+                                        </p:tav>
+                                      </p:tavLst>
+                                    </p:anim>
+                                    <p:anim calcmode="lin" valueType="num">
+                                      <p:cBhvr additive="base">
+                                        <p:cTn id="20" dur="400" fill="hold"/>
+                                        <p:tgtEl>
+                                          <p:spTgt spid="27"/>
+                                        </p:tgtEl>
+                                        <p:attrNameLst>
+                                          <p:attrName>ppt_y</p:attrName>
+                                        </p:attrNameLst>
+                                      </p:cBhvr>
+                                      <p:tavLst>
+                                        <p:tav tm="0">
+                                          <p:val>
+                                            <p:strVal val="1+#ppt_h/2"/>
+                                          </p:val>
+                                        </p:tav>
+                                        <p:tav tm="100000">
+                                          <p:val>
+                                            <p:strVal val="#ppt_y"/>
+                                          </p:val>
+                                        </p:tav>
+                                      </p:tavLst>
+                                    </p:anim>
+                                  </p:childTnLst>
+                                </p:cTn>
+                              </p:par>
+                              <p:par>
+                                <p:cTn id="21" presetID="2" presetClass="entr" presetSubtype="12" fill="hold" nodeType="withEffect">
+                                  <p:stCondLst>
+                                    <p:cond delay="0"/>
+                                  </p:stCondLst>
+                                  <p:childTnLst>
+                                    <p:set>
+                                      <p:cBhvr>
+                                        <p:cTn id="22" dur="1" fill="hold">
+                                          <p:stCondLst>
+                                            <p:cond delay="0"/>
+                                          </p:stCondLst>
+                                        </p:cTn>
+                                        <p:tgtEl>
+                                          <p:spTgt spid="24"/>
+                                        </p:tgtEl>
+                                        <p:attrNameLst>
+                                          <p:attrName>style.visibility</p:attrName>
+                                        </p:attrNameLst>
+                                      </p:cBhvr>
+                                      <p:to>
+                                        <p:strVal val="visible"/>
+                                      </p:to>
+                                    </p:set>
+                                    <p:anim calcmode="lin" valueType="num">
+                                      <p:cBhvr additive="base">
+                                        <p:cTn id="23" dur="400" fill="hold"/>
+                                        <p:tgtEl>
+                                          <p:spTgt spid="24"/>
+                                        </p:tgtEl>
+                                        <p:attrNameLst>
+                                          <p:attrName>ppt_x</p:attrName>
+                                        </p:attrNameLst>
+                                      </p:cBhvr>
+                                      <p:tavLst>
+                                        <p:tav tm="0">
+                                          <p:val>
+                                            <p:strVal val="0-#ppt_w/2"/>
+                                          </p:val>
+                                        </p:tav>
+                                        <p:tav tm="100000">
+                                          <p:val>
+                                            <p:strVal val="#ppt_x"/>
+                                          </p:val>
+                                        </p:tav>
+                                      </p:tavLst>
+                                    </p:anim>
+                                    <p:anim calcmode="lin" valueType="num">
+                                      <p:cBhvr additive="base">
+                                        <p:cTn id="24" dur="400" fill="hold"/>
+                                        <p:tgtEl>
+                                          <p:spTgt spid="24"/>
+                                        </p:tgtEl>
+                                        <p:attrNameLst>
+                                          <p:attrName>ppt_y</p:attrName>
+                                        </p:attrNameLst>
+                                      </p:cBhvr>
+                                      <p:tavLst>
+                                        <p:tav tm="0">
+                                          <p:val>
+                                            <p:strVal val="1+#ppt_h/2"/>
+                                          </p:val>
+                                        </p:tav>
+                                        <p:tav tm="100000">
+                                          <p:val>
+                                            <p:strVal val="#ppt_y"/>
+                                          </p:val>
+                                        </p:tav>
+                                      </p:tavLst>
+                                    </p:anim>
+                                  </p:childTnLst>
+                                </p:cTn>
+                              </p:par>
+                            </p:childTnLst>
+                          </p:cTn>
+                        </p:par>
+                      </p:childTnLst>
+                    </p:cTn>
+                  </p:par>
+                </p:childTnLst>
+              </p:cTn>
+              <p:prevCondLst>
+                <p:cond evt="onPrev" delay="0">
+                  <p:tgtEl>
+                    <p:sldTgt/>
+                  </p:tgtEl>
+                </p:cond>
+              </p:prevCondLst>
+              <p:nextCondLst>
+                <p:cond evt="onNext" delay="0">
+                  <p:tgtEl>
+                    <p:sldTgt/>
+                  </p:tgtEl>
+                </p:cond>
+              </p:nextCondLst>
+            </p:seq>
+          </p:childTnLst>
+        </p:cTn>
+      </p:par>
+    </p:tnLst>
+  </p:timing>
 </p:sld>
 </file>
 

--- a/Nathan/Compte-rendus/REVUE-R1-GUIGAND-SFL6.pptx
+++ b/Nathan/Compte-rendus/REVUE-R1-GUIGAND-SFL6.pptx
@@ -10700,7 +10700,7 @@
         <p:spPr>
           <a:xfrm>
             <a:off x="11695175" y="627394"/>
-            <a:ext cx="64009" cy="1623269"/>
+            <a:ext cx="64009" cy="1606219"/>
           </a:xfrm>
           <a:prstGeom prst="rect">
             <a:avLst/>

--- a/Nathan/Compte-rendus/REVUE-R1-GUIGAND-SFL6.pptx
+++ b/Nathan/Compte-rendus/REVUE-R1-GUIGAND-SFL6.pptx
@@ -204,7 +204,7 @@
           <a:p>
             <a:fld id="{8F776215-2538-4AC2-BB65-76E63FC63770}" type="datetimeFigureOut">
               <a:rPr lang="fr-FR" smtClean="0"/>
-              <a:t>29/01/2020</a:t>
+              <a:t>31/01/2020</a:t>
             </a:fld>
             <a:endParaRPr lang="fr-FR"/>
           </a:p>
@@ -1194,7 +1194,7 @@
             <a:fld id="{B61BEF0D-F0BB-DE4B-95CE-6DB70DBA9567}" type="datetimeFigureOut">
               <a:rPr lang="en-US" smtClean="0"/>
               <a:pPr/>
-              <a:t>1/29/2020</a:t>
+              <a:t>1/31/2020</a:t>
             </a:fld>
             <a:endParaRPr lang="en-US" dirty="0"/>
           </a:p>
@@ -1442,7 +1442,7 @@
             <a:fld id="{B61BEF0D-F0BB-DE4B-95CE-6DB70DBA9567}" type="datetimeFigureOut">
               <a:rPr lang="en-US" smtClean="0"/>
               <a:pPr/>
-              <a:t>1/29/2020</a:t>
+              <a:t>1/31/2020</a:t>
             </a:fld>
             <a:endParaRPr lang="en-US" dirty="0"/>
           </a:p>
@@ -1753,7 +1753,7 @@
             <a:fld id="{B61BEF0D-F0BB-DE4B-95CE-6DB70DBA9567}" type="datetimeFigureOut">
               <a:rPr lang="en-US" smtClean="0"/>
               <a:pPr/>
-              <a:t>1/29/2020</a:t>
+              <a:t>1/31/2020</a:t>
             </a:fld>
             <a:endParaRPr lang="en-US" dirty="0"/>
           </a:p>
@@ -2091,7 +2091,7 @@
             <a:fld id="{B61BEF0D-F0BB-DE4B-95CE-6DB70DBA9567}" type="datetimeFigureOut">
               <a:rPr lang="en-US" smtClean="0"/>
               <a:pPr/>
-              <a:t>1/29/2020</a:t>
+              <a:t>1/31/2020</a:t>
             </a:fld>
             <a:endParaRPr lang="en-US" dirty="0"/>
           </a:p>
@@ -2402,7 +2402,7 @@
             <a:fld id="{B61BEF0D-F0BB-DE4B-95CE-6DB70DBA9567}" type="datetimeFigureOut">
               <a:rPr lang="en-US" smtClean="0"/>
               <a:pPr/>
-              <a:t>1/29/2020</a:t>
+              <a:t>1/31/2020</a:t>
             </a:fld>
             <a:endParaRPr lang="en-US" dirty="0"/>
           </a:p>
@@ -2792,7 +2792,7 @@
             <a:fld id="{B61BEF0D-F0BB-DE4B-95CE-6DB70DBA9567}" type="datetimeFigureOut">
               <a:rPr lang="en-US" smtClean="0"/>
               <a:pPr/>
-              <a:t>1/29/2020</a:t>
+              <a:t>1/31/2020</a:t>
             </a:fld>
             <a:endParaRPr lang="en-US" dirty="0"/>
           </a:p>
@@ -2958,7 +2958,7 @@
           <a:p>
             <a:fld id="{55C6B4A9-1611-4792-9094-5F34BCA07E0B}" type="datetimeFigureOut">
               <a:rPr lang="en-US" smtClean="0"/>
-              <a:t>1/29/2020</a:t>
+              <a:t>1/31/2020</a:t>
             </a:fld>
             <a:endParaRPr lang="en-US" dirty="0"/>
           </a:p>
@@ -3134,7 +3134,7 @@
             <a:fld id="{B61BEF0D-F0BB-DE4B-95CE-6DB70DBA9567}" type="datetimeFigureOut">
               <a:rPr lang="en-US" smtClean="0"/>
               <a:pPr/>
-              <a:t>1/29/2020</a:t>
+              <a:t>1/31/2020</a:t>
             </a:fld>
             <a:endParaRPr lang="en-US" dirty="0"/>
           </a:p>
@@ -3307,7 +3307,7 @@
             <a:fld id="{B61BEF0D-F0BB-DE4B-95CE-6DB70DBA9567}" type="datetimeFigureOut">
               <a:rPr lang="en-US" smtClean="0"/>
               <a:pPr/>
-              <a:t>1/29/2020</a:t>
+              <a:t>1/31/2020</a:t>
             </a:fld>
             <a:endParaRPr lang="en-US" dirty="0"/>
           </a:p>
@@ -3551,7 +3551,7 @@
             <a:fld id="{B61BEF0D-F0BB-DE4B-95CE-6DB70DBA9567}" type="datetimeFigureOut">
               <a:rPr lang="en-US" smtClean="0"/>
               <a:pPr/>
-              <a:t>1/29/2020</a:t>
+              <a:t>1/31/2020</a:t>
             </a:fld>
             <a:endParaRPr lang="en-US" dirty="0"/>
           </a:p>
@@ -3779,7 +3779,7 @@
           <a:p>
             <a:fld id="{EB712588-04B1-427B-82EE-E8DB90309F08}" type="datetimeFigureOut">
               <a:rPr lang="en-US" smtClean="0"/>
-              <a:t>1/29/2020</a:t>
+              <a:t>1/31/2020</a:t>
             </a:fld>
             <a:endParaRPr lang="en-US" dirty="0"/>
           </a:p>
@@ -4149,7 +4149,7 @@
             <a:fld id="{B61BEF0D-F0BB-DE4B-95CE-6DB70DBA9567}" type="datetimeFigureOut">
               <a:rPr lang="en-US" smtClean="0"/>
               <a:pPr/>
-              <a:t>1/29/2020</a:t>
+              <a:t>1/31/2020</a:t>
             </a:fld>
             <a:endParaRPr lang="en-US" dirty="0"/>
           </a:p>
@@ -4269,7 +4269,7 @@
             <a:fld id="{B61BEF0D-F0BB-DE4B-95CE-6DB70DBA9567}" type="datetimeFigureOut">
               <a:rPr lang="en-US" smtClean="0"/>
               <a:pPr/>
-              <a:t>1/29/2020</a:t>
+              <a:t>1/31/2020</a:t>
             </a:fld>
             <a:endParaRPr lang="en-US" dirty="0"/>
           </a:p>
@@ -4361,7 +4361,7 @@
             <a:fld id="{B61BEF0D-F0BB-DE4B-95CE-6DB70DBA9567}" type="datetimeFigureOut">
               <a:rPr lang="en-US" smtClean="0"/>
               <a:pPr/>
-              <a:t>1/29/2020</a:t>
+              <a:t>1/31/2020</a:t>
             </a:fld>
             <a:endParaRPr lang="en-US" dirty="0"/>
           </a:p>
@@ -4612,7 +4612,7 @@
           <a:p>
             <a:fld id="{42A54C80-263E-416B-A8E0-580EDEADCBDC}" type="datetimeFigureOut">
               <a:rPr lang="en-US" smtClean="0"/>
-              <a:t>1/29/2020</a:t>
+              <a:t>1/31/2020</a:t>
             </a:fld>
             <a:endParaRPr lang="en-US" dirty="0"/>
           </a:p>
@@ -4871,7 +4871,7 @@
             <a:fld id="{B61BEF0D-F0BB-DE4B-95CE-6DB70DBA9567}" type="datetimeFigureOut">
               <a:rPr lang="en-US" smtClean="0"/>
               <a:pPr/>
-              <a:t>1/29/2020</a:t>
+              <a:t>1/31/2020</a:t>
             </a:fld>
             <a:endParaRPr lang="en-US" dirty="0"/>
           </a:p>
@@ -5611,7 +5611,7 @@
             <a:fld id="{B61BEF0D-F0BB-DE4B-95CE-6DB70DBA9567}" type="datetimeFigureOut">
               <a:rPr lang="en-US" smtClean="0"/>
               <a:pPr/>
-              <a:t>1/29/2020</a:t>
+              <a:t>1/31/2020</a:t>
             </a:fld>
             <a:endParaRPr lang="en-US" dirty="0"/>
           </a:p>
@@ -8753,13 +8753,13 @@
   <p:clrMapOvr>
     <a:masterClrMapping/>
   </p:clrMapOvr>
-  <mc:AlternateContent xmlns:mc="http://schemas.openxmlformats.org/markup-compatibility/2006" xmlns:p14="http://schemas.microsoft.com/office/powerpoint/2010/main">
-    <mc:Choice Requires="p14">
-      <p:transition spd="slow" p14:dur="3400">
+  <mc:AlternateContent xmlns:mc="http://schemas.openxmlformats.org/markup-compatibility/2006">
+    <mc:Choice xmlns:p14="http://schemas.microsoft.com/office/powerpoint/2010/main" Requires="p14">
+      <p:transition spd="slow" p14:dur="1750">
         <p14:reveal/>
       </p:transition>
     </mc:Choice>
-    <mc:Fallback xmlns="">
+    <mc:Fallback>
       <p:transition spd="slow">
         <p:fade/>
       </p:transition>
@@ -14299,6 +14299,58 @@
           </a:prstGeom>
           <a:solidFill>
             <a:srgbClr val="A31257"/>
+          </a:solidFill>
+          <a:ln>
+            <a:noFill/>
+          </a:ln>
+        </p:spPr>
+        <p:style>
+          <a:lnRef idx="2">
+            <a:schemeClr val="accent1">
+              <a:shade val="50000"/>
+            </a:schemeClr>
+          </a:lnRef>
+          <a:fillRef idx="1">
+            <a:schemeClr val="accent1"/>
+          </a:fillRef>
+          <a:effectRef idx="0">
+            <a:schemeClr val="accent1"/>
+          </a:effectRef>
+          <a:fontRef idx="minor">
+            <a:schemeClr val="lt1"/>
+          </a:fontRef>
+        </p:style>
+        <p:txBody>
+          <a:bodyPr rtlCol="0" anchor="ctr"/>
+          <a:lstStyle/>
+          <a:p>
+            <a:pPr algn="ctr"/>
+            <a:endParaRPr lang="fr-FR"/>
+          </a:p>
+        </p:txBody>
+      </p:sp>
+      <p:sp>
+        <p:nvSpPr>
+          <p:cNvPr id="4" name="Rectangle 3">
+            <a:extLst>
+              <a:ext uri="{FF2B5EF4-FFF2-40B4-BE49-F238E27FC236}">
+                <a16:creationId xmlns:a16="http://schemas.microsoft.com/office/drawing/2014/main" id="{E81D67D7-97DC-42FE-9F9F-E2049089BC8A}"/>
+              </a:ext>
+            </a:extLst>
+          </p:cNvPr>
+          <p:cNvSpPr/>
+          <p:nvPr/>
+        </p:nvSpPr>
+        <p:spPr>
+          <a:xfrm>
+            <a:off x="5355431" y="5367338"/>
+            <a:ext cx="797719" cy="45719"/>
+          </a:xfrm>
+          <a:prstGeom prst="rect">
+            <a:avLst/>
+          </a:prstGeom>
+          <a:solidFill>
+            <a:schemeClr val="bg1"/>
           </a:solidFill>
           <a:ln>
             <a:noFill/>

--- a/Nathan/Compte-rendus/REVUE-R1-GUIGAND-SFL6.pptx
+++ b/Nathan/Compte-rendus/REVUE-R1-GUIGAND-SFL6.pptx
@@ -5,7 +5,7 @@
     <p:sldMasterId id="2147483648" r:id="rId1"/>
   </p:sldMasterIdLst>
   <p:notesMasterIdLst>
-    <p:notesMasterId r:id="rId10"/>
+    <p:notesMasterId r:id="rId9"/>
   </p:notesMasterIdLst>
   <p:sldIdLst>
     <p:sldId id="256" r:id="rId2"/>
@@ -15,7 +15,6 @@
     <p:sldId id="266" r:id="rId6"/>
     <p:sldId id="260" r:id="rId7"/>
     <p:sldId id="262" r:id="rId8"/>
-    <p:sldId id="263" r:id="rId9"/>
   </p:sldIdLst>
   <p:sldSz cx="12192000" cy="6858000"/>
   <p:notesSz cx="6858000" cy="9144000"/>
@@ -8753,13 +8752,13 @@
   <p:clrMapOvr>
     <a:masterClrMapping/>
   </p:clrMapOvr>
-  <mc:AlternateContent xmlns:mc="http://schemas.openxmlformats.org/markup-compatibility/2006">
-    <mc:Choice xmlns:p14="http://schemas.microsoft.com/office/powerpoint/2010/main" Requires="p14">
+  <mc:AlternateContent xmlns:mc="http://schemas.openxmlformats.org/markup-compatibility/2006" xmlns:p14="http://schemas.microsoft.com/office/powerpoint/2010/main">
+    <mc:Choice Requires="p14">
       <p:transition spd="slow" p14:dur="1750">
         <p14:reveal/>
       </p:transition>
     </mc:Choice>
-    <mc:Fallback>
+    <mc:Fallback xmlns="">
       <p:transition spd="slow">
         <p:fade/>
       </p:transition>
@@ -14385,128 +14384,6 @@
     <p:extLst>
       <p:ext uri="{BB962C8B-B14F-4D97-AF65-F5344CB8AC3E}">
         <p14:creationId xmlns:p14="http://schemas.microsoft.com/office/powerpoint/2010/main" val="4044395586"/>
-      </p:ext>
-    </p:extLst>
-  </p:cSld>
-  <p:clrMapOvr>
-    <a:masterClrMapping/>
-  </p:clrMapOvr>
-  <mc:AlternateContent xmlns:mc="http://schemas.openxmlformats.org/markup-compatibility/2006" xmlns:p159="http://schemas.microsoft.com/office/powerpoint/2015/09/main">
-    <mc:Choice Requires="p159">
-      <p:transition xmlns:p14="http://schemas.microsoft.com/office/powerpoint/2010/main" spd="slow" p14:dur="2000">
-        <p159:morph option="byObject"/>
-      </p:transition>
-    </mc:Choice>
-    <mc:Fallback xmlns="">
-      <p:transition spd="slow">
-        <p:fade/>
-      </p:transition>
-    </mc:Fallback>
-  </mc:AlternateContent>
-</p:sld>
-</file>
-
-<file path=ppt/slides/slide8.xml><?xml version="1.0" encoding="utf-8"?>
-<p:sld xmlns:a="http://schemas.openxmlformats.org/drawingml/2006/main" xmlns:r="http://schemas.openxmlformats.org/officeDocument/2006/relationships" xmlns:p="http://schemas.openxmlformats.org/presentationml/2006/main">
-  <p:cSld>
-    <p:spTree>
-      <p:nvGrpSpPr>
-        <p:cNvPr id="1" name=""/>
-        <p:cNvGrpSpPr/>
-        <p:nvPr/>
-      </p:nvGrpSpPr>
-      <p:grpSpPr>
-        <a:xfrm>
-          <a:off x="0" y="0"/>
-          <a:ext cx="0" cy="0"/>
-          <a:chOff x="0" y="0"/>
-          <a:chExt cx="0" cy="0"/>
-        </a:xfrm>
-      </p:grpSpPr>
-      <p:pic>
-        <p:nvPicPr>
-          <p:cNvPr id="1026" name="Picture 2" descr="Image associée">
-            <a:extLst>
-              <a:ext uri="{FF2B5EF4-FFF2-40B4-BE49-F238E27FC236}">
-                <a16:creationId xmlns:a16="http://schemas.microsoft.com/office/drawing/2014/main" id="{C816F3D8-CC4C-46B3-A21E-58AE9AD30454}"/>
-              </a:ext>
-            </a:extLst>
-          </p:cNvPr>
-          <p:cNvPicPr>
-            <a:picLocks noChangeAspect="1" noChangeArrowheads="1"/>
-          </p:cNvPicPr>
-          <p:nvPr/>
-        </p:nvPicPr>
-        <p:blipFill rotWithShape="1">
-          <a:blip r:embed="rId2">
-            <a:extLst>
-              <a:ext uri="{28A0092B-C50C-407E-A947-70E740481C1C}">
-                <a14:useLocalDpi xmlns:a14="http://schemas.microsoft.com/office/drawing/2010/main" val="0"/>
-              </a:ext>
-            </a:extLst>
-          </a:blip>
-          <a:srcRect l="18677" r="15441"/>
-          <a:stretch/>
-        </p:blipFill>
-        <p:spPr bwMode="auto">
-          <a:xfrm>
-            <a:off x="143436" y="143435"/>
-            <a:ext cx="2269635" cy="609600"/>
-          </a:xfrm>
-          <a:prstGeom prst="rect">
-            <a:avLst/>
-          </a:prstGeom>
-          <a:noFill/>
-          <a:extLst>
-            <a:ext uri="{909E8E84-426E-40DD-AFC4-6F175D3DCCD1}">
-              <a14:hiddenFill xmlns:a14="http://schemas.microsoft.com/office/drawing/2010/main">
-                <a:solidFill>
-                  <a:srgbClr val="FFFFFF"/>
-                </a:solidFill>
-              </a14:hiddenFill>
-            </a:ext>
-          </a:extLst>
-        </p:spPr>
-      </p:pic>
-      <p:sp>
-        <p:nvSpPr>
-          <p:cNvPr id="4" name="ZoneTexte 3">
-            <a:extLst>
-              <a:ext uri="{FF2B5EF4-FFF2-40B4-BE49-F238E27FC236}">
-                <a16:creationId xmlns:a16="http://schemas.microsoft.com/office/drawing/2014/main" id="{5B6BD707-77DE-4006-9CD0-14C2F2AAAF95}"/>
-              </a:ext>
-            </a:extLst>
-          </p:cNvPr>
-          <p:cNvSpPr txBox="1"/>
-          <p:nvPr/>
-        </p:nvSpPr>
-        <p:spPr>
-          <a:xfrm>
-            <a:off x="1" y="6378766"/>
-            <a:ext cx="429658" cy="461665"/>
-          </a:xfrm>
-          <a:prstGeom prst="rect">
-            <a:avLst/>
-          </a:prstGeom>
-          <a:noFill/>
-        </p:spPr>
-        <p:txBody>
-          <a:bodyPr wrap="square" rtlCol="0">
-            <a:spAutoFit/>
-          </a:bodyPr>
-          <a:lstStyle/>
-          <a:p>
-            <a:r>
-              <a:rPr lang="fr-FR" sz="2400" dirty="0"/>
-              <a:t>6</a:t>
-            </a:r>
-          </a:p>
-        </p:txBody>
-      </p:sp>
-    </p:spTree>
-    <p:extLst>
-      <p:ext uri="{BB962C8B-B14F-4D97-AF65-F5344CB8AC3E}">
-        <p14:creationId xmlns:p14="http://schemas.microsoft.com/office/powerpoint/2010/main" val="779748466"/>
       </p:ext>
     </p:extLst>
   </p:cSld>

--- a/Nathan/Compte-rendus/REVUE-R1-GUIGAND-SFL6.pptx
+++ b/Nathan/Compte-rendus/REVUE-R1-GUIGAND-SFL6.pptx
@@ -9953,8 +9953,8 @@
         </p:nvSpPr>
         <p:spPr>
           <a:xfrm>
-            <a:off x="2926080" y="947451"/>
-            <a:ext cx="5931481" cy="3199099"/>
+            <a:off x="3639312" y="947451"/>
+            <a:ext cx="5218249" cy="3199099"/>
           </a:xfrm>
           <a:prstGeom prst="rect">
             <a:avLst/>
@@ -10706,6 +10706,60 @@
           </a:prstGeom>
           <a:solidFill>
             <a:srgbClr val="A31257"/>
+          </a:solidFill>
+          <a:ln>
+            <a:noFill/>
+          </a:ln>
+        </p:spPr>
+        <p:style>
+          <a:lnRef idx="2">
+            <a:schemeClr val="accent1">
+              <a:shade val="50000"/>
+            </a:schemeClr>
+          </a:lnRef>
+          <a:fillRef idx="1">
+            <a:schemeClr val="accent1"/>
+          </a:fillRef>
+          <a:effectRef idx="0">
+            <a:schemeClr val="accent1"/>
+          </a:effectRef>
+          <a:fontRef idx="minor">
+            <a:schemeClr val="lt1"/>
+          </a:fontRef>
+        </p:style>
+        <p:txBody>
+          <a:bodyPr rtlCol="0" anchor="ctr"/>
+          <a:lstStyle/>
+          <a:p>
+            <a:pPr algn="ctr"/>
+            <a:endParaRPr lang="fr-FR"/>
+          </a:p>
+        </p:txBody>
+      </p:sp>
+      <p:sp>
+        <p:nvSpPr>
+          <p:cNvPr id="25" name="Rectangle 24">
+            <a:extLst>
+              <a:ext uri="{FF2B5EF4-FFF2-40B4-BE49-F238E27FC236}">
+                <a16:creationId xmlns:a16="http://schemas.microsoft.com/office/drawing/2014/main" id="{5A59C821-7AB3-476E-B068-5F29B4D0712C}"/>
+              </a:ext>
+            </a:extLst>
+          </p:cNvPr>
+          <p:cNvSpPr/>
+          <p:nvPr/>
+        </p:nvSpPr>
+        <p:spPr>
+          <a:xfrm>
+            <a:off x="2926080" y="936993"/>
+            <a:ext cx="713229" cy="1861341"/>
+          </a:xfrm>
+          <a:prstGeom prst="rect">
+            <a:avLst/>
+          </a:prstGeom>
+          <a:solidFill>
+            <a:schemeClr val="accent1">
+              <a:alpha val="35000"/>
+            </a:schemeClr>
           </a:solidFill>
           <a:ln>
             <a:noFill/>
@@ -12567,7 +12621,7 @@
         <p:spPr>
           <a:xfrm>
             <a:off x="1701832" y="5148140"/>
-            <a:ext cx="5928687" cy="1612174"/>
+            <a:ext cx="6457096" cy="1612174"/>
           </a:xfrm>
           <a:prstGeom prst="rect">
             <a:avLst/>
@@ -12653,7 +12707,15 @@
                   <a:schemeClr val="tx1"/>
                 </a:solidFill>
               </a:rPr>
-              <a:t>Installation clé WIFI sur Raspberry</a:t>
+              <a:t>Installation clé WIFI sur Raspberry </a:t>
+            </a:r>
+            <a:r>
+              <a:rPr lang="fr-FR" i="1" dirty="0">
+                <a:solidFill>
+                  <a:schemeClr val="tx1"/>
+                </a:solidFill>
+              </a:rPr>
+              <a:t>-&gt; TP Link WN725N</a:t>
             </a:r>
           </a:p>
           <a:p>

--- a/Nathan/Compte-rendus/REVUE-R1-GUIGAND-SFL6.pptx
+++ b/Nathan/Compte-rendus/REVUE-R1-GUIGAND-SFL6.pptx
@@ -11854,7 +11854,7 @@
         <p:spPr>
           <a:xfrm>
             <a:off x="143436" y="1886284"/>
-            <a:ext cx="4067728" cy="2527541"/>
+            <a:ext cx="4245684" cy="2527541"/>
           </a:xfrm>
           <a:prstGeom prst="rect">
             <a:avLst/>
@@ -11954,7 +11954,7 @@
                   <a:schemeClr val="tx1"/>
                 </a:solidFill>
               </a:rPr>
-              <a:t>Envoie d’un indice à l’afficheur</a:t>
+              <a:t>Envoyer un indice à l’afficheur</a:t>
             </a:r>
           </a:p>
           <a:p>
@@ -12395,7 +12395,7 @@
                   <a:schemeClr val="tx1"/>
                 </a:solidFill>
               </a:rPr>
-              <a:t>Chronomètre</a:t>
+              <a:t>(Chronomètre)</a:t>
             </a:r>
           </a:p>
         </p:txBody>
@@ -12411,13 +12411,14 @@
           </p:cNvPr>
           <p:cNvCxnSpPr>
             <a:cxnSpLocks/>
+            <a:endCxn id="22" idx="1"/>
           </p:cNvCxnSpPr>
           <p:nvPr/>
         </p:nvCxnSpPr>
         <p:spPr>
           <a:xfrm flipV="1">
-            <a:off x="3344249" y="3165081"/>
-            <a:ext cx="1721527" cy="422550"/>
+            <a:off x="4233221" y="3150054"/>
+            <a:ext cx="904700" cy="415138"/>
           </a:xfrm>
           <a:prstGeom prst="straightConnector1">
             <a:avLst/>

--- a/Nathan/Compte-rendus/REVUE-R1-GUIGAND-SFL6.pptx
+++ b/Nathan/Compte-rendus/REVUE-R1-GUIGAND-SFL6.pptx
@@ -11853,8 +11853,8 @@
         </p:nvSpPr>
         <p:spPr>
           <a:xfrm>
-            <a:off x="143436" y="1886284"/>
-            <a:ext cx="4245684" cy="2527541"/>
+            <a:off x="143436" y="1816390"/>
+            <a:ext cx="4023468" cy="2734124"/>
           </a:xfrm>
           <a:prstGeom prst="rect">
             <a:avLst/>
@@ -12417,8 +12417,8 @@
         </p:nvCxnSpPr>
         <p:spPr>
           <a:xfrm flipV="1">
-            <a:off x="4233221" y="3150054"/>
-            <a:ext cx="904700" cy="415138"/>
+            <a:off x="3511296" y="3150054"/>
+            <a:ext cx="1626625" cy="343902"/>
           </a:xfrm>
           <a:prstGeom prst="straightConnector1">
             <a:avLst/>

--- a/Nathan/Compte-rendus/REVUE-R1-GUIGAND-SFL6.pptx
+++ b/Nathan/Compte-rendus/REVUE-R1-GUIGAND-SFL6.pptx
@@ -203,7 +203,7 @@
           <a:p>
             <a:fld id="{8F776215-2538-4AC2-BB65-76E63FC63770}" type="datetimeFigureOut">
               <a:rPr lang="fr-FR" smtClean="0"/>
-              <a:t>31/01/2020</a:t>
+              <a:t>04/02/2020</a:t>
             </a:fld>
             <a:endParaRPr lang="fr-FR"/>
           </a:p>
@@ -1193,7 +1193,7 @@
             <a:fld id="{B61BEF0D-F0BB-DE4B-95CE-6DB70DBA9567}" type="datetimeFigureOut">
               <a:rPr lang="en-US" smtClean="0"/>
               <a:pPr/>
-              <a:t>1/31/2020</a:t>
+              <a:t>2/4/2020</a:t>
             </a:fld>
             <a:endParaRPr lang="en-US" dirty="0"/>
           </a:p>
@@ -1441,7 +1441,7 @@
             <a:fld id="{B61BEF0D-F0BB-DE4B-95CE-6DB70DBA9567}" type="datetimeFigureOut">
               <a:rPr lang="en-US" smtClean="0"/>
               <a:pPr/>
-              <a:t>1/31/2020</a:t>
+              <a:t>2/4/2020</a:t>
             </a:fld>
             <a:endParaRPr lang="en-US" dirty="0"/>
           </a:p>
@@ -1752,7 +1752,7 @@
             <a:fld id="{B61BEF0D-F0BB-DE4B-95CE-6DB70DBA9567}" type="datetimeFigureOut">
               <a:rPr lang="en-US" smtClean="0"/>
               <a:pPr/>
-              <a:t>1/31/2020</a:t>
+              <a:t>2/4/2020</a:t>
             </a:fld>
             <a:endParaRPr lang="en-US" dirty="0"/>
           </a:p>
@@ -2090,7 +2090,7 @@
             <a:fld id="{B61BEF0D-F0BB-DE4B-95CE-6DB70DBA9567}" type="datetimeFigureOut">
               <a:rPr lang="en-US" smtClean="0"/>
               <a:pPr/>
-              <a:t>1/31/2020</a:t>
+              <a:t>2/4/2020</a:t>
             </a:fld>
             <a:endParaRPr lang="en-US" dirty="0"/>
           </a:p>
@@ -2401,7 +2401,7 @@
             <a:fld id="{B61BEF0D-F0BB-DE4B-95CE-6DB70DBA9567}" type="datetimeFigureOut">
               <a:rPr lang="en-US" smtClean="0"/>
               <a:pPr/>
-              <a:t>1/31/2020</a:t>
+              <a:t>2/4/2020</a:t>
             </a:fld>
             <a:endParaRPr lang="en-US" dirty="0"/>
           </a:p>
@@ -2791,7 +2791,7 @@
             <a:fld id="{B61BEF0D-F0BB-DE4B-95CE-6DB70DBA9567}" type="datetimeFigureOut">
               <a:rPr lang="en-US" smtClean="0"/>
               <a:pPr/>
-              <a:t>1/31/2020</a:t>
+              <a:t>2/4/2020</a:t>
             </a:fld>
             <a:endParaRPr lang="en-US" dirty="0"/>
           </a:p>
@@ -2957,7 +2957,7 @@
           <a:p>
             <a:fld id="{55C6B4A9-1611-4792-9094-5F34BCA07E0B}" type="datetimeFigureOut">
               <a:rPr lang="en-US" smtClean="0"/>
-              <a:t>1/31/2020</a:t>
+              <a:t>2/4/2020</a:t>
             </a:fld>
             <a:endParaRPr lang="en-US" dirty="0"/>
           </a:p>
@@ -3133,7 +3133,7 @@
             <a:fld id="{B61BEF0D-F0BB-DE4B-95CE-6DB70DBA9567}" type="datetimeFigureOut">
               <a:rPr lang="en-US" smtClean="0"/>
               <a:pPr/>
-              <a:t>1/31/2020</a:t>
+              <a:t>2/4/2020</a:t>
             </a:fld>
             <a:endParaRPr lang="en-US" dirty="0"/>
           </a:p>
@@ -3306,7 +3306,7 @@
             <a:fld id="{B61BEF0D-F0BB-DE4B-95CE-6DB70DBA9567}" type="datetimeFigureOut">
               <a:rPr lang="en-US" smtClean="0"/>
               <a:pPr/>
-              <a:t>1/31/2020</a:t>
+              <a:t>2/4/2020</a:t>
             </a:fld>
             <a:endParaRPr lang="en-US" dirty="0"/>
           </a:p>
@@ -3550,7 +3550,7 @@
             <a:fld id="{B61BEF0D-F0BB-DE4B-95CE-6DB70DBA9567}" type="datetimeFigureOut">
               <a:rPr lang="en-US" smtClean="0"/>
               <a:pPr/>
-              <a:t>1/31/2020</a:t>
+              <a:t>2/4/2020</a:t>
             </a:fld>
             <a:endParaRPr lang="en-US" dirty="0"/>
           </a:p>
@@ -3778,7 +3778,7 @@
           <a:p>
             <a:fld id="{EB712588-04B1-427B-82EE-E8DB90309F08}" type="datetimeFigureOut">
               <a:rPr lang="en-US" smtClean="0"/>
-              <a:t>1/31/2020</a:t>
+              <a:t>2/4/2020</a:t>
             </a:fld>
             <a:endParaRPr lang="en-US" dirty="0"/>
           </a:p>
@@ -4148,7 +4148,7 @@
             <a:fld id="{B61BEF0D-F0BB-DE4B-95CE-6DB70DBA9567}" type="datetimeFigureOut">
               <a:rPr lang="en-US" smtClean="0"/>
               <a:pPr/>
-              <a:t>1/31/2020</a:t>
+              <a:t>2/4/2020</a:t>
             </a:fld>
             <a:endParaRPr lang="en-US" dirty="0"/>
           </a:p>
@@ -4268,7 +4268,7 @@
             <a:fld id="{B61BEF0D-F0BB-DE4B-95CE-6DB70DBA9567}" type="datetimeFigureOut">
               <a:rPr lang="en-US" smtClean="0"/>
               <a:pPr/>
-              <a:t>1/31/2020</a:t>
+              <a:t>2/4/2020</a:t>
             </a:fld>
             <a:endParaRPr lang="en-US" dirty="0"/>
           </a:p>
@@ -4360,7 +4360,7 @@
             <a:fld id="{B61BEF0D-F0BB-DE4B-95CE-6DB70DBA9567}" type="datetimeFigureOut">
               <a:rPr lang="en-US" smtClean="0"/>
               <a:pPr/>
-              <a:t>1/31/2020</a:t>
+              <a:t>2/4/2020</a:t>
             </a:fld>
             <a:endParaRPr lang="en-US" dirty="0"/>
           </a:p>
@@ -4611,7 +4611,7 @@
           <a:p>
             <a:fld id="{42A54C80-263E-416B-A8E0-580EDEADCBDC}" type="datetimeFigureOut">
               <a:rPr lang="en-US" smtClean="0"/>
-              <a:t>1/31/2020</a:t>
+              <a:t>2/4/2020</a:t>
             </a:fld>
             <a:endParaRPr lang="en-US" dirty="0"/>
           </a:p>
@@ -4870,7 +4870,7 @@
             <a:fld id="{B61BEF0D-F0BB-DE4B-95CE-6DB70DBA9567}" type="datetimeFigureOut">
               <a:rPr lang="en-US" smtClean="0"/>
               <a:pPr/>
-              <a:t>1/31/2020</a:t>
+              <a:t>2/4/2020</a:t>
             </a:fld>
             <a:endParaRPr lang="en-US" dirty="0"/>
           </a:p>
@@ -5610,7 +5610,7 @@
             <a:fld id="{B61BEF0D-F0BB-DE4B-95CE-6DB70DBA9567}" type="datetimeFigureOut">
               <a:rPr lang="en-US" smtClean="0"/>
               <a:pPr/>
-              <a:t>1/31/2020</a:t>
+              <a:t>2/4/2020</a:t>
             </a:fld>
             <a:endParaRPr lang="en-US" dirty="0"/>
           </a:p>

--- a/Nathan/Compte-rendus/REVUE-R1-GUIGAND-SFL6.pptx
+++ b/Nathan/Compte-rendus/REVUE-R1-GUIGAND-SFL6.pptx
@@ -203,7 +203,7 @@
           <a:p>
             <a:fld id="{8F776215-2538-4AC2-BB65-76E63FC63770}" type="datetimeFigureOut">
               <a:rPr lang="fr-FR" smtClean="0"/>
-              <a:t>04/02/2020</a:t>
+              <a:t>06/03/2020</a:t>
             </a:fld>
             <a:endParaRPr lang="fr-FR"/>
           </a:p>
@@ -1193,7 +1193,7 @@
             <a:fld id="{B61BEF0D-F0BB-DE4B-95CE-6DB70DBA9567}" type="datetimeFigureOut">
               <a:rPr lang="en-US" smtClean="0"/>
               <a:pPr/>
-              <a:t>2/4/2020</a:t>
+              <a:t>3/6/2020</a:t>
             </a:fld>
             <a:endParaRPr lang="en-US" dirty="0"/>
           </a:p>
@@ -1441,7 +1441,7 @@
             <a:fld id="{B61BEF0D-F0BB-DE4B-95CE-6DB70DBA9567}" type="datetimeFigureOut">
               <a:rPr lang="en-US" smtClean="0"/>
               <a:pPr/>
-              <a:t>2/4/2020</a:t>
+              <a:t>3/6/2020</a:t>
             </a:fld>
             <a:endParaRPr lang="en-US" dirty="0"/>
           </a:p>
@@ -1752,7 +1752,7 @@
             <a:fld id="{B61BEF0D-F0BB-DE4B-95CE-6DB70DBA9567}" type="datetimeFigureOut">
               <a:rPr lang="en-US" smtClean="0"/>
               <a:pPr/>
-              <a:t>2/4/2020</a:t>
+              <a:t>3/6/2020</a:t>
             </a:fld>
             <a:endParaRPr lang="en-US" dirty="0"/>
           </a:p>
@@ -2090,7 +2090,7 @@
             <a:fld id="{B61BEF0D-F0BB-DE4B-95CE-6DB70DBA9567}" type="datetimeFigureOut">
               <a:rPr lang="en-US" smtClean="0"/>
               <a:pPr/>
-              <a:t>2/4/2020</a:t>
+              <a:t>3/6/2020</a:t>
             </a:fld>
             <a:endParaRPr lang="en-US" dirty="0"/>
           </a:p>
@@ -2401,7 +2401,7 @@
             <a:fld id="{B61BEF0D-F0BB-DE4B-95CE-6DB70DBA9567}" type="datetimeFigureOut">
               <a:rPr lang="en-US" smtClean="0"/>
               <a:pPr/>
-              <a:t>2/4/2020</a:t>
+              <a:t>3/6/2020</a:t>
             </a:fld>
             <a:endParaRPr lang="en-US" dirty="0"/>
           </a:p>
@@ -2791,7 +2791,7 @@
             <a:fld id="{B61BEF0D-F0BB-DE4B-95CE-6DB70DBA9567}" type="datetimeFigureOut">
               <a:rPr lang="en-US" smtClean="0"/>
               <a:pPr/>
-              <a:t>2/4/2020</a:t>
+              <a:t>3/6/2020</a:t>
             </a:fld>
             <a:endParaRPr lang="en-US" dirty="0"/>
           </a:p>
@@ -2957,7 +2957,7 @@
           <a:p>
             <a:fld id="{55C6B4A9-1611-4792-9094-5F34BCA07E0B}" type="datetimeFigureOut">
               <a:rPr lang="en-US" smtClean="0"/>
-              <a:t>2/4/2020</a:t>
+              <a:t>3/6/2020</a:t>
             </a:fld>
             <a:endParaRPr lang="en-US" dirty="0"/>
           </a:p>
@@ -3133,7 +3133,7 @@
             <a:fld id="{B61BEF0D-F0BB-DE4B-95CE-6DB70DBA9567}" type="datetimeFigureOut">
               <a:rPr lang="en-US" smtClean="0"/>
               <a:pPr/>
-              <a:t>2/4/2020</a:t>
+              <a:t>3/6/2020</a:t>
             </a:fld>
             <a:endParaRPr lang="en-US" dirty="0"/>
           </a:p>
@@ -3306,7 +3306,7 @@
             <a:fld id="{B61BEF0D-F0BB-DE4B-95CE-6DB70DBA9567}" type="datetimeFigureOut">
               <a:rPr lang="en-US" smtClean="0"/>
               <a:pPr/>
-              <a:t>2/4/2020</a:t>
+              <a:t>3/6/2020</a:t>
             </a:fld>
             <a:endParaRPr lang="en-US" dirty="0"/>
           </a:p>
@@ -3550,7 +3550,7 @@
             <a:fld id="{B61BEF0D-F0BB-DE4B-95CE-6DB70DBA9567}" type="datetimeFigureOut">
               <a:rPr lang="en-US" smtClean="0"/>
               <a:pPr/>
-              <a:t>2/4/2020</a:t>
+              <a:t>3/6/2020</a:t>
             </a:fld>
             <a:endParaRPr lang="en-US" dirty="0"/>
           </a:p>
@@ -3778,7 +3778,7 @@
           <a:p>
             <a:fld id="{EB712588-04B1-427B-82EE-E8DB90309F08}" type="datetimeFigureOut">
               <a:rPr lang="en-US" smtClean="0"/>
-              <a:t>2/4/2020</a:t>
+              <a:t>3/6/2020</a:t>
             </a:fld>
             <a:endParaRPr lang="en-US" dirty="0"/>
           </a:p>
@@ -4148,7 +4148,7 @@
             <a:fld id="{B61BEF0D-F0BB-DE4B-95CE-6DB70DBA9567}" type="datetimeFigureOut">
               <a:rPr lang="en-US" smtClean="0"/>
               <a:pPr/>
-              <a:t>2/4/2020</a:t>
+              <a:t>3/6/2020</a:t>
             </a:fld>
             <a:endParaRPr lang="en-US" dirty="0"/>
           </a:p>
@@ -4268,7 +4268,7 @@
             <a:fld id="{B61BEF0D-F0BB-DE4B-95CE-6DB70DBA9567}" type="datetimeFigureOut">
               <a:rPr lang="en-US" smtClean="0"/>
               <a:pPr/>
-              <a:t>2/4/2020</a:t>
+              <a:t>3/6/2020</a:t>
             </a:fld>
             <a:endParaRPr lang="en-US" dirty="0"/>
           </a:p>
@@ -4360,7 +4360,7 @@
             <a:fld id="{B61BEF0D-F0BB-DE4B-95CE-6DB70DBA9567}" type="datetimeFigureOut">
               <a:rPr lang="en-US" smtClean="0"/>
               <a:pPr/>
-              <a:t>2/4/2020</a:t>
+              <a:t>3/6/2020</a:t>
             </a:fld>
             <a:endParaRPr lang="en-US" dirty="0"/>
           </a:p>
@@ -4611,7 +4611,7 @@
           <a:p>
             <a:fld id="{42A54C80-263E-416B-A8E0-580EDEADCBDC}" type="datetimeFigureOut">
               <a:rPr lang="en-US" smtClean="0"/>
-              <a:t>2/4/2020</a:t>
+              <a:t>3/6/2020</a:t>
             </a:fld>
             <a:endParaRPr lang="en-US" dirty="0"/>
           </a:p>
@@ -4870,7 +4870,7 @@
             <a:fld id="{B61BEF0D-F0BB-DE4B-95CE-6DB70DBA9567}" type="datetimeFigureOut">
               <a:rPr lang="en-US" smtClean="0"/>
               <a:pPr/>
-              <a:t>2/4/2020</a:t>
+              <a:t>3/6/2020</a:t>
             </a:fld>
             <a:endParaRPr lang="en-US" dirty="0"/>
           </a:p>
@@ -5610,7 +5610,7 @@
             <a:fld id="{B61BEF0D-F0BB-DE4B-95CE-6DB70DBA9567}" type="datetimeFigureOut">
               <a:rPr lang="en-US" smtClean="0"/>
               <a:pPr/>
-              <a:t>2/4/2020</a:t>
+              <a:t>3/6/2020</a:t>
             </a:fld>
             <a:endParaRPr lang="en-US" dirty="0"/>
           </a:p>
